--- a/etc/auto_rec_mini.pptx
+++ b/etc/auto_rec_mini.pptx
@@ -5,10 +5,11 @@
     <p:sldMasterId id="2147483648" r:id="rId1"/>
   </p:sldMasterIdLst>
   <p:notesMasterIdLst>
-    <p:notesMasterId r:id="rId3"/>
+    <p:notesMasterId r:id="rId4"/>
   </p:notesMasterIdLst>
   <p:sldIdLst>
     <p:sldId id="305" r:id="rId2"/>
+    <p:sldId id="306" r:id="rId3"/>
   </p:sldIdLst>
   <p:sldSz cx="9144000" cy="6858000" type="screen4x3"/>
   <p:notesSz cx="6858000" cy="9144000"/>
@@ -208,7 +209,7 @@
           <a:p>
             <a:fld id="{22CC3290-24F6-477F-95D9-2B730663FC8A}" type="datetimeFigureOut">
               <a:rPr kumimoji="1" lang="ja-JP" altLang="en-US" smtClean="0"/>
-              <a:t>2019/9/10</a:t>
+              <a:t>2021/2/15</a:t>
             </a:fld>
             <a:endParaRPr kumimoji="1" lang="ja-JP" altLang="en-US"/>
           </a:p>
@@ -689,7 +690,7 @@
           <a:p>
             <a:fld id="{58F1A61C-07EC-4CEE-80EB-D6F8CCBD6E84}" type="datetimeFigureOut">
               <a:rPr kumimoji="1" lang="ja-JP" altLang="en-US" smtClean="0"/>
-              <a:t>2019/9/10</a:t>
+              <a:t>2021/2/15</a:t>
             </a:fld>
             <a:endParaRPr kumimoji="1" lang="ja-JP" altLang="en-US"/>
           </a:p>
@@ -891,7 +892,7 @@
           <a:p>
             <a:fld id="{58F1A61C-07EC-4CEE-80EB-D6F8CCBD6E84}" type="datetimeFigureOut">
               <a:rPr kumimoji="1" lang="ja-JP" altLang="en-US" smtClean="0"/>
-              <a:t>2019/9/10</a:t>
+              <a:t>2021/2/15</a:t>
             </a:fld>
             <a:endParaRPr kumimoji="1" lang="ja-JP" altLang="en-US"/>
           </a:p>
@@ -1103,7 +1104,7 @@
           <a:p>
             <a:fld id="{58F1A61C-07EC-4CEE-80EB-D6F8CCBD6E84}" type="datetimeFigureOut">
               <a:rPr kumimoji="1" lang="ja-JP" altLang="en-US" smtClean="0"/>
-              <a:t>2019/9/10</a:t>
+              <a:t>2021/2/15</a:t>
             </a:fld>
             <a:endParaRPr kumimoji="1" lang="ja-JP" altLang="en-US"/>
           </a:p>
@@ -1305,7 +1306,7 @@
           <a:p>
             <a:fld id="{58F1A61C-07EC-4CEE-80EB-D6F8CCBD6E84}" type="datetimeFigureOut">
               <a:rPr kumimoji="1" lang="ja-JP" altLang="en-US" smtClean="0"/>
-              <a:t>2019/9/10</a:t>
+              <a:t>2021/2/15</a:t>
             </a:fld>
             <a:endParaRPr kumimoji="1" lang="ja-JP" altLang="en-US"/>
           </a:p>
@@ -1551,7 +1552,7 @@
           <a:p>
             <a:fld id="{58F1A61C-07EC-4CEE-80EB-D6F8CCBD6E84}" type="datetimeFigureOut">
               <a:rPr kumimoji="1" lang="ja-JP" altLang="en-US" smtClean="0"/>
-              <a:t>2019/9/10</a:t>
+              <a:t>2021/2/15</a:t>
             </a:fld>
             <a:endParaRPr kumimoji="1" lang="ja-JP" altLang="en-US"/>
           </a:p>
@@ -1903,7 +1904,7 @@
           <a:p>
             <a:fld id="{58F1A61C-07EC-4CEE-80EB-D6F8CCBD6E84}" type="datetimeFigureOut">
               <a:rPr kumimoji="1" lang="ja-JP" altLang="en-US" smtClean="0"/>
-              <a:t>2019/9/10</a:t>
+              <a:t>2021/2/15</a:t>
             </a:fld>
             <a:endParaRPr kumimoji="1" lang="ja-JP" altLang="en-US"/>
           </a:p>
@@ -2389,7 +2390,7 @@
           <a:p>
             <a:fld id="{58F1A61C-07EC-4CEE-80EB-D6F8CCBD6E84}" type="datetimeFigureOut">
               <a:rPr kumimoji="1" lang="ja-JP" altLang="en-US" smtClean="0"/>
-              <a:t>2019/9/10</a:t>
+              <a:t>2021/2/15</a:t>
             </a:fld>
             <a:endParaRPr kumimoji="1" lang="ja-JP" altLang="en-US"/>
           </a:p>
@@ -2507,7 +2508,7 @@
           <a:p>
             <a:fld id="{58F1A61C-07EC-4CEE-80EB-D6F8CCBD6E84}" type="datetimeFigureOut">
               <a:rPr kumimoji="1" lang="ja-JP" altLang="en-US" smtClean="0"/>
-              <a:t>2019/9/10</a:t>
+              <a:t>2021/2/15</a:t>
             </a:fld>
             <a:endParaRPr kumimoji="1" lang="ja-JP" altLang="en-US"/>
           </a:p>
@@ -2602,7 +2603,7 @@
           <a:p>
             <a:fld id="{58F1A61C-07EC-4CEE-80EB-D6F8CCBD6E84}" type="datetimeFigureOut">
               <a:rPr kumimoji="1" lang="ja-JP" altLang="en-US" smtClean="0"/>
-              <a:t>2019/9/10</a:t>
+              <a:t>2021/2/15</a:t>
             </a:fld>
             <a:endParaRPr kumimoji="1" lang="ja-JP" altLang="en-US"/>
           </a:p>
@@ -2911,7 +2912,7 @@
           <a:p>
             <a:fld id="{58F1A61C-07EC-4CEE-80EB-D6F8CCBD6E84}" type="datetimeFigureOut">
               <a:rPr kumimoji="1" lang="ja-JP" altLang="en-US" smtClean="0"/>
-              <a:t>2019/9/10</a:t>
+              <a:t>2021/2/15</a:t>
             </a:fld>
             <a:endParaRPr kumimoji="1" lang="ja-JP" altLang="en-US"/>
           </a:p>
@@ -3164,7 +3165,7 @@
           <a:p>
             <a:fld id="{58F1A61C-07EC-4CEE-80EB-D6F8CCBD6E84}" type="datetimeFigureOut">
               <a:rPr kumimoji="1" lang="ja-JP" altLang="en-US" smtClean="0"/>
-              <a:t>2019/9/10</a:t>
+              <a:t>2021/2/15</a:t>
             </a:fld>
             <a:endParaRPr kumimoji="1" lang="ja-JP" altLang="en-US"/>
           </a:p>
@@ -3409,7 +3410,7 @@
           <a:p>
             <a:fld id="{58F1A61C-07EC-4CEE-80EB-D6F8CCBD6E84}" type="datetimeFigureOut">
               <a:rPr kumimoji="1" lang="ja-JP" altLang="en-US" smtClean="0"/>
-              <a:t>2019/9/10</a:t>
+              <a:t>2021/2/15</a:t>
             </a:fld>
             <a:endParaRPr kumimoji="1" lang="ja-JP" altLang="en-US"/>
           </a:p>
@@ -3792,8 +3793,8 @@
         </p:nvSpPr>
         <p:spPr>
           <a:xfrm>
-            <a:off x="539552" y="891655"/>
-            <a:ext cx="6279605" cy="5491505"/>
+            <a:off x="539552" y="890852"/>
+            <a:ext cx="6550161" cy="4830347"/>
           </a:xfrm>
           <a:prstGeom prst="rect">
             <a:avLst/>
@@ -3846,23 +3847,26 @@
       </p:sp>
       <p:sp>
         <p:nvSpPr>
-          <p:cNvPr id="73" name="正方形/長方形 72"/>
+          <p:cNvPr id="121" name="正方形/長方形 120"/>
           <p:cNvSpPr/>
           <p:nvPr/>
         </p:nvSpPr>
         <p:spPr>
           <a:xfrm>
-            <a:off x="179512" y="203200"/>
-            <a:ext cx="8712968" cy="6537816"/>
+            <a:off x="4521170" y="4132855"/>
+            <a:ext cx="1847884" cy="1448857"/>
           </a:xfrm>
           <a:prstGeom prst="rect">
             <a:avLst/>
           </a:prstGeom>
-          <a:noFill/>
-          <a:ln w="9525">
+          <a:solidFill>
+            <a:schemeClr val="bg2"/>
+          </a:solidFill>
+          <a:ln w="28575">
             <a:solidFill>
               <a:schemeClr val="tx1"/>
             </a:solidFill>
+            <a:prstDash val="sysDot"/>
           </a:ln>
         </p:spPr>
         <p:style>
@@ -3892,21 +3896,26 @@
       </p:sp>
       <p:sp>
         <p:nvSpPr>
-          <p:cNvPr id="74" name="正方形/長方形 73"/>
+          <p:cNvPr id="117" name="正方形/長方形 116"/>
           <p:cNvSpPr/>
           <p:nvPr/>
         </p:nvSpPr>
         <p:spPr>
           <a:xfrm>
-            <a:off x="103312" y="66460"/>
-            <a:ext cx="1370222" cy="185680"/>
+            <a:off x="3470671" y="4069751"/>
+            <a:ext cx="1847884" cy="1448857"/>
           </a:xfrm>
           <a:prstGeom prst="rect">
             <a:avLst/>
           </a:prstGeom>
-          <a:noFill/>
-          <a:ln w="12700">
-            <a:noFill/>
+          <a:solidFill>
+            <a:schemeClr val="bg2"/>
+          </a:solidFill>
+          <a:ln w="28575">
+            <a:solidFill>
+              <a:schemeClr val="tx1"/>
+            </a:solidFill>
+            <a:prstDash val="sysDot"/>
           </a:ln>
         </p:spPr>
         <p:style>
@@ -3930,8 +3939,432 @@
           <a:lstStyle/>
           <a:p>
             <a:pPr algn="ctr"/>
-            <a:r>
-              <a:rPr lang="en-US" altLang="ja-JP" sz="1100" dirty="0">
+            <a:endParaRPr kumimoji="1" lang="ja-JP" altLang="en-US"/>
+          </a:p>
+        </p:txBody>
+      </p:sp>
+      <p:grpSp>
+        <p:nvGrpSpPr>
+          <p:cNvPr id="111" name="グループ化 110"/>
+          <p:cNvGrpSpPr/>
+          <p:nvPr/>
+        </p:nvGrpSpPr>
+        <p:grpSpPr>
+          <a:xfrm>
+            <a:off x="2267744" y="4004802"/>
+            <a:ext cx="1847884" cy="1448857"/>
+            <a:chOff x="4376511" y="4444533"/>
+            <a:chExt cx="1847884" cy="1448857"/>
+          </a:xfrm>
+        </p:grpSpPr>
+        <p:sp>
+          <p:nvSpPr>
+            <p:cNvPr id="112" name="正方形/長方形 111"/>
+            <p:cNvSpPr/>
+            <p:nvPr/>
+          </p:nvSpPr>
+          <p:spPr>
+            <a:xfrm>
+              <a:off x="4376511" y="4444533"/>
+              <a:ext cx="1847884" cy="1448857"/>
+            </a:xfrm>
+            <a:prstGeom prst="rect">
+              <a:avLst/>
+            </a:prstGeom>
+            <a:solidFill>
+              <a:schemeClr val="bg2"/>
+            </a:solidFill>
+            <a:ln w="28575">
+              <a:solidFill>
+                <a:schemeClr val="tx1"/>
+              </a:solidFill>
+              <a:prstDash val="solid"/>
+            </a:ln>
+          </p:spPr>
+          <p:style>
+            <a:lnRef idx="2">
+              <a:schemeClr val="accent1">
+                <a:shade val="50000"/>
+              </a:schemeClr>
+            </a:lnRef>
+            <a:fillRef idx="1">
+              <a:schemeClr val="accent1"/>
+            </a:fillRef>
+            <a:effectRef idx="0">
+              <a:schemeClr val="accent1"/>
+            </a:effectRef>
+            <a:fontRef idx="minor">
+              <a:schemeClr val="lt1"/>
+            </a:fontRef>
+          </p:style>
+          <p:txBody>
+            <a:bodyPr rtlCol="0" anchor="ctr"/>
+            <a:lstStyle/>
+            <a:p>
+              <a:pPr algn="ctr"/>
+              <a:endParaRPr kumimoji="1" lang="ja-JP" altLang="en-US"/>
+            </a:p>
+          </p:txBody>
+        </p:sp>
+        <p:sp>
+          <p:nvSpPr>
+            <p:cNvPr id="113" name="正方形/長方形 112"/>
+            <p:cNvSpPr/>
+            <p:nvPr/>
+          </p:nvSpPr>
+          <p:spPr>
+            <a:xfrm>
+              <a:off x="4589980" y="5008705"/>
+              <a:ext cx="1407313" cy="342601"/>
+            </a:xfrm>
+            <a:prstGeom prst="rect">
+              <a:avLst/>
+            </a:prstGeom>
+            <a:solidFill>
+              <a:schemeClr val="accent6">
+                <a:lumMod val="60000"/>
+                <a:lumOff val="40000"/>
+              </a:schemeClr>
+            </a:solidFill>
+            <a:ln>
+              <a:solidFill>
+                <a:srgbClr val="FF0000"/>
+              </a:solidFill>
+            </a:ln>
+            <a:effectLst>
+              <a:outerShdw blurRad="50800" dist="38100" dir="2700000" algn="tl" rotWithShape="0">
+                <a:prstClr val="black">
+                  <a:alpha val="40000"/>
+                </a:prstClr>
+              </a:outerShdw>
+            </a:effectLst>
+          </p:spPr>
+          <p:style>
+            <a:lnRef idx="2">
+              <a:schemeClr val="accent1">
+                <a:shade val="50000"/>
+              </a:schemeClr>
+            </a:lnRef>
+            <a:fillRef idx="1">
+              <a:schemeClr val="accent1"/>
+            </a:fillRef>
+            <a:effectRef idx="0">
+              <a:schemeClr val="accent1"/>
+            </a:effectRef>
+            <a:fontRef idx="minor">
+              <a:schemeClr val="lt1"/>
+            </a:fontRef>
+          </p:style>
+          <p:txBody>
+            <a:bodyPr rtlCol="0" anchor="ctr"/>
+            <a:lstStyle/>
+            <a:p>
+              <a:pPr algn="ctr"/>
+              <a:r>
+                <a:rPr kumimoji="1" lang="en-US" altLang="ja-JP" sz="1400" dirty="0" smtClean="0">
+                  <a:solidFill>
+                    <a:schemeClr val="tx1"/>
+                  </a:solidFill>
+                </a:rPr>
+                <a:t>Tuner Control</a:t>
+              </a:r>
+              <a:endParaRPr kumimoji="1" lang="ja-JP" altLang="en-US" sz="1400" dirty="0">
+                <a:solidFill>
+                  <a:schemeClr val="tx1"/>
+                </a:solidFill>
+              </a:endParaRPr>
+            </a:p>
+          </p:txBody>
+        </p:sp>
+        <p:sp>
+          <p:nvSpPr>
+            <p:cNvPr id="114" name="正方形/長方形 113"/>
+            <p:cNvSpPr/>
+            <p:nvPr/>
+          </p:nvSpPr>
+          <p:spPr>
+            <a:xfrm>
+              <a:off x="4589696" y="5443965"/>
+              <a:ext cx="1407313" cy="351660"/>
+            </a:xfrm>
+            <a:prstGeom prst="rect">
+              <a:avLst/>
+            </a:prstGeom>
+            <a:solidFill>
+              <a:schemeClr val="accent6">
+                <a:lumMod val="60000"/>
+                <a:lumOff val="40000"/>
+              </a:schemeClr>
+            </a:solidFill>
+            <a:ln>
+              <a:solidFill>
+                <a:srgbClr val="FF0000"/>
+              </a:solidFill>
+            </a:ln>
+            <a:effectLst>
+              <a:outerShdw blurRad="50800" dist="38100" dir="2700000" algn="tl" rotWithShape="0">
+                <a:prstClr val="black">
+                  <a:alpha val="40000"/>
+                </a:prstClr>
+              </a:outerShdw>
+            </a:effectLst>
+          </p:spPr>
+          <p:style>
+            <a:lnRef idx="2">
+              <a:schemeClr val="accent1">
+                <a:shade val="50000"/>
+              </a:schemeClr>
+            </a:lnRef>
+            <a:fillRef idx="1">
+              <a:schemeClr val="accent1"/>
+            </a:fillRef>
+            <a:effectRef idx="0">
+              <a:schemeClr val="accent1"/>
+            </a:effectRef>
+            <a:fontRef idx="minor">
+              <a:schemeClr val="lt1"/>
+            </a:fontRef>
+          </p:style>
+          <p:txBody>
+            <a:bodyPr rtlCol="0" anchor="ctr"/>
+            <a:lstStyle/>
+            <a:p>
+              <a:pPr algn="ctr"/>
+              <a:r>
+                <a:rPr kumimoji="1" lang="en-US" altLang="ja-JP" sz="1400" dirty="0" smtClean="0">
+                  <a:solidFill>
+                    <a:schemeClr val="tx1"/>
+                  </a:solidFill>
+                </a:rPr>
+                <a:t>Tune Thread</a:t>
+              </a:r>
+              <a:endParaRPr kumimoji="1" lang="ja-JP" altLang="en-US" sz="1400" dirty="0">
+                <a:solidFill>
+                  <a:schemeClr val="tx1"/>
+                </a:solidFill>
+              </a:endParaRPr>
+            </a:p>
+          </p:txBody>
+        </p:sp>
+        <p:sp>
+          <p:nvSpPr>
+            <p:cNvPr id="115" name="正方形/長方形 114"/>
+            <p:cNvSpPr/>
+            <p:nvPr/>
+          </p:nvSpPr>
+          <p:spPr>
+            <a:xfrm>
+              <a:off x="4604555" y="4544513"/>
+              <a:ext cx="1407325" cy="362313"/>
+            </a:xfrm>
+            <a:prstGeom prst="rect">
+              <a:avLst/>
+            </a:prstGeom>
+            <a:solidFill>
+              <a:schemeClr val="accent6">
+                <a:lumMod val="60000"/>
+                <a:lumOff val="40000"/>
+              </a:schemeClr>
+            </a:solidFill>
+            <a:ln>
+              <a:solidFill>
+                <a:srgbClr val="FF0000"/>
+              </a:solidFill>
+            </a:ln>
+            <a:effectLst>
+              <a:outerShdw blurRad="50800" dist="38100" dir="2700000" algn="tl" rotWithShape="0">
+                <a:prstClr val="black">
+                  <a:alpha val="40000"/>
+                </a:prstClr>
+              </a:outerShdw>
+            </a:effectLst>
+          </p:spPr>
+          <p:style>
+            <a:lnRef idx="2">
+              <a:schemeClr val="accent1">
+                <a:shade val="50000"/>
+              </a:schemeClr>
+            </a:lnRef>
+            <a:fillRef idx="1">
+              <a:schemeClr val="accent1"/>
+            </a:fillRef>
+            <a:effectRef idx="0">
+              <a:schemeClr val="accent1"/>
+            </a:effectRef>
+            <a:fontRef idx="minor">
+              <a:schemeClr val="lt1"/>
+            </a:fontRef>
+          </p:style>
+          <p:txBody>
+            <a:bodyPr rtlCol="0" anchor="ctr"/>
+            <a:lstStyle/>
+            <a:p>
+              <a:pPr algn="ctr"/>
+              <a:r>
+                <a:rPr kumimoji="1" lang="en-US" altLang="ja-JP" sz="1400" dirty="0" smtClean="0">
+                  <a:solidFill>
+                    <a:schemeClr val="tx1"/>
+                  </a:solidFill>
+                </a:rPr>
+                <a:t>PSI/SI Manager</a:t>
+              </a:r>
+              <a:endParaRPr kumimoji="1" lang="ja-JP" altLang="en-US" sz="1400" dirty="0">
+                <a:solidFill>
+                  <a:schemeClr val="tx1"/>
+                </a:solidFill>
+              </a:endParaRPr>
+            </a:p>
+          </p:txBody>
+        </p:sp>
+      </p:grpSp>
+      <p:sp>
+        <p:nvSpPr>
+          <p:cNvPr id="110" name="正方形/長方形 109"/>
+          <p:cNvSpPr/>
+          <p:nvPr/>
+        </p:nvSpPr>
+        <p:spPr>
+          <a:xfrm>
+            <a:off x="4930287" y="2794629"/>
+            <a:ext cx="917365" cy="534338"/>
+          </a:xfrm>
+          <a:prstGeom prst="rect">
+            <a:avLst/>
+          </a:prstGeom>
+          <a:solidFill>
+            <a:schemeClr val="accent5"/>
+          </a:solidFill>
+          <a:ln>
+            <a:solidFill>
+              <a:schemeClr val="tx1"/>
+            </a:solidFill>
+            <a:prstDash val="sysDot"/>
+          </a:ln>
+          <a:effectLst>
+            <a:outerShdw blurRad="50800" dist="38100" dir="2700000" algn="tl" rotWithShape="0">
+              <a:prstClr val="black">
+                <a:alpha val="40000"/>
+              </a:prstClr>
+            </a:outerShdw>
+          </a:effectLst>
+        </p:spPr>
+        <p:style>
+          <a:lnRef idx="2">
+            <a:schemeClr val="accent1">
+              <a:shade val="50000"/>
+            </a:schemeClr>
+          </a:lnRef>
+          <a:fillRef idx="1">
+            <a:schemeClr val="accent1"/>
+          </a:fillRef>
+          <a:effectRef idx="0">
+            <a:schemeClr val="accent1"/>
+          </a:effectRef>
+          <a:fontRef idx="minor">
+            <a:schemeClr val="lt1"/>
+          </a:fontRef>
+        </p:style>
+        <p:txBody>
+          <a:bodyPr rtlCol="0" anchor="ctr"/>
+          <a:lstStyle/>
+          <a:p>
+            <a:pPr algn="ctr"/>
+            <a:endParaRPr kumimoji="1" lang="ja-JP" altLang="en-US" sz="1400" dirty="0">
+              <a:solidFill>
+                <a:schemeClr val="tx1"/>
+              </a:solidFill>
+            </a:endParaRPr>
+          </a:p>
+        </p:txBody>
+      </p:sp>
+      <p:sp>
+        <p:nvSpPr>
+          <p:cNvPr id="73" name="正方形/長方形 72"/>
+          <p:cNvSpPr/>
+          <p:nvPr/>
+        </p:nvSpPr>
+        <p:spPr>
+          <a:xfrm>
+            <a:off x="179512" y="203200"/>
+            <a:ext cx="8712968" cy="6537816"/>
+          </a:xfrm>
+          <a:prstGeom prst="rect">
+            <a:avLst/>
+          </a:prstGeom>
+          <a:noFill/>
+          <a:ln w="9525">
+            <a:solidFill>
+              <a:schemeClr val="tx1"/>
+            </a:solidFill>
+          </a:ln>
+        </p:spPr>
+        <p:style>
+          <a:lnRef idx="2">
+            <a:schemeClr val="accent1">
+              <a:shade val="50000"/>
+            </a:schemeClr>
+          </a:lnRef>
+          <a:fillRef idx="1">
+            <a:schemeClr val="accent1"/>
+          </a:fillRef>
+          <a:effectRef idx="0">
+            <a:schemeClr val="accent1"/>
+          </a:effectRef>
+          <a:fontRef idx="minor">
+            <a:schemeClr val="lt1"/>
+          </a:fontRef>
+        </p:style>
+        <p:txBody>
+          <a:bodyPr rtlCol="0" anchor="ctr"/>
+          <a:lstStyle/>
+          <a:p>
+            <a:pPr algn="ctr"/>
+            <a:endParaRPr kumimoji="1" lang="ja-JP" altLang="en-US"/>
+          </a:p>
+        </p:txBody>
+      </p:sp>
+      <p:sp>
+        <p:nvSpPr>
+          <p:cNvPr id="74" name="正方形/長方形 73"/>
+          <p:cNvSpPr/>
+          <p:nvPr/>
+        </p:nvSpPr>
+        <p:spPr>
+          <a:xfrm>
+            <a:off x="103312" y="66460"/>
+            <a:ext cx="1804392" cy="160328"/>
+          </a:xfrm>
+          <a:prstGeom prst="rect">
+            <a:avLst/>
+          </a:prstGeom>
+          <a:noFill/>
+          <a:ln w="12700">
+            <a:noFill/>
+          </a:ln>
+        </p:spPr>
+        <p:style>
+          <a:lnRef idx="2">
+            <a:schemeClr val="accent1">
+              <a:shade val="50000"/>
+            </a:schemeClr>
+          </a:lnRef>
+          <a:fillRef idx="1">
+            <a:schemeClr val="accent1"/>
+          </a:fillRef>
+          <a:effectRef idx="0">
+            <a:schemeClr val="accent1"/>
+          </a:effectRef>
+          <a:fontRef idx="minor">
+            <a:schemeClr val="lt1"/>
+          </a:fontRef>
+        </p:style>
+        <p:txBody>
+          <a:bodyPr rtlCol="0" anchor="ctr"/>
+          <a:lstStyle/>
+          <a:p>
+            <a:pPr algn="ctr"/>
+            <a:r>
+              <a:rPr lang="en-US" altLang="ja-JP" sz="1400" dirty="0">
                 <a:solidFill>
                   <a:schemeClr val="tx1"/>
                 </a:solidFill>
@@ -3939,7 +4372,7 @@
               <a:t>C</a:t>
             </a:r>
             <a:r>
-              <a:rPr kumimoji="1" lang="en-US" altLang="ja-JP" sz="1100" dirty="0" smtClean="0">
+              <a:rPr kumimoji="1" lang="en-US" altLang="ja-JP" sz="1400" dirty="0" smtClean="0">
                 <a:solidFill>
                   <a:schemeClr val="tx1"/>
                 </a:solidFill>
@@ -3957,8 +4390,8 @@
         </p:nvSpPr>
         <p:spPr>
           <a:xfrm>
-            <a:off x="3388944" y="1061707"/>
-            <a:ext cx="2551208" cy="340204"/>
+            <a:off x="3388944" y="1082818"/>
+            <a:ext cx="2551208" cy="235028"/>
           </a:xfrm>
           <a:prstGeom prst="rect">
             <a:avLst/>
@@ -4027,8 +4460,8 @@
         </p:nvSpPr>
         <p:spPr>
           <a:xfrm>
-            <a:off x="1400318" y="2865491"/>
-            <a:ext cx="3457715" cy="352068"/>
+            <a:off x="629924" y="2511767"/>
+            <a:ext cx="1878278" cy="352068"/>
           </a:xfrm>
           <a:prstGeom prst="rect">
             <a:avLst/>
@@ -4097,7 +4530,7 @@
         </p:nvSpPr>
         <p:spPr>
           <a:xfrm>
-            <a:off x="969715" y="1089495"/>
+            <a:off x="969715" y="1005430"/>
             <a:ext cx="1724932" cy="231359"/>
           </a:xfrm>
           <a:prstGeom prst="rect">
@@ -4169,186 +4602,14 @@
       </p:sp>
       <p:sp>
         <p:nvSpPr>
-          <p:cNvPr id="96" name="正方形/長方形 95"/>
-          <p:cNvSpPr/>
-          <p:nvPr/>
-        </p:nvSpPr>
-        <p:spPr>
-          <a:xfrm>
-            <a:off x="683568" y="5865666"/>
-            <a:ext cx="5976664" cy="384094"/>
-          </a:xfrm>
-          <a:prstGeom prst="rect">
-            <a:avLst/>
-          </a:prstGeom>
-          <a:solidFill>
-            <a:schemeClr val="accent2">
-              <a:lumMod val="40000"/>
-              <a:lumOff val="60000"/>
-            </a:schemeClr>
-          </a:solidFill>
-          <a:ln>
-            <a:solidFill>
-              <a:srgbClr val="FF0000"/>
-            </a:solidFill>
-          </a:ln>
-          <a:effectLst>
-            <a:outerShdw blurRad="50800" dist="38100" dir="2700000" algn="tl" rotWithShape="0">
-              <a:prstClr val="black">
-                <a:alpha val="40000"/>
-              </a:prstClr>
-            </a:outerShdw>
-          </a:effectLst>
-        </p:spPr>
-        <p:style>
-          <a:lnRef idx="2">
-            <a:schemeClr val="accent1">
-              <a:shade val="50000"/>
-            </a:schemeClr>
-          </a:lnRef>
-          <a:fillRef idx="1">
-            <a:schemeClr val="accent1"/>
-          </a:fillRef>
-          <a:effectRef idx="0">
-            <a:schemeClr val="accent1"/>
-          </a:effectRef>
-          <a:fontRef idx="minor">
-            <a:schemeClr val="lt1"/>
-          </a:fontRef>
-        </p:style>
-        <p:txBody>
-          <a:bodyPr rtlCol="0" anchor="ctr"/>
-          <a:lstStyle/>
-          <a:p>
-            <a:pPr algn="ctr"/>
-            <a:r>
-              <a:rPr kumimoji="1" lang="en-US" altLang="ja-JP" sz="1400" dirty="0" err="1" smtClean="0">
-                <a:solidFill>
-                  <a:schemeClr val="tx1"/>
-                </a:solidFill>
-              </a:rPr>
-              <a:t>threadmgr</a:t>
-            </a:r>
-            <a:r>
-              <a:rPr kumimoji="1" lang="en-US" altLang="ja-JP" sz="1400" dirty="0" smtClean="0">
-                <a:solidFill>
-                  <a:schemeClr val="tx1"/>
-                </a:solidFill>
-              </a:rPr>
-              <a:t> (thread </a:t>
-            </a:r>
-            <a:r>
-              <a:rPr lang="en-US" altLang="ja-JP" sz="1400" dirty="0" smtClean="0">
-                <a:solidFill>
-                  <a:schemeClr val="tx1"/>
-                </a:solidFill>
-              </a:rPr>
-              <a:t>manager </a:t>
-            </a:r>
-            <a:r>
-              <a:rPr kumimoji="1" lang="en-US" altLang="ja-JP" sz="1400" dirty="0" smtClean="0">
-                <a:solidFill>
-                  <a:schemeClr val="tx1"/>
-                </a:solidFill>
-              </a:rPr>
-              <a:t>framework)</a:t>
-            </a:r>
-            <a:endParaRPr kumimoji="1" lang="ja-JP" altLang="en-US" sz="1400" dirty="0">
-              <a:solidFill>
-                <a:schemeClr val="tx1"/>
-              </a:solidFill>
-            </a:endParaRPr>
-          </a:p>
-        </p:txBody>
-      </p:sp>
-      <p:sp>
-        <p:nvSpPr>
-          <p:cNvPr id="102" name="正方形/長方形 101"/>
-          <p:cNvSpPr/>
-          <p:nvPr/>
-        </p:nvSpPr>
-        <p:spPr>
-          <a:xfrm>
-            <a:off x="1733138" y="4466456"/>
-            <a:ext cx="4009190" cy="278809"/>
-          </a:xfrm>
-          <a:prstGeom prst="rect">
-            <a:avLst/>
-          </a:prstGeom>
-          <a:solidFill>
-            <a:schemeClr val="bg1"/>
-          </a:solidFill>
-          <a:effectLst>
-            <a:outerShdw blurRad="50800" dist="38100" dir="2700000" algn="tl" rotWithShape="0">
-              <a:prstClr val="black">
-                <a:alpha val="40000"/>
-              </a:prstClr>
-            </a:outerShdw>
-          </a:effectLst>
-        </p:spPr>
-        <p:style>
-          <a:lnRef idx="2">
-            <a:schemeClr val="accent1">
-              <a:shade val="50000"/>
-            </a:schemeClr>
-          </a:lnRef>
-          <a:fillRef idx="1">
-            <a:schemeClr val="accent1"/>
-          </a:fillRef>
-          <a:effectRef idx="0">
-            <a:schemeClr val="accent1"/>
-          </a:effectRef>
-          <a:fontRef idx="minor">
-            <a:schemeClr val="lt1"/>
-          </a:fontRef>
-        </p:style>
-        <p:txBody>
-          <a:bodyPr rtlCol="0" anchor="ctr"/>
-          <a:lstStyle/>
-          <a:p>
-            <a:pPr algn="ctr"/>
-            <a:r>
-              <a:rPr kumimoji="1" lang="en-US" altLang="ja-JP" dirty="0" smtClean="0">
-                <a:solidFill>
-                  <a:schemeClr val="tx1"/>
-                </a:solidFill>
-              </a:rPr>
-              <a:t>it9175 </a:t>
-            </a:r>
-            <a:r>
-              <a:rPr kumimoji="1" lang="en-US" altLang="ja-JP" dirty="0" err="1" smtClean="0">
-                <a:solidFill>
-                  <a:schemeClr val="tx1"/>
-                </a:solidFill>
-              </a:rPr>
-              <a:t>ts</a:t>
-            </a:r>
-            <a:r>
-              <a:rPr kumimoji="1" lang="en-US" altLang="ja-JP" dirty="0" smtClean="0">
-                <a:solidFill>
-                  <a:schemeClr val="tx1"/>
-                </a:solidFill>
-              </a:rPr>
-              <a:t> callbacks</a:t>
-            </a:r>
-            <a:endParaRPr kumimoji="1" lang="ja-JP" altLang="en-US" dirty="0">
-              <a:solidFill>
-                <a:schemeClr val="tx1"/>
-              </a:solidFill>
-            </a:endParaRPr>
-          </a:p>
-        </p:txBody>
-      </p:sp>
-      <p:sp>
-        <p:nvSpPr>
           <p:cNvPr id="103" name="正方形/長方形 102"/>
           <p:cNvSpPr/>
           <p:nvPr/>
         </p:nvSpPr>
         <p:spPr>
           <a:xfrm>
-            <a:off x="3129176" y="2287533"/>
-            <a:ext cx="2720719" cy="294559"/>
+            <a:off x="2863171" y="2203468"/>
+            <a:ext cx="2986724" cy="453930"/>
           </a:xfrm>
           <a:prstGeom prst="rect">
             <a:avLst/>
@@ -4411,36 +4672,24 @@
       </p:sp>
       <p:sp>
         <p:nvSpPr>
-          <p:cNvPr id="108" name="正方形/長方形 107"/>
+          <p:cNvPr id="141" name="正方形/長方形 140"/>
           <p:cNvSpPr/>
           <p:nvPr/>
         </p:nvSpPr>
         <p:spPr>
           <a:xfrm>
-            <a:off x="1185069" y="5229200"/>
-            <a:ext cx="4683075" cy="407993"/>
+            <a:off x="597328" y="2031948"/>
+            <a:ext cx="887233" cy="432399"/>
           </a:xfrm>
           <a:prstGeom prst="rect">
             <a:avLst/>
           </a:prstGeom>
           <a:solidFill>
-            <a:schemeClr val="accent6">
-              <a:lumMod val="60000"/>
-              <a:lumOff val="40000"/>
-            </a:schemeClr>
+            <a:srgbClr val="92D050"/>
           </a:solidFill>
-          <a:ln>
-            <a:solidFill>
-              <a:srgbClr val="FF0000"/>
-            </a:solidFill>
+          <a:ln w="19050">
+            <a:noFill/>
           </a:ln>
-          <a:effectLst>
-            <a:outerShdw blurRad="50800" dist="38100" dir="2700000" algn="tl" rotWithShape="0">
-              <a:prstClr val="black">
-                <a:alpha val="40000"/>
-              </a:prstClr>
-            </a:outerShdw>
-          </a:effectLst>
         </p:spPr>
         <p:style>
           <a:lnRef idx="2">
@@ -4464,12 +4713,12 @@
           <a:p>
             <a:pPr algn="ctr"/>
             <a:r>
-              <a:rPr kumimoji="1" lang="en-US" altLang="ja-JP" sz="1400" dirty="0" smtClean="0">
+              <a:rPr lang="en-US" altLang="ja-JP" sz="1400" dirty="0" smtClean="0">
                 <a:solidFill>
                   <a:schemeClr val="tx1"/>
                 </a:solidFill>
               </a:rPr>
-              <a:t>Tuner Control</a:t>
+              <a:t>channel scan</a:t>
             </a:r>
             <a:endParaRPr kumimoji="1" lang="ja-JP" altLang="en-US" sz="1400" dirty="0">
               <a:solidFill>
@@ -4479,88 +4728,24 @@
           </a:p>
         </p:txBody>
       </p:sp>
-      <p:cxnSp>
-        <p:nvCxnSpPr>
-          <p:cNvPr id="133" name="直線矢印コネクタ 132"/>
-          <p:cNvCxnSpPr/>
-          <p:nvPr/>
-        </p:nvCxnSpPr>
-        <p:spPr>
-          <a:xfrm flipV="1">
-            <a:off x="3129176" y="3943957"/>
-            <a:ext cx="0" cy="534530"/>
-          </a:xfrm>
-          <a:prstGeom prst="straightConnector1">
-            <a:avLst/>
-          </a:prstGeom>
-          <a:ln w="57150">
-            <a:tailEnd type="triangle"/>
-          </a:ln>
-        </p:spPr>
-        <p:style>
-          <a:lnRef idx="1">
-            <a:schemeClr val="accent1"/>
-          </a:lnRef>
-          <a:fillRef idx="0">
-            <a:schemeClr val="accent1"/>
-          </a:fillRef>
-          <a:effectRef idx="0">
-            <a:schemeClr val="accent1"/>
-          </a:effectRef>
-          <a:fontRef idx="minor">
-            <a:schemeClr val="tx1"/>
-          </a:fontRef>
-        </p:style>
-      </p:cxnSp>
-      <p:cxnSp>
-        <p:nvCxnSpPr>
-          <p:cNvPr id="135" name="直線矢印コネクタ 134"/>
-          <p:cNvCxnSpPr/>
-          <p:nvPr/>
-        </p:nvCxnSpPr>
-        <p:spPr>
-          <a:xfrm flipV="1">
-            <a:off x="5292080" y="2582092"/>
-            <a:ext cx="0" cy="1884364"/>
-          </a:xfrm>
-          <a:prstGeom prst="straightConnector1">
-            <a:avLst/>
-          </a:prstGeom>
-          <a:ln w="57150">
-            <a:tailEnd type="triangle"/>
-          </a:ln>
-        </p:spPr>
-        <p:style>
-          <a:lnRef idx="1">
-            <a:schemeClr val="accent1"/>
-          </a:lnRef>
-          <a:fillRef idx="0">
-            <a:schemeClr val="accent1"/>
-          </a:fillRef>
-          <a:effectRef idx="0">
-            <a:schemeClr val="accent1"/>
-          </a:effectRef>
-          <a:fontRef idx="minor">
-            <a:schemeClr val="tx1"/>
-          </a:fontRef>
-        </p:style>
-      </p:cxnSp>
-      <p:sp>
-        <p:nvSpPr>
-          <p:cNvPr id="137" name="正方形/長方形 136"/>
+      <p:sp>
+        <p:nvSpPr>
+          <p:cNvPr id="147" name="正方形/長方形 146"/>
           <p:cNvSpPr/>
           <p:nvPr/>
         </p:nvSpPr>
         <p:spPr>
           <a:xfrm>
-            <a:off x="5198659" y="3495221"/>
-            <a:ext cx="413799" cy="211415"/>
+            <a:off x="4998615" y="1912329"/>
+            <a:ext cx="1225780" cy="235554"/>
           </a:xfrm>
           <a:prstGeom prst="rect">
             <a:avLst/>
           </a:prstGeom>
-          <a:noFill/>
-          <a:ln w="12700">
+          <a:solidFill>
+            <a:srgbClr val="92D050"/>
+          </a:solidFill>
+          <a:ln w="19050">
             <a:noFill/>
           </a:ln>
         </p:spPr>
@@ -4586,178 +4771,6 @@
           <a:p>
             <a:pPr algn="ctr"/>
             <a:r>
-              <a:rPr lang="en-US" altLang="ja-JP" dirty="0" smtClean="0">
-                <a:solidFill>
-                  <a:schemeClr val="tx1"/>
-                </a:solidFill>
-              </a:rPr>
-              <a:t>TS</a:t>
-            </a:r>
-            <a:endParaRPr kumimoji="1" lang="en-US" altLang="ja-JP" dirty="0" smtClean="0">
-              <a:solidFill>
-                <a:schemeClr val="tx1"/>
-              </a:solidFill>
-            </a:endParaRPr>
-          </a:p>
-        </p:txBody>
-      </p:sp>
-      <p:sp>
-        <p:nvSpPr>
-          <p:cNvPr id="138" name="正方形/長方形 137"/>
-          <p:cNvSpPr/>
-          <p:nvPr/>
-        </p:nvSpPr>
-        <p:spPr>
-          <a:xfrm>
-            <a:off x="3059832" y="4145896"/>
-            <a:ext cx="413799" cy="211415"/>
-          </a:xfrm>
-          <a:prstGeom prst="rect">
-            <a:avLst/>
-          </a:prstGeom>
-          <a:noFill/>
-          <a:ln w="12700">
-            <a:noFill/>
-          </a:ln>
-        </p:spPr>
-        <p:style>
-          <a:lnRef idx="2">
-            <a:schemeClr val="accent1">
-              <a:shade val="50000"/>
-            </a:schemeClr>
-          </a:lnRef>
-          <a:fillRef idx="1">
-            <a:schemeClr val="accent1"/>
-          </a:fillRef>
-          <a:effectRef idx="0">
-            <a:schemeClr val="accent1"/>
-          </a:effectRef>
-          <a:fontRef idx="minor">
-            <a:schemeClr val="lt1"/>
-          </a:fontRef>
-        </p:style>
-        <p:txBody>
-          <a:bodyPr rtlCol="0" anchor="ctr"/>
-          <a:lstStyle/>
-          <a:p>
-            <a:pPr algn="ctr"/>
-            <a:r>
-              <a:rPr lang="en-US" altLang="ja-JP" dirty="0" smtClean="0">
-                <a:solidFill>
-                  <a:schemeClr val="tx1"/>
-                </a:solidFill>
-              </a:rPr>
-              <a:t>TS</a:t>
-            </a:r>
-            <a:endParaRPr kumimoji="1" lang="en-US" altLang="ja-JP" dirty="0" smtClean="0">
-              <a:solidFill>
-                <a:schemeClr val="tx1"/>
-              </a:solidFill>
-            </a:endParaRPr>
-          </a:p>
-        </p:txBody>
-      </p:sp>
-      <p:sp>
-        <p:nvSpPr>
-          <p:cNvPr id="141" name="正方形/長方形 140"/>
-          <p:cNvSpPr/>
-          <p:nvPr/>
-        </p:nvSpPr>
-        <p:spPr>
-          <a:xfrm>
-            <a:off x="3960090" y="2759827"/>
-            <a:ext cx="1157712" cy="253127"/>
-          </a:xfrm>
-          <a:prstGeom prst="rect">
-            <a:avLst/>
-          </a:prstGeom>
-          <a:solidFill>
-            <a:srgbClr val="92D050"/>
-          </a:solidFill>
-          <a:ln w="19050">
-            <a:noFill/>
-          </a:ln>
-        </p:spPr>
-        <p:style>
-          <a:lnRef idx="2">
-            <a:schemeClr val="accent1">
-              <a:shade val="50000"/>
-            </a:schemeClr>
-          </a:lnRef>
-          <a:fillRef idx="1">
-            <a:schemeClr val="accent1"/>
-          </a:fillRef>
-          <a:effectRef idx="0">
-            <a:schemeClr val="accent1"/>
-          </a:effectRef>
-          <a:fontRef idx="minor">
-            <a:schemeClr val="lt1"/>
-          </a:fontRef>
-        </p:style>
-        <p:txBody>
-          <a:bodyPr rtlCol="0" anchor="ctr"/>
-          <a:lstStyle/>
-          <a:p>
-            <a:pPr algn="ctr"/>
-            <a:r>
-              <a:rPr lang="en-US" altLang="ja-JP" sz="1400" dirty="0" smtClean="0">
-                <a:solidFill>
-                  <a:schemeClr val="tx1"/>
-                </a:solidFill>
-              </a:rPr>
-              <a:t>channel scan</a:t>
-            </a:r>
-            <a:endParaRPr kumimoji="1" lang="ja-JP" altLang="en-US" sz="1400" dirty="0">
-              <a:solidFill>
-                <a:schemeClr val="tx1"/>
-              </a:solidFill>
-            </a:endParaRPr>
-          </a:p>
-        </p:txBody>
-      </p:sp>
-      <p:sp>
-        <p:nvSpPr>
-          <p:cNvPr id="147" name="正方形/長方形 146"/>
-          <p:cNvSpPr/>
-          <p:nvPr/>
-        </p:nvSpPr>
-        <p:spPr>
-          <a:xfrm>
-            <a:off x="5082220" y="2109798"/>
-            <a:ext cx="1225780" cy="235554"/>
-          </a:xfrm>
-          <a:prstGeom prst="rect">
-            <a:avLst/>
-          </a:prstGeom>
-          <a:solidFill>
-            <a:srgbClr val="92D050"/>
-          </a:solidFill>
-          <a:ln w="19050">
-            <a:noFill/>
-          </a:ln>
-        </p:spPr>
-        <p:style>
-          <a:lnRef idx="2">
-            <a:schemeClr val="accent1">
-              <a:shade val="50000"/>
-            </a:schemeClr>
-          </a:lnRef>
-          <a:fillRef idx="1">
-            <a:schemeClr val="accent1"/>
-          </a:fillRef>
-          <a:effectRef idx="0">
-            <a:schemeClr val="accent1"/>
-          </a:effectRef>
-          <a:fontRef idx="minor">
-            <a:schemeClr val="lt1"/>
-          </a:fontRef>
-        </p:style>
-        <p:txBody>
-          <a:bodyPr rtlCol="0" anchor="ctr"/>
-          <a:lstStyle/>
-          <a:p>
-            <a:pPr algn="ctr"/>
-            <a:r>
               <a:rPr lang="en-US" altLang="ja-JP" sz="1400" dirty="0" smtClean="0">
                 <a:solidFill>
                   <a:schemeClr val="tx1"/>
@@ -4773,196 +4786,6 @@
           </a:p>
         </p:txBody>
       </p:sp>
-      <p:sp>
-        <p:nvSpPr>
-          <p:cNvPr id="109" name="正方形/長方形 108"/>
-          <p:cNvSpPr/>
-          <p:nvPr/>
-        </p:nvSpPr>
-        <p:spPr>
-          <a:xfrm>
-            <a:off x="1845065" y="4930656"/>
-            <a:ext cx="3668382" cy="370552"/>
-          </a:xfrm>
-          <a:prstGeom prst="rect">
-            <a:avLst/>
-          </a:prstGeom>
-          <a:solidFill>
-            <a:schemeClr val="accent6">
-              <a:lumMod val="60000"/>
-              <a:lumOff val="40000"/>
-            </a:schemeClr>
-          </a:solidFill>
-          <a:ln>
-            <a:solidFill>
-              <a:srgbClr val="FF0000"/>
-            </a:solidFill>
-          </a:ln>
-          <a:effectLst>
-            <a:outerShdw blurRad="50800" dist="38100" dir="2700000" algn="tl" rotWithShape="0">
-              <a:prstClr val="black">
-                <a:alpha val="40000"/>
-              </a:prstClr>
-            </a:outerShdw>
-          </a:effectLst>
-        </p:spPr>
-        <p:style>
-          <a:lnRef idx="2">
-            <a:schemeClr val="accent1">
-              <a:shade val="50000"/>
-            </a:schemeClr>
-          </a:lnRef>
-          <a:fillRef idx="1">
-            <a:schemeClr val="accent1"/>
-          </a:fillRef>
-          <a:effectRef idx="0">
-            <a:schemeClr val="accent1"/>
-          </a:effectRef>
-          <a:fontRef idx="minor">
-            <a:schemeClr val="lt1"/>
-          </a:fontRef>
-        </p:style>
-        <p:txBody>
-          <a:bodyPr rtlCol="0" anchor="ctr"/>
-          <a:lstStyle/>
-          <a:p>
-            <a:pPr algn="ctr"/>
-            <a:r>
-              <a:rPr kumimoji="1" lang="en-US" altLang="ja-JP" sz="1400" dirty="0" smtClean="0">
-                <a:solidFill>
-                  <a:schemeClr val="tx1"/>
-                </a:solidFill>
-              </a:rPr>
-              <a:t>Tune Thread</a:t>
-            </a:r>
-            <a:endParaRPr kumimoji="1" lang="ja-JP" altLang="en-US" sz="1400" dirty="0">
-              <a:solidFill>
-                <a:schemeClr val="tx1"/>
-              </a:solidFill>
-            </a:endParaRPr>
-          </a:p>
-        </p:txBody>
-      </p:sp>
-      <p:sp>
-        <p:nvSpPr>
-          <p:cNvPr id="101" name="正方形/長方形 100"/>
-          <p:cNvSpPr/>
-          <p:nvPr/>
-        </p:nvSpPr>
-        <p:spPr>
-          <a:xfrm>
-            <a:off x="5056545" y="4565701"/>
-            <a:ext cx="1142060" cy="450889"/>
-          </a:xfrm>
-          <a:prstGeom prst="rect">
-            <a:avLst/>
-          </a:prstGeom>
-          <a:solidFill>
-            <a:schemeClr val="bg1"/>
-          </a:solidFill>
-          <a:ln w="19050"/>
-        </p:spPr>
-        <p:style>
-          <a:lnRef idx="2">
-            <a:schemeClr val="accent1">
-              <a:shade val="50000"/>
-            </a:schemeClr>
-          </a:lnRef>
-          <a:fillRef idx="1">
-            <a:schemeClr val="accent1"/>
-          </a:fillRef>
-          <a:effectRef idx="0">
-            <a:schemeClr val="accent1"/>
-          </a:effectRef>
-          <a:fontRef idx="minor">
-            <a:schemeClr val="lt1"/>
-          </a:fontRef>
-        </p:style>
-        <p:txBody>
-          <a:bodyPr rtlCol="0" anchor="ctr"/>
-          <a:lstStyle/>
-          <a:p>
-            <a:pPr algn="ctr"/>
-            <a:r>
-              <a:rPr lang="en-US" altLang="ja-JP" sz="1400" dirty="0" smtClean="0">
-                <a:solidFill>
-                  <a:schemeClr val="tx1"/>
-                </a:solidFill>
-              </a:rPr>
-              <a:t>it9175</a:t>
-            </a:r>
-          </a:p>
-          <a:p>
-            <a:pPr algn="ctr"/>
-            <a:r>
-              <a:rPr kumimoji="1" lang="en-US" altLang="ja-JP" sz="1400" dirty="0" smtClean="0">
-                <a:solidFill>
-                  <a:schemeClr val="tx1"/>
-                </a:solidFill>
-              </a:rPr>
-              <a:t>(recfsusb2i)</a:t>
-            </a:r>
-            <a:endParaRPr kumimoji="1" lang="ja-JP" altLang="en-US" sz="1400" dirty="0">
-              <a:solidFill>
-                <a:schemeClr val="tx1"/>
-              </a:solidFill>
-            </a:endParaRPr>
-          </a:p>
-        </p:txBody>
-      </p:sp>
-      <p:sp>
-        <p:nvSpPr>
-          <p:cNvPr id="153" name="正方形/長方形 152"/>
-          <p:cNvSpPr/>
-          <p:nvPr/>
-        </p:nvSpPr>
-        <p:spPr>
-          <a:xfrm>
-            <a:off x="5457402" y="2452126"/>
-            <a:ext cx="1047901" cy="229211"/>
-          </a:xfrm>
-          <a:prstGeom prst="rect">
-            <a:avLst/>
-          </a:prstGeom>
-          <a:solidFill>
-            <a:schemeClr val="accent1"/>
-          </a:solidFill>
-          <a:ln w="19050">
-            <a:noFill/>
-          </a:ln>
-        </p:spPr>
-        <p:style>
-          <a:lnRef idx="2">
-            <a:schemeClr val="accent1">
-              <a:shade val="50000"/>
-            </a:schemeClr>
-          </a:lnRef>
-          <a:fillRef idx="1">
-            <a:schemeClr val="accent1"/>
-          </a:fillRef>
-          <a:effectRef idx="0">
-            <a:schemeClr val="accent1"/>
-          </a:effectRef>
-          <a:fontRef idx="minor">
-            <a:schemeClr val="lt1"/>
-          </a:fontRef>
-        </p:style>
-        <p:txBody>
-          <a:bodyPr rtlCol="0" anchor="ctr"/>
-          <a:lstStyle/>
-          <a:p>
-            <a:pPr algn="ctr"/>
-            <a:r>
-              <a:rPr lang="en-US" altLang="ja-JP" sz="1400" b="1" dirty="0" smtClean="0">
-                <a:solidFill>
-                  <a:schemeClr val="bg1"/>
-                </a:solidFill>
-              </a:rPr>
-              <a:t>libarib25</a:t>
-            </a:r>
-          </a:p>
-        </p:txBody>
-      </p:sp>
       <p:cxnSp>
         <p:nvCxnSpPr>
           <p:cNvPr id="158" name="直線矢印コネクタ 157"/>
@@ -4971,7 +4794,7 @@
         </p:nvCxnSpPr>
         <p:spPr>
           <a:xfrm>
-            <a:off x="3635896" y="1401911"/>
+            <a:off x="3635896" y="1317846"/>
             <a:ext cx="0" cy="367549"/>
           </a:xfrm>
           <a:prstGeom prst="straightConnector1">
@@ -4982,7 +4805,7 @@
               <a:schemeClr val="tx1"/>
             </a:solidFill>
             <a:headEnd type="triangle" w="med" len="med"/>
-            <a:tailEnd type="triangle" w="med" len="med"/>
+            <a:tailEnd type="none" w="med" len="med"/>
           </a:ln>
         </p:spPr>
         <p:style>
@@ -5008,7 +4831,7 @@
         </p:nvCxnSpPr>
         <p:spPr>
           <a:xfrm>
-            <a:off x="4716016" y="1401911"/>
+            <a:off x="4716016" y="1317846"/>
             <a:ext cx="0" cy="885622"/>
           </a:xfrm>
           <a:prstGeom prst="straightConnector1">
@@ -5018,7 +4841,7 @@
             <a:solidFill>
               <a:schemeClr val="tx1"/>
             </a:solidFill>
-            <a:headEnd type="triangle" w="med" len="med"/>
+            <a:headEnd type="none" w="med" len="med"/>
             <a:tailEnd type="triangle" w="med" len="med"/>
           </a:ln>
         </p:spPr>
@@ -5037,80 +4860,6 @@
           </a:fontRef>
         </p:style>
       </p:cxnSp>
-      <p:cxnSp>
-        <p:nvCxnSpPr>
-          <p:cNvPr id="161" name="直線矢印コネクタ 160"/>
-          <p:cNvCxnSpPr/>
-          <p:nvPr/>
-        </p:nvCxnSpPr>
-        <p:spPr>
-          <a:xfrm>
-            <a:off x="1845065" y="3217559"/>
-            <a:ext cx="0" cy="364085"/>
-          </a:xfrm>
-          <a:prstGeom prst="straightConnector1">
-            <a:avLst/>
-          </a:prstGeom>
-          <a:ln>
-            <a:solidFill>
-              <a:schemeClr val="tx1"/>
-            </a:solidFill>
-            <a:headEnd type="triangle" w="med" len="med"/>
-            <a:tailEnd type="triangle" w="med" len="med"/>
-          </a:ln>
-        </p:spPr>
-        <p:style>
-          <a:lnRef idx="1">
-            <a:schemeClr val="accent1"/>
-          </a:lnRef>
-          <a:fillRef idx="0">
-            <a:schemeClr val="accent1"/>
-          </a:fillRef>
-          <a:effectRef idx="0">
-            <a:schemeClr val="accent1"/>
-          </a:effectRef>
-          <a:fontRef idx="minor">
-            <a:schemeClr val="tx1"/>
-          </a:fontRef>
-        </p:style>
-      </p:cxnSp>
-      <p:cxnSp>
-        <p:nvCxnSpPr>
-          <p:cNvPr id="163" name="直線矢印コネクタ 162"/>
-          <p:cNvCxnSpPr/>
-          <p:nvPr/>
-        </p:nvCxnSpPr>
-        <p:spPr>
-          <a:xfrm>
-            <a:off x="1547664" y="3217559"/>
-            <a:ext cx="0" cy="2011641"/>
-          </a:xfrm>
-          <a:prstGeom prst="straightConnector1">
-            <a:avLst/>
-          </a:prstGeom>
-          <a:ln>
-            <a:solidFill>
-              <a:schemeClr val="tx1"/>
-            </a:solidFill>
-            <a:headEnd type="triangle" w="med" len="med"/>
-            <a:tailEnd type="triangle" w="med" len="med"/>
-          </a:ln>
-        </p:spPr>
-        <p:style>
-          <a:lnRef idx="1">
-            <a:schemeClr val="accent1"/>
-          </a:lnRef>
-          <a:fillRef idx="0">
-            <a:schemeClr val="accent1"/>
-          </a:fillRef>
-          <a:effectRef idx="0">
-            <a:schemeClr val="accent1"/>
-          </a:effectRef>
-          <a:fontRef idx="minor">
-            <a:schemeClr val="tx1"/>
-          </a:fontRef>
-        </p:style>
-      </p:cxnSp>
       <p:sp>
         <p:nvSpPr>
           <p:cNvPr id="170" name="正方形/長方形 169"/>
@@ -5119,7 +4868,7 @@
         </p:nvSpPr>
         <p:spPr>
           <a:xfrm>
-            <a:off x="473914" y="537289"/>
+            <a:off x="491410" y="535889"/>
             <a:ext cx="1254310" cy="335509"/>
           </a:xfrm>
           <a:prstGeom prst="rect">
@@ -5156,22 +4905,7 @@
                   <a:schemeClr val="tx1"/>
                 </a:solidFill>
               </a:rPr>
-              <a:t>auto_rec_mini</a:t>
-            </a:r>
-            <a:endParaRPr lang="en-US" altLang="ja-JP" sz="1400" dirty="0">
-              <a:solidFill>
-                <a:schemeClr val="tx1"/>
-              </a:solidFill>
-            </a:endParaRPr>
-          </a:p>
-          <a:p>
-            <a:r>
-              <a:rPr lang="en-US" altLang="ja-JP" sz="1400" dirty="0" smtClean="0">
-                <a:solidFill>
-                  <a:schemeClr val="tx1"/>
-                </a:solidFill>
-              </a:rPr>
-              <a:t>1process</a:t>
+              <a:t>auto_rec_miniprocess</a:t>
             </a:r>
             <a:endParaRPr kumimoji="1" lang="en-US" altLang="ja-JP" sz="1400" dirty="0" smtClean="0">
               <a:solidFill>
@@ -5189,8 +4923,8 @@
         </p:nvSpPr>
         <p:spPr>
           <a:xfrm>
-            <a:off x="2664390" y="306148"/>
-            <a:ext cx="2922130" cy="264544"/>
+            <a:off x="1841395" y="260648"/>
+            <a:ext cx="1650485" cy="223959"/>
           </a:xfrm>
           <a:prstGeom prst="rect">
             <a:avLst/>
@@ -5224,63 +4958,16 @@
           <a:p>
             <a:pPr algn="ctr"/>
             <a:r>
-              <a:rPr lang="en-US" altLang="ja-JP" sz="2000" dirty="0" smtClean="0">
+              <a:rPr kumimoji="1" lang="en-US" altLang="ja-JP" sz="1400" dirty="0" smtClean="0">
                 <a:solidFill>
                   <a:schemeClr val="tx1"/>
                 </a:solidFill>
               </a:rPr>
-              <a:t>user</a:t>
-            </a:r>
-            <a:endParaRPr kumimoji="1" lang="en-US" altLang="ja-JP" sz="2000" dirty="0" smtClean="0">
-              <a:solidFill>
-                <a:schemeClr val="tx1"/>
-              </a:solidFill>
-            </a:endParaRPr>
-          </a:p>
-        </p:txBody>
-      </p:sp>
-      <p:cxnSp>
-        <p:nvCxnSpPr>
-          <p:cNvPr id="173" name="カギ線コネクタ 172"/>
-          <p:cNvCxnSpPr>
-            <a:stCxn id="171" idx="2"/>
-            <a:endCxn id="94" idx="0"/>
-          </p:cNvCxnSpPr>
-          <p:nvPr/>
-        </p:nvCxnSpPr>
-        <p:spPr>
-          <a:xfrm rot="5400000">
-            <a:off x="2719417" y="-316544"/>
-            <a:ext cx="518803" cy="2293274"/>
-          </a:xfrm>
-          <a:prstGeom prst="bentConnector3">
-            <a:avLst>
-              <a:gd name="adj1" fmla="val 50000"/>
-            </a:avLst>
-          </a:prstGeom>
-          <a:ln>
-            <a:solidFill>
-              <a:schemeClr val="tx1"/>
-            </a:solidFill>
-            <a:headEnd type="triangle" w="med" len="med"/>
-            <a:tailEnd type="triangle" w="med" len="med"/>
-          </a:ln>
-        </p:spPr>
-        <p:style>
-          <a:lnRef idx="1">
-            <a:schemeClr val="accent1"/>
-          </a:lnRef>
-          <a:fillRef idx="0">
-            <a:schemeClr val="accent1"/>
-          </a:fillRef>
-          <a:effectRef idx="0">
-            <a:schemeClr val="accent1"/>
-          </a:effectRef>
-          <a:fontRef idx="minor">
-            <a:schemeClr val="tx1"/>
-          </a:fontRef>
-        </p:style>
-      </p:cxnSp>
+              <a:t>command line</a:t>
+            </a:r>
+          </a:p>
+        </p:txBody>
+      </p:sp>
       <p:sp>
         <p:nvSpPr>
           <p:cNvPr id="177" name="正方形/長方形 176"/>
@@ -5289,7 +4976,7 @@
         </p:nvSpPr>
         <p:spPr>
           <a:xfrm>
-            <a:off x="2171382" y="669020"/>
+            <a:off x="1907704" y="560412"/>
             <a:ext cx="860948" cy="194959"/>
           </a:xfrm>
           <a:prstGeom prst="rect">
@@ -5334,266 +5021,13 @@
       </p:sp>
       <p:sp>
         <p:nvSpPr>
-          <p:cNvPr id="180" name="正方形/長方形 179"/>
-          <p:cNvSpPr/>
-          <p:nvPr/>
-        </p:nvSpPr>
-        <p:spPr>
-          <a:xfrm>
-            <a:off x="6965796" y="5573333"/>
-            <a:ext cx="1780045" cy="1038745"/>
-          </a:xfrm>
-          <a:prstGeom prst="rect">
-            <a:avLst/>
-          </a:prstGeom>
-          <a:solidFill>
-            <a:schemeClr val="bg1"/>
-          </a:solidFill>
-          <a:ln w="12700">
-            <a:solidFill>
-              <a:schemeClr val="bg1">
-                <a:lumMod val="50000"/>
-              </a:schemeClr>
-            </a:solidFill>
-          </a:ln>
-          <a:effectLst>
-            <a:outerShdw blurRad="50800" dist="38100" dir="2700000" algn="tl" rotWithShape="0">
-              <a:prstClr val="black">
-                <a:alpha val="40000"/>
-              </a:prstClr>
-            </a:outerShdw>
-          </a:effectLst>
-        </p:spPr>
-        <p:style>
-          <a:lnRef idx="2">
-            <a:schemeClr val="accent1">
-              <a:shade val="50000"/>
-            </a:schemeClr>
-          </a:lnRef>
-          <a:fillRef idx="1">
-            <a:schemeClr val="accent1"/>
-          </a:fillRef>
-          <a:effectRef idx="0">
-            <a:schemeClr val="accent1"/>
-          </a:effectRef>
-          <a:fontRef idx="minor">
-            <a:schemeClr val="lt1"/>
-          </a:fontRef>
-        </p:style>
-        <p:txBody>
-          <a:bodyPr rtlCol="0" anchor="ctr"/>
-          <a:lstStyle/>
-          <a:p>
-            <a:pPr algn="ctr"/>
-            <a:r>
-              <a:rPr lang="en-US" altLang="ja-JP" sz="1600" dirty="0" smtClean="0">
-                <a:solidFill>
-                  <a:schemeClr val="tx1"/>
-                </a:solidFill>
-              </a:rPr>
-              <a:t>tuner driver</a:t>
-            </a:r>
-          </a:p>
-          <a:p>
-            <a:pPr algn="ctr"/>
-            <a:r>
-              <a:rPr lang="en-US" altLang="ja-JP" sz="1600" dirty="0" smtClean="0">
-                <a:solidFill>
-                  <a:schemeClr val="tx1"/>
-                </a:solidFill>
-              </a:rPr>
-              <a:t>KTV-FSUSB2/V3</a:t>
-            </a:r>
-            <a:endParaRPr lang="en-US" altLang="ja-JP" sz="1600" dirty="0" smtClean="0">
-              <a:solidFill>
-                <a:schemeClr val="tx1"/>
-              </a:solidFill>
-            </a:endParaRPr>
-          </a:p>
-          <a:p>
-            <a:pPr algn="ctr"/>
-            <a:r>
-              <a:rPr kumimoji="1" lang="en-US" altLang="ja-JP" sz="1600" dirty="0" smtClean="0">
-                <a:solidFill>
-                  <a:schemeClr val="tx1"/>
-                </a:solidFill>
-              </a:rPr>
-              <a:t>(it9175)</a:t>
-            </a:r>
-          </a:p>
-        </p:txBody>
-      </p:sp>
-      <p:sp>
-        <p:nvSpPr>
-          <p:cNvPr id="187" name="正方形/長方形 186"/>
-          <p:cNvSpPr/>
-          <p:nvPr/>
-        </p:nvSpPr>
-        <p:spPr>
-          <a:xfrm>
-            <a:off x="6962893" y="5131720"/>
-            <a:ext cx="860948" cy="194959"/>
-          </a:xfrm>
-          <a:prstGeom prst="rect">
-            <a:avLst/>
-          </a:prstGeom>
-          <a:noFill/>
-          <a:ln w="12700">
-            <a:noFill/>
-          </a:ln>
-        </p:spPr>
-        <p:style>
-          <a:lnRef idx="2">
-            <a:schemeClr val="accent1">
-              <a:shade val="50000"/>
-            </a:schemeClr>
-          </a:lnRef>
-          <a:fillRef idx="1">
-            <a:schemeClr val="accent1"/>
-          </a:fillRef>
-          <a:effectRef idx="0">
-            <a:schemeClr val="accent1"/>
-          </a:effectRef>
-          <a:fontRef idx="minor">
-            <a:schemeClr val="lt1"/>
-          </a:fontRef>
-        </p:style>
-        <p:txBody>
-          <a:bodyPr rtlCol="0" anchor="ctr"/>
-          <a:lstStyle/>
-          <a:p>
-            <a:pPr algn="ctr"/>
-            <a:r>
-              <a:rPr lang="en-US" altLang="ja-JP" sz="1400" dirty="0" smtClean="0">
-                <a:solidFill>
-                  <a:schemeClr val="tx1"/>
-                </a:solidFill>
-              </a:rPr>
-              <a:t>USB</a:t>
-            </a:r>
-            <a:endParaRPr kumimoji="1" lang="en-US" altLang="ja-JP" sz="1400" dirty="0" smtClean="0">
-              <a:solidFill>
-                <a:schemeClr val="tx1"/>
-              </a:solidFill>
-            </a:endParaRPr>
-          </a:p>
-        </p:txBody>
-      </p:sp>
-      <p:cxnSp>
-        <p:nvCxnSpPr>
-          <p:cNvPr id="188" name="カギ線コネクタ 187"/>
-          <p:cNvCxnSpPr>
-            <a:stCxn id="180" idx="0"/>
-            <a:endCxn id="101" idx="2"/>
-          </p:cNvCxnSpPr>
-          <p:nvPr/>
-        </p:nvCxnSpPr>
-        <p:spPr>
-          <a:xfrm rot="16200000" flipV="1">
-            <a:off x="6463326" y="4180840"/>
-            <a:ext cx="556743" cy="2228244"/>
-          </a:xfrm>
-          <a:prstGeom prst="bentConnector3">
-            <a:avLst>
-              <a:gd name="adj1" fmla="val 50000"/>
-            </a:avLst>
-          </a:prstGeom>
-          <a:ln>
-            <a:solidFill>
-              <a:schemeClr val="tx1"/>
-            </a:solidFill>
-            <a:headEnd type="triangle" w="med" len="med"/>
-            <a:tailEnd type="triangle" w="med" len="med"/>
-          </a:ln>
-        </p:spPr>
-        <p:style>
-          <a:lnRef idx="1">
-            <a:schemeClr val="accent1"/>
-          </a:lnRef>
-          <a:fillRef idx="0">
-            <a:schemeClr val="accent1"/>
-          </a:fillRef>
-          <a:effectRef idx="0">
-            <a:schemeClr val="accent1"/>
-          </a:effectRef>
-          <a:fontRef idx="minor">
-            <a:schemeClr val="tx1"/>
-          </a:fontRef>
-        </p:style>
-      </p:cxnSp>
-      <p:sp>
-        <p:nvSpPr>
-          <p:cNvPr id="198" name="正方形/長方形 197"/>
-          <p:cNvSpPr/>
-          <p:nvPr/>
-        </p:nvSpPr>
-        <p:spPr>
-          <a:xfrm>
-            <a:off x="891381" y="3389174"/>
-            <a:ext cx="860948" cy="223639"/>
-          </a:xfrm>
-          <a:prstGeom prst="rect">
-            <a:avLst/>
-          </a:prstGeom>
-          <a:noFill/>
-          <a:ln w="12700">
-            <a:noFill/>
-          </a:ln>
-        </p:spPr>
-        <p:style>
-          <a:lnRef idx="2">
-            <a:schemeClr val="accent1">
-              <a:shade val="50000"/>
-            </a:schemeClr>
-          </a:lnRef>
-          <a:fillRef idx="1">
-            <a:schemeClr val="accent1"/>
-          </a:fillRef>
-          <a:effectRef idx="0">
-            <a:schemeClr val="accent1"/>
-          </a:effectRef>
-          <a:fontRef idx="minor">
-            <a:schemeClr val="lt1"/>
-          </a:fontRef>
-        </p:style>
-        <p:txBody>
-          <a:bodyPr rtlCol="0" anchor="ctr"/>
-          <a:lstStyle/>
-          <a:p>
-            <a:pPr algn="ctr"/>
-            <a:r>
-              <a:rPr lang="en-US" altLang="ja-JP" sz="1400" dirty="0">
-                <a:solidFill>
-                  <a:schemeClr val="tx1"/>
-                </a:solidFill>
-              </a:rPr>
-              <a:t>T</a:t>
-            </a:r>
-            <a:r>
-              <a:rPr lang="en-US" altLang="ja-JP" sz="1400" dirty="0" smtClean="0">
-                <a:solidFill>
-                  <a:schemeClr val="tx1"/>
-                </a:solidFill>
-              </a:rPr>
-              <a:t>uning</a:t>
-            </a:r>
-            <a:endParaRPr kumimoji="1" lang="en-US" altLang="ja-JP" sz="1400" dirty="0" smtClean="0">
-              <a:solidFill>
-                <a:schemeClr val="tx1"/>
-              </a:solidFill>
-            </a:endParaRPr>
-          </a:p>
-        </p:txBody>
-      </p:sp>
-      <p:sp>
-        <p:nvSpPr>
           <p:cNvPr id="202" name="正方形/長方形 201"/>
           <p:cNvSpPr/>
           <p:nvPr/>
         </p:nvSpPr>
         <p:spPr>
           <a:xfrm>
-            <a:off x="7500651" y="3641677"/>
+            <a:off x="7348237" y="3625990"/>
             <a:ext cx="900017" cy="507403"/>
           </a:xfrm>
           <a:prstGeom prst="rect">
@@ -5662,14 +5096,14 @@
           <p:cNvPr id="203" name="カギ線コネクタ 202"/>
           <p:cNvCxnSpPr>
             <a:stCxn id="202" idx="0"/>
-            <a:endCxn id="66" idx="2"/>
+            <a:endCxn id="72" idx="2"/>
           </p:cNvCxnSpPr>
           <p:nvPr/>
         </p:nvCxnSpPr>
         <p:spPr>
-          <a:xfrm rot="16200000" flipV="1">
-            <a:off x="7387894" y="3078910"/>
-            <a:ext cx="757568" cy="367965"/>
+          <a:xfrm rot="5400000" flipH="1" flipV="1">
+            <a:off x="7696042" y="3523786"/>
+            <a:ext cx="204408" cy="1"/>
           </a:xfrm>
           <a:prstGeom prst="bentConnector3">
             <a:avLst>
@@ -5681,7 +5115,7 @@
               <a:schemeClr val="tx1"/>
             </a:solidFill>
             <a:headEnd type="triangle" w="med" len="med"/>
-            <a:tailEnd type="triangle" w="med" len="med"/>
+            <a:tailEnd type="none" w="med" len="med"/>
           </a:ln>
         </p:spPr>
         <p:style>
@@ -5701,14 +5135,14 @@
       </p:cxnSp>
       <p:sp>
         <p:nvSpPr>
-          <p:cNvPr id="107" name="正方形/長方形 106"/>
+          <p:cNvPr id="106" name="正方形/長方形 105"/>
           <p:cNvSpPr/>
           <p:nvPr/>
         </p:nvSpPr>
         <p:spPr>
           <a:xfrm>
-            <a:off x="1733138" y="3581644"/>
-            <a:ext cx="3333549" cy="362313"/>
+            <a:off x="1845065" y="1685396"/>
+            <a:ext cx="2510911" cy="281768"/>
           </a:xfrm>
           <a:prstGeom prst="rect">
             <a:avLst/>
@@ -5759,7 +5193,7 @@
                   <a:schemeClr val="tx1"/>
                 </a:solidFill>
               </a:rPr>
-              <a:t>PSI/SI Manager</a:t>
+              <a:t>Event Schedule Manager</a:t>
             </a:r>
             <a:endParaRPr kumimoji="1" lang="ja-JP" altLang="en-US" sz="1400" dirty="0">
               <a:solidFill>
@@ -5771,14 +5205,1231 @@
       </p:sp>
       <p:sp>
         <p:nvSpPr>
-          <p:cNvPr id="106" name="正方形/長方形 105"/>
+          <p:cNvPr id="140" name="正方形/長方形 139"/>
           <p:cNvSpPr/>
           <p:nvPr/>
         </p:nvSpPr>
         <p:spPr>
           <a:xfrm>
-            <a:off x="1845065" y="1769461"/>
-            <a:ext cx="2510911" cy="281768"/>
+            <a:off x="3901957" y="1463483"/>
+            <a:ext cx="598035" cy="287400"/>
+          </a:xfrm>
+          <a:prstGeom prst="rect">
+            <a:avLst/>
+          </a:prstGeom>
+          <a:solidFill>
+            <a:srgbClr val="92D050"/>
+          </a:solidFill>
+          <a:ln w="19050">
+            <a:noFill/>
+          </a:ln>
+        </p:spPr>
+        <p:style>
+          <a:lnRef idx="2">
+            <a:schemeClr val="accent1">
+              <a:shade val="50000"/>
+            </a:schemeClr>
+          </a:lnRef>
+          <a:fillRef idx="1">
+            <a:schemeClr val="accent1"/>
+          </a:fillRef>
+          <a:effectRef idx="0">
+            <a:schemeClr val="accent1"/>
+          </a:effectRef>
+          <a:fontRef idx="minor">
+            <a:schemeClr val="lt1"/>
+          </a:fontRef>
+        </p:style>
+        <p:txBody>
+          <a:bodyPr rtlCol="0" anchor="ctr"/>
+          <a:lstStyle/>
+          <a:p>
+            <a:pPr algn="ctr"/>
+            <a:r>
+              <a:rPr lang="en-US" altLang="ja-JP" sz="1400" dirty="0" smtClean="0">
+                <a:solidFill>
+                  <a:schemeClr val="tx1"/>
+                </a:solidFill>
+              </a:rPr>
+              <a:t>EPG</a:t>
+            </a:r>
+            <a:endParaRPr kumimoji="1" lang="ja-JP" altLang="en-US" sz="1400" dirty="0">
+              <a:solidFill>
+                <a:schemeClr val="tx1"/>
+              </a:solidFill>
+            </a:endParaRPr>
+          </a:p>
+        </p:txBody>
+      </p:sp>
+      <p:cxnSp>
+        <p:nvCxnSpPr>
+          <p:cNvPr id="63" name="直線矢印コネクタ 62"/>
+          <p:cNvCxnSpPr/>
+          <p:nvPr/>
+        </p:nvCxnSpPr>
+        <p:spPr>
+          <a:xfrm>
+            <a:off x="3491880" y="1978748"/>
+            <a:ext cx="0" cy="224720"/>
+          </a:xfrm>
+          <a:prstGeom prst="straightConnector1">
+            <a:avLst/>
+          </a:prstGeom>
+          <a:ln>
+            <a:solidFill>
+              <a:schemeClr val="tx1"/>
+            </a:solidFill>
+            <a:headEnd type="triangle" w="med" len="med"/>
+            <a:tailEnd type="none" w="med" len="med"/>
+          </a:ln>
+        </p:spPr>
+        <p:style>
+          <a:lnRef idx="1">
+            <a:schemeClr val="accent1"/>
+          </a:lnRef>
+          <a:fillRef idx="0">
+            <a:schemeClr val="accent1"/>
+          </a:fillRef>
+          <a:effectRef idx="0">
+            <a:schemeClr val="accent1"/>
+          </a:effectRef>
+          <a:fontRef idx="minor">
+            <a:schemeClr val="tx1"/>
+          </a:fontRef>
+        </p:style>
+      </p:cxnSp>
+      <p:cxnSp>
+        <p:nvCxnSpPr>
+          <p:cNvPr id="76" name="カギ線コネクタ 75"/>
+          <p:cNvCxnSpPr>
+            <a:stCxn id="71" idx="3"/>
+            <a:endCxn id="72" idx="0"/>
+          </p:cNvCxnSpPr>
+          <p:nvPr/>
+        </p:nvCxnSpPr>
+        <p:spPr>
+          <a:xfrm>
+            <a:off x="5998825" y="3020176"/>
+            <a:ext cx="1799422" cy="156131"/>
+          </a:xfrm>
+          <a:prstGeom prst="bentConnector2">
+            <a:avLst/>
+          </a:prstGeom>
+          <a:ln>
+            <a:solidFill>
+              <a:schemeClr val="tx1"/>
+            </a:solidFill>
+            <a:headEnd type="none" w="med" len="med"/>
+            <a:tailEnd type="triangle" w="med" len="med"/>
+          </a:ln>
+        </p:spPr>
+        <p:style>
+          <a:lnRef idx="1">
+            <a:schemeClr val="accent1"/>
+          </a:lnRef>
+          <a:fillRef idx="0">
+            <a:schemeClr val="accent1"/>
+          </a:fillRef>
+          <a:effectRef idx="0">
+            <a:schemeClr val="accent1"/>
+          </a:effectRef>
+          <a:fontRef idx="minor">
+            <a:schemeClr val="tx1"/>
+          </a:fontRef>
+        </p:style>
+      </p:cxnSp>
+      <p:sp>
+        <p:nvSpPr>
+          <p:cNvPr id="80" name="正方形/長方形 79"/>
+          <p:cNvSpPr/>
+          <p:nvPr/>
+        </p:nvSpPr>
+        <p:spPr>
+          <a:xfrm>
+            <a:off x="7378668" y="2606526"/>
+            <a:ext cx="1225780" cy="444415"/>
+          </a:xfrm>
+          <a:prstGeom prst="rect">
+            <a:avLst/>
+          </a:prstGeom>
+          <a:noFill/>
+          <a:ln w="19050">
+            <a:noFill/>
+          </a:ln>
+        </p:spPr>
+        <p:style>
+          <a:lnRef idx="2">
+            <a:schemeClr val="accent1">
+              <a:shade val="50000"/>
+            </a:schemeClr>
+          </a:lnRef>
+          <a:fillRef idx="1">
+            <a:schemeClr val="accent1"/>
+          </a:fillRef>
+          <a:effectRef idx="0">
+            <a:schemeClr val="accent1"/>
+          </a:effectRef>
+          <a:fontRef idx="minor">
+            <a:schemeClr val="lt1"/>
+          </a:fontRef>
+        </p:style>
+        <p:txBody>
+          <a:bodyPr rtlCol="0" anchor="ctr"/>
+          <a:lstStyle/>
+          <a:p>
+            <a:pPr algn="ctr"/>
+            <a:r>
+              <a:rPr lang="en-US" altLang="ja-JP" sz="1400" dirty="0">
+                <a:solidFill>
+                  <a:schemeClr val="tx1"/>
+                </a:solidFill>
+              </a:rPr>
+              <a:t>PC/SC Smart Card Daemon </a:t>
+            </a:r>
+            <a:endParaRPr kumimoji="1" lang="ja-JP" altLang="en-US" sz="1400" dirty="0">
+              <a:solidFill>
+                <a:schemeClr val="tx1"/>
+              </a:solidFill>
+            </a:endParaRPr>
+          </a:p>
+        </p:txBody>
+      </p:sp>
+      <p:sp>
+        <p:nvSpPr>
+          <p:cNvPr id="51" name="正方形/長方形 50"/>
+          <p:cNvSpPr/>
+          <p:nvPr/>
+        </p:nvSpPr>
+        <p:spPr>
+          <a:xfrm>
+            <a:off x="3772549" y="273433"/>
+            <a:ext cx="1454886" cy="211174"/>
+          </a:xfrm>
+          <a:prstGeom prst="rect">
+            <a:avLst/>
+          </a:prstGeom>
+          <a:solidFill>
+            <a:srgbClr val="FFFF00"/>
+          </a:solidFill>
+          <a:ln w="12700">
+            <a:noFill/>
+          </a:ln>
+        </p:spPr>
+        <p:style>
+          <a:lnRef idx="2">
+            <a:schemeClr val="accent1">
+              <a:shade val="50000"/>
+            </a:schemeClr>
+          </a:lnRef>
+          <a:fillRef idx="1">
+            <a:schemeClr val="accent1"/>
+          </a:fillRef>
+          <a:effectRef idx="0">
+            <a:schemeClr val="accent1"/>
+          </a:effectRef>
+          <a:fontRef idx="minor">
+            <a:schemeClr val="lt1"/>
+          </a:fontRef>
+        </p:style>
+        <p:txBody>
+          <a:bodyPr rtlCol="0" anchor="ctr"/>
+          <a:lstStyle/>
+          <a:p>
+            <a:pPr algn="ctr"/>
+            <a:r>
+              <a:rPr kumimoji="1" lang="en-US" altLang="ja-JP" sz="1400" dirty="0" smtClean="0">
+                <a:solidFill>
+                  <a:schemeClr val="tx1"/>
+                </a:solidFill>
+              </a:rPr>
+              <a:t>keyword </a:t>
+            </a:r>
+            <a:r>
+              <a:rPr kumimoji="1" lang="en-US" altLang="ja-JP" sz="1400" dirty="0" err="1" smtClean="0">
+                <a:solidFill>
+                  <a:schemeClr val="tx1"/>
+                </a:solidFill>
+              </a:rPr>
+              <a:t>json</a:t>
+            </a:r>
+            <a:endParaRPr kumimoji="1" lang="en-US" altLang="ja-JP" sz="1400" dirty="0" smtClean="0">
+              <a:solidFill>
+                <a:schemeClr val="tx1"/>
+              </a:solidFill>
+            </a:endParaRPr>
+          </a:p>
+        </p:txBody>
+      </p:sp>
+      <p:cxnSp>
+        <p:nvCxnSpPr>
+          <p:cNvPr id="7" name="カギ線コネクタ 6"/>
+          <p:cNvCxnSpPr>
+            <a:stCxn id="51" idx="2"/>
+            <a:endCxn id="62" idx="0"/>
+          </p:cNvCxnSpPr>
+          <p:nvPr/>
+        </p:nvCxnSpPr>
+        <p:spPr>
+          <a:xfrm rot="16200000" flipH="1">
+            <a:off x="4283165" y="701434"/>
+            <a:ext cx="598211" cy="164556"/>
+          </a:xfrm>
+          <a:prstGeom prst="bentConnector3">
+            <a:avLst/>
+          </a:prstGeom>
+          <a:ln>
+            <a:solidFill>
+              <a:schemeClr val="tx1"/>
+            </a:solidFill>
+            <a:tailEnd type="triangle"/>
+          </a:ln>
+        </p:spPr>
+        <p:style>
+          <a:lnRef idx="1">
+            <a:schemeClr val="accent1"/>
+          </a:lnRef>
+          <a:fillRef idx="0">
+            <a:schemeClr val="accent1"/>
+          </a:fillRef>
+          <a:effectRef idx="0">
+            <a:schemeClr val="accent1"/>
+          </a:effectRef>
+          <a:fontRef idx="minor">
+            <a:schemeClr val="tx1"/>
+          </a:fontRef>
+        </p:style>
+      </p:cxnSp>
+      <p:cxnSp>
+        <p:nvCxnSpPr>
+          <p:cNvPr id="54" name="カギ線コネクタ 53"/>
+          <p:cNvCxnSpPr>
+            <a:stCxn id="171" idx="2"/>
+            <a:endCxn id="94" idx="0"/>
+          </p:cNvCxnSpPr>
+          <p:nvPr/>
+        </p:nvCxnSpPr>
+        <p:spPr>
+          <a:xfrm rot="5400000">
+            <a:off x="1988999" y="327790"/>
+            <a:ext cx="520823" cy="834457"/>
+          </a:xfrm>
+          <a:prstGeom prst="bentConnector3">
+            <a:avLst>
+              <a:gd name="adj1" fmla="val 50000"/>
+            </a:avLst>
+          </a:prstGeom>
+          <a:ln>
+            <a:solidFill>
+              <a:schemeClr val="tx1"/>
+            </a:solidFill>
+            <a:tailEnd type="triangle"/>
+          </a:ln>
+        </p:spPr>
+        <p:style>
+          <a:lnRef idx="1">
+            <a:schemeClr val="accent1"/>
+          </a:lnRef>
+          <a:fillRef idx="0">
+            <a:schemeClr val="accent1"/>
+          </a:fillRef>
+          <a:effectRef idx="0">
+            <a:schemeClr val="accent1"/>
+          </a:effectRef>
+          <a:fontRef idx="minor">
+            <a:schemeClr val="tx1"/>
+          </a:fontRef>
+        </p:style>
+      </p:cxnSp>
+      <p:grpSp>
+        <p:nvGrpSpPr>
+          <p:cNvPr id="30" name="グループ化 29"/>
+          <p:cNvGrpSpPr/>
+          <p:nvPr/>
+        </p:nvGrpSpPr>
+        <p:grpSpPr>
+          <a:xfrm>
+            <a:off x="1146399" y="3963241"/>
+            <a:ext cx="1847884" cy="1448857"/>
+            <a:chOff x="4376511" y="4444533"/>
+            <a:chExt cx="1847884" cy="1448857"/>
+          </a:xfrm>
+        </p:grpSpPr>
+        <p:sp>
+          <p:nvSpPr>
+            <p:cNvPr id="90" name="正方形/長方形 89"/>
+            <p:cNvSpPr/>
+            <p:nvPr/>
+          </p:nvSpPr>
+          <p:spPr>
+            <a:xfrm>
+              <a:off x="4376511" y="4444533"/>
+              <a:ext cx="1847884" cy="1448857"/>
+            </a:xfrm>
+            <a:prstGeom prst="rect">
+              <a:avLst/>
+            </a:prstGeom>
+            <a:solidFill>
+              <a:schemeClr val="bg2"/>
+            </a:solidFill>
+            <a:ln w="28575">
+              <a:solidFill>
+                <a:schemeClr val="tx1"/>
+              </a:solidFill>
+              <a:prstDash val="solid"/>
+            </a:ln>
+          </p:spPr>
+          <p:style>
+            <a:lnRef idx="2">
+              <a:schemeClr val="accent1">
+                <a:shade val="50000"/>
+              </a:schemeClr>
+            </a:lnRef>
+            <a:fillRef idx="1">
+              <a:schemeClr val="accent1"/>
+            </a:fillRef>
+            <a:effectRef idx="0">
+              <a:schemeClr val="accent1"/>
+            </a:effectRef>
+            <a:fontRef idx="minor">
+              <a:schemeClr val="lt1"/>
+            </a:fontRef>
+          </p:style>
+          <p:txBody>
+            <a:bodyPr rtlCol="0" anchor="ctr"/>
+            <a:lstStyle/>
+            <a:p>
+              <a:pPr algn="ctr"/>
+              <a:endParaRPr kumimoji="1" lang="ja-JP" altLang="en-US"/>
+            </a:p>
+          </p:txBody>
+        </p:sp>
+        <p:sp>
+          <p:nvSpPr>
+            <p:cNvPr id="91" name="正方形/長方形 90"/>
+            <p:cNvSpPr/>
+            <p:nvPr/>
+          </p:nvSpPr>
+          <p:spPr>
+            <a:xfrm>
+              <a:off x="4589980" y="5008705"/>
+              <a:ext cx="1407313" cy="342601"/>
+            </a:xfrm>
+            <a:prstGeom prst="rect">
+              <a:avLst/>
+            </a:prstGeom>
+            <a:solidFill>
+              <a:schemeClr val="accent6">
+                <a:lumMod val="60000"/>
+                <a:lumOff val="40000"/>
+              </a:schemeClr>
+            </a:solidFill>
+            <a:ln>
+              <a:solidFill>
+                <a:srgbClr val="FF0000"/>
+              </a:solidFill>
+            </a:ln>
+            <a:effectLst>
+              <a:outerShdw blurRad="50800" dist="38100" dir="2700000" algn="tl" rotWithShape="0">
+                <a:prstClr val="black">
+                  <a:alpha val="40000"/>
+                </a:prstClr>
+              </a:outerShdw>
+            </a:effectLst>
+          </p:spPr>
+          <p:style>
+            <a:lnRef idx="2">
+              <a:schemeClr val="accent1">
+                <a:shade val="50000"/>
+              </a:schemeClr>
+            </a:lnRef>
+            <a:fillRef idx="1">
+              <a:schemeClr val="accent1"/>
+            </a:fillRef>
+            <a:effectRef idx="0">
+              <a:schemeClr val="accent1"/>
+            </a:effectRef>
+            <a:fontRef idx="minor">
+              <a:schemeClr val="lt1"/>
+            </a:fontRef>
+          </p:style>
+          <p:txBody>
+            <a:bodyPr rtlCol="0" anchor="ctr"/>
+            <a:lstStyle/>
+            <a:p>
+              <a:pPr algn="ctr"/>
+              <a:r>
+                <a:rPr kumimoji="1" lang="en-US" altLang="ja-JP" sz="1400" dirty="0" smtClean="0">
+                  <a:solidFill>
+                    <a:schemeClr val="tx1"/>
+                  </a:solidFill>
+                </a:rPr>
+                <a:t>Tuner Control</a:t>
+              </a:r>
+              <a:endParaRPr kumimoji="1" lang="ja-JP" altLang="en-US" sz="1400" dirty="0">
+                <a:solidFill>
+                  <a:schemeClr val="tx1"/>
+                </a:solidFill>
+              </a:endParaRPr>
+            </a:p>
+          </p:txBody>
+        </p:sp>
+        <p:sp>
+          <p:nvSpPr>
+            <p:cNvPr id="92" name="正方形/長方形 91"/>
+            <p:cNvSpPr/>
+            <p:nvPr/>
+          </p:nvSpPr>
+          <p:spPr>
+            <a:xfrm>
+              <a:off x="4589696" y="5443965"/>
+              <a:ext cx="1407313" cy="351660"/>
+            </a:xfrm>
+            <a:prstGeom prst="rect">
+              <a:avLst/>
+            </a:prstGeom>
+            <a:solidFill>
+              <a:schemeClr val="accent6">
+                <a:lumMod val="60000"/>
+                <a:lumOff val="40000"/>
+              </a:schemeClr>
+            </a:solidFill>
+            <a:ln>
+              <a:solidFill>
+                <a:srgbClr val="FF0000"/>
+              </a:solidFill>
+            </a:ln>
+            <a:effectLst>
+              <a:outerShdw blurRad="50800" dist="38100" dir="2700000" algn="tl" rotWithShape="0">
+                <a:prstClr val="black">
+                  <a:alpha val="40000"/>
+                </a:prstClr>
+              </a:outerShdw>
+            </a:effectLst>
+          </p:spPr>
+          <p:style>
+            <a:lnRef idx="2">
+              <a:schemeClr val="accent1">
+                <a:shade val="50000"/>
+              </a:schemeClr>
+            </a:lnRef>
+            <a:fillRef idx="1">
+              <a:schemeClr val="accent1"/>
+            </a:fillRef>
+            <a:effectRef idx="0">
+              <a:schemeClr val="accent1"/>
+            </a:effectRef>
+            <a:fontRef idx="minor">
+              <a:schemeClr val="lt1"/>
+            </a:fontRef>
+          </p:style>
+          <p:txBody>
+            <a:bodyPr rtlCol="0" anchor="ctr"/>
+            <a:lstStyle/>
+            <a:p>
+              <a:pPr algn="ctr"/>
+              <a:r>
+                <a:rPr kumimoji="1" lang="en-US" altLang="ja-JP" sz="1400" dirty="0" smtClean="0">
+                  <a:solidFill>
+                    <a:schemeClr val="tx1"/>
+                  </a:solidFill>
+                </a:rPr>
+                <a:t>Tune Thread</a:t>
+              </a:r>
+              <a:endParaRPr kumimoji="1" lang="ja-JP" altLang="en-US" sz="1400" dirty="0">
+                <a:solidFill>
+                  <a:schemeClr val="tx1"/>
+                </a:solidFill>
+              </a:endParaRPr>
+            </a:p>
+          </p:txBody>
+        </p:sp>
+        <p:sp>
+          <p:nvSpPr>
+            <p:cNvPr id="95" name="正方形/長方形 94"/>
+            <p:cNvSpPr/>
+            <p:nvPr/>
+          </p:nvSpPr>
+          <p:spPr>
+            <a:xfrm>
+              <a:off x="4604555" y="4544513"/>
+              <a:ext cx="1407325" cy="362313"/>
+            </a:xfrm>
+            <a:prstGeom prst="rect">
+              <a:avLst/>
+            </a:prstGeom>
+            <a:solidFill>
+              <a:schemeClr val="accent6">
+                <a:lumMod val="60000"/>
+                <a:lumOff val="40000"/>
+              </a:schemeClr>
+            </a:solidFill>
+            <a:ln>
+              <a:solidFill>
+                <a:srgbClr val="FF0000"/>
+              </a:solidFill>
+            </a:ln>
+            <a:effectLst>
+              <a:outerShdw blurRad="50800" dist="38100" dir="2700000" algn="tl" rotWithShape="0">
+                <a:prstClr val="black">
+                  <a:alpha val="40000"/>
+                </a:prstClr>
+              </a:outerShdw>
+            </a:effectLst>
+          </p:spPr>
+          <p:style>
+            <a:lnRef idx="2">
+              <a:schemeClr val="accent1">
+                <a:shade val="50000"/>
+              </a:schemeClr>
+            </a:lnRef>
+            <a:fillRef idx="1">
+              <a:schemeClr val="accent1"/>
+            </a:fillRef>
+            <a:effectRef idx="0">
+              <a:schemeClr val="accent1"/>
+            </a:effectRef>
+            <a:fontRef idx="minor">
+              <a:schemeClr val="lt1"/>
+            </a:fontRef>
+          </p:style>
+          <p:txBody>
+            <a:bodyPr rtlCol="0" anchor="ctr"/>
+            <a:lstStyle/>
+            <a:p>
+              <a:pPr algn="ctr"/>
+              <a:r>
+                <a:rPr kumimoji="1" lang="en-US" altLang="ja-JP" sz="1400" dirty="0" smtClean="0">
+                  <a:solidFill>
+                    <a:schemeClr val="tx1"/>
+                  </a:solidFill>
+                </a:rPr>
+                <a:t>PSI/SI Manager</a:t>
+              </a:r>
+              <a:endParaRPr kumimoji="1" lang="ja-JP" altLang="en-US" sz="1400" dirty="0">
+                <a:solidFill>
+                  <a:schemeClr val="tx1"/>
+                </a:solidFill>
+              </a:endParaRPr>
+            </a:p>
+          </p:txBody>
+        </p:sp>
+      </p:grpSp>
+      <p:cxnSp>
+        <p:nvCxnSpPr>
+          <p:cNvPr id="22" name="カギ線コネクタ 21"/>
+          <p:cNvCxnSpPr/>
+          <p:nvPr/>
+        </p:nvCxnSpPr>
+        <p:spPr>
+          <a:xfrm rot="5400000" flipH="1" flipV="1">
+            <a:off x="2038976" y="1999834"/>
+            <a:ext cx="522743" cy="473645"/>
+          </a:xfrm>
+          <a:prstGeom prst="bentConnector3">
+            <a:avLst>
+              <a:gd name="adj1" fmla="val 50000"/>
+            </a:avLst>
+          </a:prstGeom>
+          <a:ln>
+            <a:solidFill>
+              <a:schemeClr val="tx1"/>
+            </a:solidFill>
+            <a:headEnd type="triangle" w="med" len="med"/>
+            <a:tailEnd type="none" w="med" len="med"/>
+          </a:ln>
+        </p:spPr>
+        <p:style>
+          <a:lnRef idx="1">
+            <a:schemeClr val="accent1"/>
+          </a:lnRef>
+          <a:fillRef idx="0">
+            <a:schemeClr val="accent1"/>
+          </a:fillRef>
+          <a:effectRef idx="0">
+            <a:schemeClr val="accent1"/>
+          </a:effectRef>
+          <a:fontRef idx="minor">
+            <a:schemeClr val="tx1"/>
+          </a:fontRef>
+        </p:style>
+      </p:cxnSp>
+      <p:sp>
+        <p:nvSpPr>
+          <p:cNvPr id="105" name="正方形/長方形 104"/>
+          <p:cNvSpPr/>
+          <p:nvPr/>
+        </p:nvSpPr>
+        <p:spPr>
+          <a:xfrm>
+            <a:off x="4394613" y="2768871"/>
+            <a:ext cx="917365" cy="534338"/>
+          </a:xfrm>
+          <a:prstGeom prst="rect">
+            <a:avLst/>
+          </a:prstGeom>
+          <a:solidFill>
+            <a:schemeClr val="accent5"/>
+          </a:solidFill>
+          <a:ln>
+            <a:solidFill>
+              <a:schemeClr val="tx1"/>
+            </a:solidFill>
+            <a:prstDash val="sysDot"/>
+          </a:ln>
+          <a:effectLst>
+            <a:outerShdw blurRad="50800" dist="38100" dir="2700000" algn="tl" rotWithShape="0">
+              <a:prstClr val="black">
+                <a:alpha val="40000"/>
+              </a:prstClr>
+            </a:outerShdw>
+          </a:effectLst>
+        </p:spPr>
+        <p:style>
+          <a:lnRef idx="2">
+            <a:schemeClr val="accent1">
+              <a:shade val="50000"/>
+            </a:schemeClr>
+          </a:lnRef>
+          <a:fillRef idx="1">
+            <a:schemeClr val="accent1"/>
+          </a:fillRef>
+          <a:effectRef idx="0">
+            <a:schemeClr val="accent1"/>
+          </a:effectRef>
+          <a:fontRef idx="minor">
+            <a:schemeClr val="lt1"/>
+          </a:fontRef>
+        </p:style>
+        <p:txBody>
+          <a:bodyPr rtlCol="0" anchor="ctr"/>
+          <a:lstStyle/>
+          <a:p>
+            <a:pPr algn="ctr"/>
+            <a:endParaRPr kumimoji="1" lang="ja-JP" altLang="en-US" sz="1400" dirty="0">
+              <a:solidFill>
+                <a:schemeClr val="tx1"/>
+              </a:solidFill>
+            </a:endParaRPr>
+          </a:p>
+        </p:txBody>
+      </p:sp>
+      <p:sp>
+        <p:nvSpPr>
+          <p:cNvPr id="104" name="正方形/長方形 103"/>
+          <p:cNvSpPr/>
+          <p:nvPr/>
+        </p:nvSpPr>
+        <p:spPr>
+          <a:xfrm>
+            <a:off x="3779912" y="2738589"/>
+            <a:ext cx="917365" cy="534338"/>
+          </a:xfrm>
+          <a:prstGeom prst="rect">
+            <a:avLst/>
+          </a:prstGeom>
+          <a:solidFill>
+            <a:schemeClr val="accent5"/>
+          </a:solidFill>
+          <a:ln>
+            <a:solidFill>
+              <a:schemeClr val="tx1"/>
+            </a:solidFill>
+          </a:ln>
+          <a:effectLst>
+            <a:outerShdw blurRad="50800" dist="38100" dir="2700000" algn="tl" rotWithShape="0">
+              <a:prstClr val="black">
+                <a:alpha val="40000"/>
+              </a:prstClr>
+            </a:outerShdw>
+          </a:effectLst>
+        </p:spPr>
+        <p:style>
+          <a:lnRef idx="2">
+            <a:schemeClr val="accent1">
+              <a:shade val="50000"/>
+            </a:schemeClr>
+          </a:lnRef>
+          <a:fillRef idx="1">
+            <a:schemeClr val="accent1"/>
+          </a:fillRef>
+          <a:effectRef idx="0">
+            <a:schemeClr val="accent1"/>
+          </a:effectRef>
+          <a:fontRef idx="minor">
+            <a:schemeClr val="lt1"/>
+          </a:fontRef>
+        </p:style>
+        <p:txBody>
+          <a:bodyPr rtlCol="0" anchor="ctr"/>
+          <a:lstStyle/>
+          <a:p>
+            <a:pPr algn="ctr"/>
+            <a:r>
+              <a:rPr kumimoji="1" lang="en-US" altLang="ja-JP" sz="1400" dirty="0" smtClean="0">
+                <a:solidFill>
+                  <a:schemeClr val="tx1"/>
+                </a:solidFill>
+              </a:rPr>
+              <a:t>Rec Instance</a:t>
+            </a:r>
+            <a:endParaRPr kumimoji="1" lang="ja-JP" altLang="en-US" sz="1400" dirty="0">
+              <a:solidFill>
+                <a:schemeClr val="tx1"/>
+              </a:solidFill>
+            </a:endParaRPr>
+          </a:p>
+        </p:txBody>
+      </p:sp>
+      <p:sp>
+        <p:nvSpPr>
+          <p:cNvPr id="97" name="正方形/長方形 96"/>
+          <p:cNvSpPr/>
+          <p:nvPr/>
+        </p:nvSpPr>
+        <p:spPr>
+          <a:xfrm>
+            <a:off x="3150579" y="2707645"/>
+            <a:ext cx="917365" cy="534338"/>
+          </a:xfrm>
+          <a:prstGeom prst="rect">
+            <a:avLst/>
+          </a:prstGeom>
+          <a:solidFill>
+            <a:schemeClr val="accent5"/>
+          </a:solidFill>
+          <a:ln>
+            <a:solidFill>
+              <a:schemeClr val="tx1"/>
+            </a:solidFill>
+          </a:ln>
+          <a:effectLst>
+            <a:outerShdw blurRad="50800" dist="38100" dir="2700000" algn="tl" rotWithShape="0">
+              <a:prstClr val="black">
+                <a:alpha val="40000"/>
+              </a:prstClr>
+            </a:outerShdw>
+          </a:effectLst>
+        </p:spPr>
+        <p:style>
+          <a:lnRef idx="2">
+            <a:schemeClr val="accent1">
+              <a:shade val="50000"/>
+            </a:schemeClr>
+          </a:lnRef>
+          <a:fillRef idx="1">
+            <a:schemeClr val="accent1"/>
+          </a:fillRef>
+          <a:effectRef idx="0">
+            <a:schemeClr val="accent1"/>
+          </a:effectRef>
+          <a:fontRef idx="minor">
+            <a:schemeClr val="lt1"/>
+          </a:fontRef>
+        </p:style>
+        <p:txBody>
+          <a:bodyPr rtlCol="0" anchor="ctr"/>
+          <a:lstStyle/>
+          <a:p>
+            <a:pPr algn="ctr"/>
+            <a:r>
+              <a:rPr kumimoji="1" lang="en-US" altLang="ja-JP" sz="1400" dirty="0" smtClean="0">
+                <a:solidFill>
+                  <a:schemeClr val="tx1"/>
+                </a:solidFill>
+              </a:rPr>
+              <a:t>Rec Instance</a:t>
+            </a:r>
+            <a:endParaRPr kumimoji="1" lang="ja-JP" altLang="en-US" sz="1400" dirty="0">
+              <a:solidFill>
+                <a:schemeClr val="tx1"/>
+              </a:solidFill>
+            </a:endParaRPr>
+          </a:p>
+        </p:txBody>
+      </p:sp>
+      <p:sp>
+        <p:nvSpPr>
+          <p:cNvPr id="153" name="正方形/長方形 152"/>
+          <p:cNvSpPr/>
+          <p:nvPr/>
+        </p:nvSpPr>
+        <p:spPr>
+          <a:xfrm>
+            <a:off x="4949108" y="2701970"/>
+            <a:ext cx="1047901" cy="229211"/>
+          </a:xfrm>
+          <a:prstGeom prst="rect">
+            <a:avLst/>
+          </a:prstGeom>
+          <a:solidFill>
+            <a:schemeClr val="accent1"/>
+          </a:solidFill>
+          <a:ln w="19050">
+            <a:noFill/>
+          </a:ln>
+        </p:spPr>
+        <p:style>
+          <a:lnRef idx="2">
+            <a:schemeClr val="accent1">
+              <a:shade val="50000"/>
+            </a:schemeClr>
+          </a:lnRef>
+          <a:fillRef idx="1">
+            <a:schemeClr val="accent1"/>
+          </a:fillRef>
+          <a:effectRef idx="0">
+            <a:schemeClr val="accent1"/>
+          </a:effectRef>
+          <a:fontRef idx="minor">
+            <a:schemeClr val="lt1"/>
+          </a:fontRef>
+        </p:style>
+        <p:txBody>
+          <a:bodyPr rtlCol="0" anchor="ctr"/>
+          <a:lstStyle/>
+          <a:p>
+            <a:pPr algn="ctr"/>
+            <a:r>
+              <a:rPr lang="en-US" altLang="ja-JP" sz="1400" b="1" dirty="0" smtClean="0">
+                <a:solidFill>
+                  <a:schemeClr val="bg1"/>
+                </a:solidFill>
+              </a:rPr>
+              <a:t>libarib25</a:t>
+            </a:r>
+          </a:p>
+        </p:txBody>
+      </p:sp>
+      <p:sp>
+        <p:nvSpPr>
+          <p:cNvPr id="71" name="正方形/長方形 70"/>
+          <p:cNvSpPr/>
+          <p:nvPr/>
+        </p:nvSpPr>
+        <p:spPr>
+          <a:xfrm>
+            <a:off x="4950924" y="2918802"/>
+            <a:ext cx="1047901" cy="202747"/>
+          </a:xfrm>
+          <a:prstGeom prst="rect">
+            <a:avLst/>
+          </a:prstGeom>
+          <a:solidFill>
+            <a:schemeClr val="accent6">
+              <a:lumMod val="75000"/>
+            </a:schemeClr>
+          </a:solidFill>
+          <a:ln w="19050">
+            <a:noFill/>
+          </a:ln>
+        </p:spPr>
+        <p:style>
+          <a:lnRef idx="2">
+            <a:schemeClr val="accent1">
+              <a:shade val="50000"/>
+            </a:schemeClr>
+          </a:lnRef>
+          <a:fillRef idx="1">
+            <a:schemeClr val="accent1"/>
+          </a:fillRef>
+          <a:effectRef idx="0">
+            <a:schemeClr val="accent1"/>
+          </a:effectRef>
+          <a:fontRef idx="minor">
+            <a:schemeClr val="lt1"/>
+          </a:fontRef>
+        </p:style>
+        <p:txBody>
+          <a:bodyPr rtlCol="0" anchor="ctr"/>
+          <a:lstStyle/>
+          <a:p>
+            <a:pPr algn="ctr"/>
+            <a:r>
+              <a:rPr lang="ja-JP" altLang="en-US" sz="1400" b="1" dirty="0" err="1" smtClean="0">
+                <a:solidFill>
+                  <a:schemeClr val="bg1"/>
+                </a:solidFill>
+              </a:rPr>
+              <a:t>ｌ</a:t>
+            </a:r>
+            <a:r>
+              <a:rPr lang="en-US" altLang="ja-JP" sz="1400" b="1" dirty="0" err="1" smtClean="0">
+                <a:solidFill>
+                  <a:schemeClr val="bg1"/>
+                </a:solidFill>
+              </a:rPr>
+              <a:t>ibpcsclite</a:t>
+            </a:r>
+            <a:r>
+              <a:rPr lang="en-US" altLang="ja-JP" sz="1400" b="1" dirty="0" smtClean="0">
+                <a:solidFill>
+                  <a:schemeClr val="bg1"/>
+                </a:solidFill>
+              </a:rPr>
+              <a:t>*</a:t>
+            </a:r>
+            <a:endParaRPr lang="ja-JP" altLang="en-US" sz="1400" b="1" dirty="0">
+              <a:solidFill>
+                <a:schemeClr val="bg1"/>
+              </a:solidFill>
+            </a:endParaRPr>
+          </a:p>
+        </p:txBody>
+      </p:sp>
+      <p:sp>
+        <p:nvSpPr>
+          <p:cNvPr id="122" name="正方形/長方形 121"/>
+          <p:cNvSpPr/>
+          <p:nvPr/>
+        </p:nvSpPr>
+        <p:spPr>
+          <a:xfrm>
+            <a:off x="1664793" y="5917213"/>
+            <a:ext cx="794909" cy="252593"/>
+          </a:xfrm>
+          <a:prstGeom prst="rect">
+            <a:avLst/>
+          </a:prstGeom>
+          <a:solidFill>
+            <a:schemeClr val="bg2">
+              <a:lumMod val="90000"/>
+            </a:schemeClr>
+          </a:solidFill>
+          <a:ln w="9525">
+            <a:solidFill>
+              <a:schemeClr val="bg1">
+                <a:lumMod val="50000"/>
+              </a:schemeClr>
+            </a:solidFill>
+            <a:prstDash val="solid"/>
+          </a:ln>
+          <a:effectLst>
+            <a:outerShdw blurRad="50800" dist="38100" dir="2700000" algn="tl" rotWithShape="0">
+              <a:prstClr val="black">
+                <a:alpha val="40000"/>
+              </a:prstClr>
+            </a:outerShdw>
+          </a:effectLst>
+        </p:spPr>
+        <p:style>
+          <a:lnRef idx="2">
+            <a:schemeClr val="accent1">
+              <a:shade val="50000"/>
+            </a:schemeClr>
+          </a:lnRef>
+          <a:fillRef idx="1">
+            <a:schemeClr val="accent1"/>
+          </a:fillRef>
+          <a:effectRef idx="0">
+            <a:schemeClr val="accent1"/>
+          </a:effectRef>
+          <a:fontRef idx="minor">
+            <a:schemeClr val="lt1"/>
+          </a:fontRef>
+        </p:style>
+        <p:txBody>
+          <a:bodyPr rtlCol="0" anchor="ctr"/>
+          <a:lstStyle/>
+          <a:p>
+            <a:pPr algn="ctr"/>
+            <a:r>
+              <a:rPr kumimoji="1" lang="en-US" altLang="ja-JP" sz="1400" dirty="0" err="1" smtClean="0">
+                <a:solidFill>
+                  <a:schemeClr val="tx1"/>
+                </a:solidFill>
+              </a:rPr>
+              <a:t>recdvb</a:t>
+            </a:r>
+            <a:endParaRPr kumimoji="1" lang="ja-JP" altLang="en-US" sz="1400" dirty="0">
+              <a:solidFill>
+                <a:schemeClr val="tx1"/>
+              </a:solidFill>
+            </a:endParaRPr>
+          </a:p>
+        </p:txBody>
+      </p:sp>
+      <p:sp>
+        <p:nvSpPr>
+          <p:cNvPr id="123" name="正方形/長方形 122"/>
+          <p:cNvSpPr/>
+          <p:nvPr/>
+        </p:nvSpPr>
+        <p:spPr>
+          <a:xfrm>
+            <a:off x="2904329" y="5917213"/>
+            <a:ext cx="1007596" cy="252593"/>
+          </a:xfrm>
+          <a:prstGeom prst="rect">
+            <a:avLst/>
+          </a:prstGeom>
+          <a:solidFill>
+            <a:schemeClr val="bg2">
+              <a:lumMod val="90000"/>
+            </a:schemeClr>
+          </a:solidFill>
+          <a:ln w="9525">
+            <a:solidFill>
+              <a:schemeClr val="bg1">
+                <a:lumMod val="50000"/>
+              </a:schemeClr>
+            </a:solidFill>
+            <a:prstDash val="solid"/>
+          </a:ln>
+          <a:effectLst>
+            <a:outerShdw blurRad="50800" dist="38100" dir="2700000" algn="tl" rotWithShape="0">
+              <a:prstClr val="black">
+                <a:alpha val="40000"/>
+              </a:prstClr>
+            </a:outerShdw>
+          </a:effectLst>
+        </p:spPr>
+        <p:style>
+          <a:lnRef idx="2">
+            <a:schemeClr val="accent1">
+              <a:shade val="50000"/>
+            </a:schemeClr>
+          </a:lnRef>
+          <a:fillRef idx="1">
+            <a:schemeClr val="accent1"/>
+          </a:fillRef>
+          <a:effectRef idx="0">
+            <a:schemeClr val="accent1"/>
+          </a:effectRef>
+          <a:fontRef idx="minor">
+            <a:schemeClr val="lt1"/>
+          </a:fontRef>
+        </p:style>
+        <p:txBody>
+          <a:bodyPr rtlCol="0" anchor="ctr"/>
+          <a:lstStyle/>
+          <a:p>
+            <a:pPr algn="ctr"/>
+            <a:r>
+              <a:rPr kumimoji="1" lang="en-US" altLang="ja-JP" sz="1400" dirty="0" smtClean="0">
+                <a:solidFill>
+                  <a:schemeClr val="tx1"/>
+                </a:solidFill>
+              </a:rPr>
+              <a:t>recfsusb2i</a:t>
+            </a:r>
+            <a:endParaRPr kumimoji="1" lang="ja-JP" altLang="en-US" sz="1400" dirty="0">
+              <a:solidFill>
+                <a:schemeClr val="tx1"/>
+              </a:solidFill>
+            </a:endParaRPr>
+          </a:p>
+        </p:txBody>
+      </p:sp>
+      <p:cxnSp>
+        <p:nvCxnSpPr>
+          <p:cNvPr id="33" name="直線矢印コネクタ 32"/>
+          <p:cNvCxnSpPr>
+            <a:stCxn id="92" idx="2"/>
+            <a:endCxn id="122" idx="0"/>
+          </p:cNvCxnSpPr>
+          <p:nvPr/>
+        </p:nvCxnSpPr>
+        <p:spPr>
+          <a:xfrm flipH="1">
+            <a:off x="2062248" y="5314333"/>
+            <a:ext cx="993" cy="602880"/>
+          </a:xfrm>
+          <a:prstGeom prst="straightConnector1">
+            <a:avLst/>
+          </a:prstGeom>
+          <a:ln>
+            <a:solidFill>
+              <a:schemeClr val="tx1"/>
+            </a:solidFill>
+            <a:prstDash val="dash"/>
+            <a:tailEnd type="triangle"/>
+          </a:ln>
+        </p:spPr>
+        <p:style>
+          <a:lnRef idx="1">
+            <a:schemeClr val="accent1"/>
+          </a:lnRef>
+          <a:fillRef idx="0">
+            <a:schemeClr val="accent1"/>
+          </a:fillRef>
+          <a:effectRef idx="0">
+            <a:schemeClr val="accent1"/>
+          </a:effectRef>
+          <a:fontRef idx="minor">
+            <a:schemeClr val="tx1"/>
+          </a:fontRef>
+        </p:style>
+      </p:cxnSp>
+      <p:sp>
+        <p:nvSpPr>
+          <p:cNvPr id="41" name="テキスト ボックス 40"/>
+          <p:cNvSpPr txBox="1"/>
+          <p:nvPr/>
+        </p:nvSpPr>
+        <p:spPr>
+          <a:xfrm>
+            <a:off x="1649496" y="5577183"/>
+            <a:ext cx="474232" cy="307777"/>
+          </a:xfrm>
+          <a:prstGeom prst="rect">
+            <a:avLst/>
+          </a:prstGeom>
+          <a:noFill/>
+        </p:spPr>
+        <p:txBody>
+          <a:bodyPr wrap="none" rtlCol="0">
+            <a:spAutoFit/>
+          </a:bodyPr>
+          <a:lstStyle/>
+          <a:p>
+            <a:r>
+              <a:rPr kumimoji="1" lang="en-US" altLang="ja-JP" sz="1400" dirty="0" smtClean="0"/>
+              <a:t>fork</a:t>
+            </a:r>
+            <a:endParaRPr kumimoji="1" lang="ja-JP" altLang="en-US" sz="1400" dirty="0"/>
+          </a:p>
+        </p:txBody>
+      </p:sp>
+      <p:sp>
+        <p:nvSpPr>
+          <p:cNvPr id="132" name="テキスト ボックス 131"/>
+          <p:cNvSpPr txBox="1"/>
+          <p:nvPr/>
+        </p:nvSpPr>
+        <p:spPr>
+          <a:xfrm>
+            <a:off x="2792098" y="5577183"/>
+            <a:ext cx="474232" cy="307777"/>
+          </a:xfrm>
+          <a:prstGeom prst="rect">
+            <a:avLst/>
+          </a:prstGeom>
+          <a:noFill/>
+        </p:spPr>
+        <p:txBody>
+          <a:bodyPr wrap="none" rtlCol="0">
+            <a:spAutoFit/>
+          </a:bodyPr>
+          <a:lstStyle/>
+          <a:p>
+            <a:r>
+              <a:rPr kumimoji="1" lang="en-US" altLang="ja-JP" sz="1400" dirty="0" smtClean="0"/>
+              <a:t>fork</a:t>
+            </a:r>
+            <a:endParaRPr kumimoji="1" lang="ja-JP" altLang="en-US" sz="1400" dirty="0"/>
+          </a:p>
+        </p:txBody>
+      </p:sp>
+      <p:sp>
+        <p:nvSpPr>
+          <p:cNvPr id="142" name="正方形/長方形 141"/>
+          <p:cNvSpPr/>
+          <p:nvPr/>
+        </p:nvSpPr>
+        <p:spPr>
+          <a:xfrm>
+            <a:off x="5567555" y="590190"/>
+            <a:ext cx="410837" cy="159190"/>
           </a:xfrm>
           <a:prstGeom prst="rect">
             <a:avLst/>
@@ -5823,21 +6474,3041 @@
           <a:lstStyle/>
           <a:p>
             <a:pPr algn="ctr"/>
+            <a:endParaRPr kumimoji="1" lang="ja-JP" altLang="en-US" sz="1400" dirty="0">
+              <a:solidFill>
+                <a:schemeClr val="tx1"/>
+              </a:solidFill>
+            </a:endParaRPr>
+          </a:p>
+        </p:txBody>
+      </p:sp>
+      <p:sp>
+        <p:nvSpPr>
+          <p:cNvPr id="143" name="テキスト ボックス 142"/>
+          <p:cNvSpPr txBox="1"/>
+          <p:nvPr/>
+        </p:nvSpPr>
+        <p:spPr>
+          <a:xfrm>
+            <a:off x="5995326" y="502055"/>
+            <a:ext cx="2905988" cy="307777"/>
+          </a:xfrm>
+          <a:prstGeom prst="rect">
+            <a:avLst/>
+          </a:prstGeom>
+          <a:noFill/>
+        </p:spPr>
+        <p:txBody>
+          <a:bodyPr wrap="none" rtlCol="0">
+            <a:spAutoFit/>
+          </a:bodyPr>
+          <a:lstStyle/>
+          <a:p>
+            <a:r>
+              <a:rPr kumimoji="1" lang="en-US" altLang="ja-JP" sz="1400" dirty="0" smtClean="0"/>
+              <a:t>: managed thread </a:t>
+            </a:r>
+            <a:r>
+              <a:rPr lang="en-US" altLang="ja-JP" sz="1400" dirty="0" smtClean="0"/>
+              <a:t>by </a:t>
+            </a:r>
+            <a:r>
+              <a:rPr kumimoji="1" lang="en-US" altLang="ja-JP" sz="1400" dirty="0" smtClean="0"/>
+              <a:t>thread manager</a:t>
+            </a:r>
+            <a:endParaRPr kumimoji="1" lang="ja-JP" altLang="en-US" sz="1400" dirty="0"/>
+          </a:p>
+        </p:txBody>
+      </p:sp>
+      <p:sp>
+        <p:nvSpPr>
+          <p:cNvPr id="144" name="正方形/長方形 143"/>
+          <p:cNvSpPr/>
+          <p:nvPr/>
+        </p:nvSpPr>
+        <p:spPr>
+          <a:xfrm>
+            <a:off x="5554676" y="344578"/>
+            <a:ext cx="410838" cy="172954"/>
+          </a:xfrm>
+          <a:prstGeom prst="rect">
+            <a:avLst/>
+          </a:prstGeom>
+          <a:solidFill>
+            <a:schemeClr val="bg2">
+              <a:lumMod val="90000"/>
+            </a:schemeClr>
+          </a:solidFill>
+          <a:ln w="9525">
+            <a:solidFill>
+              <a:schemeClr val="bg1">
+                <a:lumMod val="50000"/>
+              </a:schemeClr>
+            </a:solidFill>
+            <a:prstDash val="solid"/>
+          </a:ln>
+          <a:effectLst>
+            <a:outerShdw blurRad="50800" dist="38100" dir="2700000" algn="tl" rotWithShape="0">
+              <a:prstClr val="black">
+                <a:alpha val="40000"/>
+              </a:prstClr>
+            </a:outerShdw>
+          </a:effectLst>
+        </p:spPr>
+        <p:style>
+          <a:lnRef idx="2">
+            <a:schemeClr val="accent1">
+              <a:shade val="50000"/>
+            </a:schemeClr>
+          </a:lnRef>
+          <a:fillRef idx="1">
+            <a:schemeClr val="accent1"/>
+          </a:fillRef>
+          <a:effectRef idx="0">
+            <a:schemeClr val="accent1"/>
+          </a:effectRef>
+          <a:fontRef idx="minor">
+            <a:schemeClr val="lt1"/>
+          </a:fontRef>
+        </p:style>
+        <p:txBody>
+          <a:bodyPr rtlCol="0" anchor="ctr"/>
+          <a:lstStyle/>
+          <a:p>
+            <a:pPr algn="ctr"/>
+            <a:endParaRPr kumimoji="1" lang="ja-JP" altLang="en-US" sz="1400" dirty="0">
+              <a:solidFill>
+                <a:schemeClr val="tx1"/>
+              </a:solidFill>
+            </a:endParaRPr>
+          </a:p>
+        </p:txBody>
+      </p:sp>
+      <p:sp>
+        <p:nvSpPr>
+          <p:cNvPr id="145" name="テキスト ボックス 144"/>
+          <p:cNvSpPr txBox="1"/>
+          <p:nvPr/>
+        </p:nvSpPr>
+        <p:spPr>
+          <a:xfrm>
+            <a:off x="5969710" y="283961"/>
+            <a:ext cx="827791" cy="307777"/>
+          </a:xfrm>
+          <a:prstGeom prst="rect">
+            <a:avLst/>
+          </a:prstGeom>
+          <a:noFill/>
+        </p:spPr>
+        <p:txBody>
+          <a:bodyPr wrap="none" rtlCol="0">
+            <a:spAutoFit/>
+          </a:bodyPr>
+          <a:lstStyle/>
+          <a:p>
+            <a:r>
+              <a:rPr kumimoji="1" lang="en-US" altLang="ja-JP" sz="1400" dirty="0" smtClean="0"/>
+              <a:t>: process</a:t>
+            </a:r>
+            <a:endParaRPr kumimoji="1" lang="ja-JP" altLang="en-US" sz="1400" dirty="0"/>
+          </a:p>
+        </p:txBody>
+      </p:sp>
+      <p:sp>
+        <p:nvSpPr>
+          <p:cNvPr id="146" name="テキスト ボックス 145"/>
+          <p:cNvSpPr txBox="1"/>
+          <p:nvPr/>
+        </p:nvSpPr>
+        <p:spPr>
+          <a:xfrm>
+            <a:off x="3433908" y="6022741"/>
+            <a:ext cx="1260281" cy="276999"/>
+          </a:xfrm>
+          <a:prstGeom prst="rect">
+            <a:avLst/>
+          </a:prstGeom>
+          <a:noFill/>
+        </p:spPr>
+        <p:txBody>
+          <a:bodyPr wrap="none" rtlCol="0">
+            <a:spAutoFit/>
+          </a:bodyPr>
+          <a:lstStyle/>
+          <a:p>
+            <a:r>
+              <a:rPr lang="en-US" altLang="ja-JP" sz="1200" dirty="0" smtClean="0"/>
+              <a:t>without</a:t>
+            </a:r>
+            <a:r>
+              <a:rPr kumimoji="1" lang="en-US" altLang="ja-JP" sz="1200" dirty="0" smtClean="0"/>
+              <a:t> libarib25</a:t>
+            </a:r>
+            <a:endParaRPr kumimoji="1" lang="ja-JP" altLang="en-US" sz="1200" dirty="0"/>
+          </a:p>
+        </p:txBody>
+      </p:sp>
+      <p:sp>
+        <p:nvSpPr>
+          <p:cNvPr id="148" name="テキスト ボックス 147"/>
+          <p:cNvSpPr txBox="1"/>
+          <p:nvPr/>
+        </p:nvSpPr>
+        <p:spPr>
+          <a:xfrm>
+            <a:off x="1905761" y="6036404"/>
+            <a:ext cx="1260281" cy="276999"/>
+          </a:xfrm>
+          <a:prstGeom prst="rect">
+            <a:avLst/>
+          </a:prstGeom>
+          <a:noFill/>
+        </p:spPr>
+        <p:txBody>
+          <a:bodyPr wrap="none" rtlCol="0">
+            <a:spAutoFit/>
+          </a:bodyPr>
+          <a:lstStyle/>
+          <a:p>
+            <a:r>
+              <a:rPr kumimoji="1" lang="en-US" altLang="ja-JP" sz="1200" dirty="0" smtClean="0"/>
+              <a:t>without libarib25</a:t>
+            </a:r>
+            <a:endParaRPr kumimoji="1" lang="ja-JP" altLang="en-US" sz="1200" dirty="0"/>
+          </a:p>
+        </p:txBody>
+      </p:sp>
+      <p:cxnSp>
+        <p:nvCxnSpPr>
+          <p:cNvPr id="52" name="カギ線コネクタ 51"/>
+          <p:cNvCxnSpPr>
+            <a:stCxn id="92" idx="3"/>
+            <a:endCxn id="97" idx="2"/>
+          </p:cNvCxnSpPr>
+          <p:nvPr/>
+        </p:nvCxnSpPr>
+        <p:spPr>
+          <a:xfrm flipV="1">
+            <a:off x="2766897" y="3241983"/>
+            <a:ext cx="842365" cy="1896520"/>
+          </a:xfrm>
+          <a:prstGeom prst="bentConnector2">
+            <a:avLst/>
+          </a:prstGeom>
+          <a:ln w="57150">
+            <a:tailEnd type="triangle"/>
+          </a:ln>
+        </p:spPr>
+        <p:style>
+          <a:lnRef idx="1">
+            <a:schemeClr val="accent1"/>
+          </a:lnRef>
+          <a:fillRef idx="0">
+            <a:schemeClr val="accent1"/>
+          </a:fillRef>
+          <a:effectRef idx="0">
+            <a:schemeClr val="accent1"/>
+          </a:effectRef>
+          <a:fontRef idx="minor">
+            <a:schemeClr val="tx1"/>
+          </a:fontRef>
+        </p:style>
+      </p:cxnSp>
+      <p:cxnSp>
+        <p:nvCxnSpPr>
+          <p:cNvPr id="151" name="カギ線コネクタ 150"/>
+          <p:cNvCxnSpPr>
+            <a:stCxn id="114" idx="3"/>
+            <a:endCxn id="104" idx="2"/>
+          </p:cNvCxnSpPr>
+          <p:nvPr/>
+        </p:nvCxnSpPr>
+        <p:spPr>
+          <a:xfrm flipV="1">
+            <a:off x="3888242" y="3272927"/>
+            <a:ext cx="350353" cy="1907137"/>
+          </a:xfrm>
+          <a:prstGeom prst="bentConnector2">
+            <a:avLst/>
+          </a:prstGeom>
+          <a:ln w="57150">
+            <a:tailEnd type="triangle"/>
+          </a:ln>
+        </p:spPr>
+        <p:style>
+          <a:lnRef idx="1">
+            <a:schemeClr val="accent1"/>
+          </a:lnRef>
+          <a:fillRef idx="0">
+            <a:schemeClr val="accent1"/>
+          </a:fillRef>
+          <a:effectRef idx="0">
+            <a:schemeClr val="accent1"/>
+          </a:effectRef>
+          <a:fontRef idx="minor">
+            <a:schemeClr val="tx1"/>
+          </a:fontRef>
+        </p:style>
+      </p:cxnSp>
+      <p:sp>
+        <p:nvSpPr>
+          <p:cNvPr id="154" name="正方形/長方形 153"/>
+          <p:cNvSpPr/>
+          <p:nvPr/>
+        </p:nvSpPr>
+        <p:spPr>
+          <a:xfrm>
+            <a:off x="3419614" y="3345115"/>
+            <a:ext cx="812838" cy="225334"/>
+          </a:xfrm>
+          <a:prstGeom prst="rect">
+            <a:avLst/>
+          </a:prstGeom>
+          <a:noFill/>
+          <a:ln w="12700">
+            <a:noFill/>
+          </a:ln>
+        </p:spPr>
+        <p:style>
+          <a:lnRef idx="2">
+            <a:schemeClr val="accent1">
+              <a:shade val="50000"/>
+            </a:schemeClr>
+          </a:lnRef>
+          <a:fillRef idx="1">
+            <a:schemeClr val="accent1"/>
+          </a:fillRef>
+          <a:effectRef idx="0">
+            <a:schemeClr val="accent1"/>
+          </a:effectRef>
+          <a:fontRef idx="minor">
+            <a:schemeClr val="lt1"/>
+          </a:fontRef>
+        </p:style>
+        <p:txBody>
+          <a:bodyPr rtlCol="0" anchor="ctr"/>
+          <a:lstStyle/>
+          <a:p>
+            <a:pPr algn="ctr"/>
+            <a:r>
+              <a:rPr lang="en-US" altLang="ja-JP" sz="1400" dirty="0" smtClean="0">
+                <a:solidFill>
+                  <a:schemeClr val="tx1"/>
+                </a:solidFill>
+              </a:rPr>
+              <a:t>m2ts</a:t>
+            </a:r>
+            <a:endParaRPr kumimoji="1" lang="en-US" altLang="ja-JP" sz="1400" dirty="0" smtClean="0">
+              <a:solidFill>
+                <a:schemeClr val="tx1"/>
+              </a:solidFill>
+            </a:endParaRPr>
+          </a:p>
+        </p:txBody>
+      </p:sp>
+      <p:sp>
+        <p:nvSpPr>
+          <p:cNvPr id="47" name="正方形/長方形 46"/>
+          <p:cNvSpPr/>
+          <p:nvPr/>
+        </p:nvSpPr>
+        <p:spPr>
+          <a:xfrm>
+            <a:off x="833955" y="3626653"/>
+            <a:ext cx="5933551" cy="294345"/>
+          </a:xfrm>
+          <a:prstGeom prst="rect">
+            <a:avLst/>
+          </a:prstGeom>
+          <a:solidFill>
+            <a:schemeClr val="accent6">
+              <a:lumMod val="60000"/>
+              <a:lumOff val="40000"/>
+            </a:schemeClr>
+          </a:solidFill>
+          <a:ln>
+            <a:solidFill>
+              <a:srgbClr val="FF0000"/>
+            </a:solidFill>
+          </a:ln>
+          <a:effectLst>
+            <a:outerShdw blurRad="50800" dist="38100" dir="2700000" algn="tl" rotWithShape="0">
+              <a:prstClr val="black">
+                <a:alpha val="40000"/>
+              </a:prstClr>
+            </a:outerShdw>
+          </a:effectLst>
+        </p:spPr>
+        <p:style>
+          <a:lnRef idx="2">
+            <a:schemeClr val="accent1">
+              <a:shade val="50000"/>
+            </a:schemeClr>
+          </a:lnRef>
+          <a:fillRef idx="1">
+            <a:schemeClr val="accent1"/>
+          </a:fillRef>
+          <a:effectRef idx="0">
+            <a:schemeClr val="accent1"/>
+          </a:effectRef>
+          <a:fontRef idx="minor">
+            <a:schemeClr val="lt1"/>
+          </a:fontRef>
+        </p:style>
+        <p:txBody>
+          <a:bodyPr rtlCol="0" anchor="ctr"/>
+          <a:lstStyle/>
+          <a:p>
+            <a:pPr algn="ctr"/>
             <a:r>
               <a:rPr kumimoji="1" lang="en-US" altLang="ja-JP" sz="1400" dirty="0" smtClean="0">
                 <a:solidFill>
                   <a:schemeClr val="tx1"/>
                 </a:solidFill>
               </a:rPr>
-              <a:t>Event Schedule </a:t>
-            </a:r>
+              <a:t>Tuner Service</a:t>
+            </a:r>
+            <a:endParaRPr kumimoji="1" lang="ja-JP" altLang="en-US" sz="1400" dirty="0">
+              <a:solidFill>
+                <a:schemeClr val="tx1"/>
+              </a:solidFill>
+            </a:endParaRPr>
+          </a:p>
+        </p:txBody>
+      </p:sp>
+      <p:sp>
+        <p:nvSpPr>
+          <p:cNvPr id="98" name="正方形/長方形 97"/>
+          <p:cNvSpPr/>
+          <p:nvPr/>
+        </p:nvSpPr>
+        <p:spPr>
+          <a:xfrm>
+            <a:off x="5925437" y="3405311"/>
+            <a:ext cx="887233" cy="290502"/>
+          </a:xfrm>
+          <a:prstGeom prst="rect">
+            <a:avLst/>
+          </a:prstGeom>
+          <a:solidFill>
+            <a:srgbClr val="92D050"/>
+          </a:solidFill>
+          <a:ln w="19050">
+            <a:noFill/>
+          </a:ln>
+        </p:spPr>
+        <p:style>
+          <a:lnRef idx="2">
+            <a:schemeClr val="accent1">
+              <a:shade val="50000"/>
+            </a:schemeClr>
+          </a:lnRef>
+          <a:fillRef idx="1">
+            <a:schemeClr val="accent1"/>
+          </a:fillRef>
+          <a:effectRef idx="0">
+            <a:schemeClr val="accent1"/>
+          </a:effectRef>
+          <a:fontRef idx="minor">
+            <a:schemeClr val="lt1"/>
+          </a:fontRef>
+        </p:style>
+        <p:txBody>
+          <a:bodyPr rtlCol="0" anchor="ctr"/>
+          <a:lstStyle/>
+          <a:p>
+            <a:pPr algn="ctr"/>
+            <a:r>
+              <a:rPr lang="en-US" altLang="ja-JP" sz="1400" dirty="0" smtClean="0">
+                <a:solidFill>
+                  <a:schemeClr val="tx1"/>
+                </a:solidFill>
+              </a:rPr>
+              <a:t>tuning</a:t>
+            </a:r>
+            <a:endParaRPr kumimoji="1" lang="ja-JP" altLang="en-US" sz="1400" dirty="0">
+              <a:solidFill>
+                <a:schemeClr val="tx1"/>
+              </a:solidFill>
+            </a:endParaRPr>
+          </a:p>
+        </p:txBody>
+      </p:sp>
+      <p:sp>
+        <p:nvSpPr>
+          <p:cNvPr id="155" name="正方形/長方形 154"/>
+          <p:cNvSpPr/>
+          <p:nvPr/>
+        </p:nvSpPr>
+        <p:spPr>
+          <a:xfrm>
+            <a:off x="4047194" y="3370693"/>
+            <a:ext cx="812838" cy="225334"/>
+          </a:xfrm>
+          <a:prstGeom prst="rect">
+            <a:avLst/>
+          </a:prstGeom>
+          <a:noFill/>
+          <a:ln w="12700">
+            <a:noFill/>
+          </a:ln>
+        </p:spPr>
+        <p:style>
+          <a:lnRef idx="2">
+            <a:schemeClr val="accent1">
+              <a:shade val="50000"/>
+            </a:schemeClr>
+          </a:lnRef>
+          <a:fillRef idx="1">
+            <a:schemeClr val="accent1"/>
+          </a:fillRef>
+          <a:effectRef idx="0">
+            <a:schemeClr val="accent1"/>
+          </a:effectRef>
+          <a:fontRef idx="minor">
+            <a:schemeClr val="lt1"/>
+          </a:fontRef>
+        </p:style>
+        <p:txBody>
+          <a:bodyPr rtlCol="0" anchor="ctr"/>
+          <a:lstStyle/>
+          <a:p>
+            <a:pPr algn="ctr"/>
+            <a:r>
+              <a:rPr lang="en-US" altLang="ja-JP" sz="1400" dirty="0" smtClean="0">
+                <a:solidFill>
+                  <a:schemeClr val="tx1"/>
+                </a:solidFill>
+              </a:rPr>
+              <a:t>m2ts</a:t>
+            </a:r>
+            <a:endParaRPr kumimoji="1" lang="en-US" altLang="ja-JP" sz="1400" dirty="0" smtClean="0">
+              <a:solidFill>
+                <a:schemeClr val="tx1"/>
+              </a:solidFill>
+            </a:endParaRPr>
+          </a:p>
+        </p:txBody>
+      </p:sp>
+      <p:cxnSp>
+        <p:nvCxnSpPr>
+          <p:cNvPr id="168" name="直線矢印コネクタ 167"/>
+          <p:cNvCxnSpPr/>
+          <p:nvPr/>
+        </p:nvCxnSpPr>
+        <p:spPr>
+          <a:xfrm>
+            <a:off x="2994283" y="2664940"/>
+            <a:ext cx="0" cy="961713"/>
+          </a:xfrm>
+          <a:prstGeom prst="straightConnector1">
+            <a:avLst/>
+          </a:prstGeom>
+          <a:ln>
+            <a:solidFill>
+              <a:schemeClr val="tx1"/>
+            </a:solidFill>
+            <a:headEnd type="none" w="med" len="med"/>
+            <a:tailEnd type="triangle" w="med" len="med"/>
+          </a:ln>
+        </p:spPr>
+        <p:style>
+          <a:lnRef idx="1">
+            <a:schemeClr val="accent1"/>
+          </a:lnRef>
+          <a:fillRef idx="0">
+            <a:schemeClr val="accent1"/>
+          </a:fillRef>
+          <a:effectRef idx="0">
+            <a:schemeClr val="accent1"/>
+          </a:effectRef>
+          <a:fontRef idx="minor">
+            <a:schemeClr val="tx1"/>
+          </a:fontRef>
+        </p:style>
+      </p:cxnSp>
+      <p:cxnSp>
+        <p:nvCxnSpPr>
+          <p:cNvPr id="172" name="直線矢印コネクタ 171"/>
+          <p:cNvCxnSpPr/>
+          <p:nvPr/>
+        </p:nvCxnSpPr>
+        <p:spPr>
+          <a:xfrm>
+            <a:off x="2696635" y="1967164"/>
+            <a:ext cx="0" cy="1659489"/>
+          </a:xfrm>
+          <a:prstGeom prst="straightConnector1">
+            <a:avLst/>
+          </a:prstGeom>
+          <a:ln>
+            <a:solidFill>
+              <a:schemeClr val="tx1"/>
+            </a:solidFill>
+            <a:headEnd type="none" w="med" len="med"/>
+            <a:tailEnd type="triangle" w="med" len="med"/>
+          </a:ln>
+        </p:spPr>
+        <p:style>
+          <a:lnRef idx="1">
+            <a:schemeClr val="accent1"/>
+          </a:lnRef>
+          <a:fillRef idx="0">
+            <a:schemeClr val="accent1"/>
+          </a:fillRef>
+          <a:effectRef idx="0">
+            <a:schemeClr val="accent1"/>
+          </a:effectRef>
+          <a:fontRef idx="minor">
+            <a:schemeClr val="tx1"/>
+          </a:fontRef>
+        </p:style>
+      </p:cxnSp>
+      <p:cxnSp>
+        <p:nvCxnSpPr>
+          <p:cNvPr id="174" name="直線矢印コネクタ 173"/>
+          <p:cNvCxnSpPr/>
+          <p:nvPr/>
+        </p:nvCxnSpPr>
+        <p:spPr>
+          <a:xfrm>
+            <a:off x="2283427" y="2863835"/>
+            <a:ext cx="0" cy="760538"/>
+          </a:xfrm>
+          <a:prstGeom prst="straightConnector1">
+            <a:avLst/>
+          </a:prstGeom>
+          <a:ln>
+            <a:solidFill>
+              <a:schemeClr val="tx1"/>
+            </a:solidFill>
+            <a:headEnd type="none" w="med" len="med"/>
+            <a:tailEnd type="triangle" w="med" len="med"/>
+          </a:ln>
+        </p:spPr>
+        <p:style>
+          <a:lnRef idx="1">
+            <a:schemeClr val="accent1"/>
+          </a:lnRef>
+          <a:fillRef idx="0">
+            <a:schemeClr val="accent1"/>
+          </a:fillRef>
+          <a:effectRef idx="0">
+            <a:schemeClr val="accent1"/>
+          </a:effectRef>
+          <a:fontRef idx="minor">
+            <a:schemeClr val="tx1"/>
+          </a:fontRef>
+        </p:style>
+      </p:cxnSp>
+      <p:sp>
+        <p:nvSpPr>
+          <p:cNvPr id="72" name="正方形/長方形 71"/>
+          <p:cNvSpPr/>
+          <p:nvPr/>
+        </p:nvSpPr>
+        <p:spPr>
+          <a:xfrm>
+            <a:off x="7448644" y="3176307"/>
+            <a:ext cx="699205" cy="245275"/>
+          </a:xfrm>
+          <a:prstGeom prst="rect">
+            <a:avLst/>
+          </a:prstGeom>
+          <a:solidFill>
+            <a:schemeClr val="bg2">
+              <a:lumMod val="90000"/>
+            </a:schemeClr>
+          </a:solidFill>
+          <a:ln w="9525">
+            <a:solidFill>
+              <a:schemeClr val="bg1">
+                <a:lumMod val="50000"/>
+              </a:schemeClr>
+            </a:solidFill>
+            <a:prstDash val="solid"/>
+          </a:ln>
+          <a:effectLst>
+            <a:outerShdw blurRad="50800" dist="38100" dir="2700000" algn="tl" rotWithShape="0">
+              <a:prstClr val="black">
+                <a:alpha val="40000"/>
+              </a:prstClr>
+            </a:outerShdw>
+          </a:effectLst>
+        </p:spPr>
+        <p:style>
+          <a:lnRef idx="2">
+            <a:schemeClr val="accent1">
+              <a:shade val="50000"/>
+            </a:schemeClr>
+          </a:lnRef>
+          <a:fillRef idx="1">
+            <a:schemeClr val="accent1"/>
+          </a:fillRef>
+          <a:effectRef idx="0">
+            <a:schemeClr val="accent1"/>
+          </a:effectRef>
+          <a:fontRef idx="minor">
+            <a:schemeClr val="lt1"/>
+          </a:fontRef>
+        </p:style>
+        <p:txBody>
+          <a:bodyPr rtlCol="0" anchor="ctr"/>
+          <a:lstStyle/>
+          <a:p>
+            <a:pPr algn="ctr"/>
+            <a:r>
+              <a:rPr kumimoji="1" lang="en-US" altLang="ja-JP" sz="1400" dirty="0" err="1" smtClean="0">
+                <a:solidFill>
+                  <a:schemeClr val="tx1"/>
+                </a:solidFill>
+              </a:rPr>
+              <a:t>pcscd</a:t>
+            </a:r>
+            <a:endParaRPr kumimoji="1" lang="ja-JP" altLang="en-US" sz="1400" dirty="0">
+              <a:solidFill>
+                <a:schemeClr val="tx1"/>
+              </a:solidFill>
+            </a:endParaRPr>
+          </a:p>
+        </p:txBody>
+      </p:sp>
+      <p:sp>
+        <p:nvSpPr>
+          <p:cNvPr id="75" name="正方形/長方形 74"/>
+          <p:cNvSpPr/>
+          <p:nvPr/>
+        </p:nvSpPr>
+        <p:spPr>
+          <a:xfrm>
+            <a:off x="1473842" y="6277653"/>
+            <a:ext cx="1194952" cy="329169"/>
+          </a:xfrm>
+          <a:prstGeom prst="rect">
+            <a:avLst/>
+          </a:prstGeom>
+          <a:solidFill>
+            <a:schemeClr val="tx2">
+              <a:lumMod val="20000"/>
+              <a:lumOff val="80000"/>
+            </a:schemeClr>
+          </a:solidFill>
+          <a:ln w="12700">
+            <a:solidFill>
+              <a:schemeClr val="tx2">
+                <a:lumMod val="75000"/>
+              </a:schemeClr>
+            </a:solidFill>
+          </a:ln>
+          <a:effectLst>
+            <a:outerShdw blurRad="50800" dist="38100" dir="2700000" algn="tl" rotWithShape="0">
+              <a:prstClr val="black">
+                <a:alpha val="40000"/>
+              </a:prstClr>
+            </a:outerShdw>
+          </a:effectLst>
+        </p:spPr>
+        <p:style>
+          <a:lnRef idx="2">
+            <a:schemeClr val="accent1">
+              <a:shade val="50000"/>
+            </a:schemeClr>
+          </a:lnRef>
+          <a:fillRef idx="1">
+            <a:schemeClr val="accent1"/>
+          </a:fillRef>
+          <a:effectRef idx="0">
+            <a:schemeClr val="accent1"/>
+          </a:effectRef>
+          <a:fontRef idx="minor">
+            <a:schemeClr val="lt1"/>
+          </a:fontRef>
+        </p:style>
+        <p:txBody>
+          <a:bodyPr rtlCol="0" anchor="ctr"/>
+          <a:lstStyle/>
+          <a:p>
+            <a:pPr algn="ctr"/>
+            <a:r>
+              <a:rPr lang="en-US" altLang="ja-JP" sz="1400" dirty="0">
+                <a:solidFill>
+                  <a:schemeClr val="tx1"/>
+                </a:solidFill>
+              </a:rPr>
+              <a:t>PX-S1UD V2.0</a:t>
+            </a:r>
+            <a:endParaRPr kumimoji="1" lang="en-US" altLang="ja-JP" sz="1400" dirty="0" smtClean="0">
+              <a:solidFill>
+                <a:schemeClr val="tx1"/>
+              </a:solidFill>
+            </a:endParaRPr>
+          </a:p>
+        </p:txBody>
+      </p:sp>
+      <p:sp>
+        <p:nvSpPr>
+          <p:cNvPr id="77" name="正方形/長方形 76"/>
+          <p:cNvSpPr/>
+          <p:nvPr/>
+        </p:nvSpPr>
+        <p:spPr>
+          <a:xfrm>
+            <a:off x="2874459" y="6277654"/>
+            <a:ext cx="1368041" cy="329168"/>
+          </a:xfrm>
+          <a:prstGeom prst="rect">
+            <a:avLst/>
+          </a:prstGeom>
+          <a:solidFill>
+            <a:schemeClr val="tx2">
+              <a:lumMod val="20000"/>
+              <a:lumOff val="80000"/>
+            </a:schemeClr>
+          </a:solidFill>
+          <a:ln w="12700">
+            <a:solidFill>
+              <a:schemeClr val="tx2">
+                <a:lumMod val="75000"/>
+              </a:schemeClr>
+            </a:solidFill>
+          </a:ln>
+          <a:effectLst>
+            <a:outerShdw blurRad="50800" dist="38100" dir="2700000" algn="tl" rotWithShape="0">
+              <a:prstClr val="black">
+                <a:alpha val="40000"/>
+              </a:prstClr>
+            </a:outerShdw>
+          </a:effectLst>
+        </p:spPr>
+        <p:style>
+          <a:lnRef idx="2">
+            <a:schemeClr val="accent1">
+              <a:shade val="50000"/>
+            </a:schemeClr>
+          </a:lnRef>
+          <a:fillRef idx="1">
+            <a:schemeClr val="accent1"/>
+          </a:fillRef>
+          <a:effectRef idx="0">
+            <a:schemeClr val="accent1"/>
+          </a:effectRef>
+          <a:fontRef idx="minor">
+            <a:schemeClr val="lt1"/>
+          </a:fontRef>
+        </p:style>
+        <p:txBody>
+          <a:bodyPr rtlCol="0" anchor="ctr"/>
+          <a:lstStyle/>
+          <a:p>
+            <a:pPr algn="ctr"/>
+            <a:r>
+              <a:rPr lang="en-US" altLang="ja-JP" sz="1400" dirty="0">
+                <a:solidFill>
+                  <a:schemeClr val="tx1"/>
+                </a:solidFill>
+              </a:rPr>
+              <a:t>KTV-FSUSB2/V3</a:t>
+            </a:r>
+            <a:endParaRPr kumimoji="1" lang="en-US" altLang="ja-JP" sz="1400" dirty="0" smtClean="0">
+              <a:solidFill>
+                <a:schemeClr val="tx1"/>
+              </a:solidFill>
+            </a:endParaRPr>
+          </a:p>
+        </p:txBody>
+      </p:sp>
+      <p:cxnSp>
+        <p:nvCxnSpPr>
+          <p:cNvPr id="14" name="カギ線コネクタ 13"/>
+          <p:cNvCxnSpPr>
+            <a:stCxn id="112" idx="2"/>
+            <a:endCxn id="123" idx="0"/>
+          </p:cNvCxnSpPr>
+          <p:nvPr/>
+        </p:nvCxnSpPr>
+        <p:spPr>
+          <a:xfrm rot="16200000" flipH="1">
+            <a:off x="3068129" y="5577215"/>
+            <a:ext cx="463554" cy="216441"/>
+          </a:xfrm>
+          <a:prstGeom prst="bentConnector3">
+            <a:avLst/>
+          </a:prstGeom>
+          <a:ln>
+            <a:solidFill>
+              <a:schemeClr val="tx1"/>
+            </a:solidFill>
+            <a:prstDash val="dash"/>
+            <a:tailEnd type="triangle"/>
+          </a:ln>
+        </p:spPr>
+        <p:style>
+          <a:lnRef idx="1">
+            <a:schemeClr val="accent1"/>
+          </a:lnRef>
+          <a:fillRef idx="0">
+            <a:schemeClr val="accent1"/>
+          </a:fillRef>
+          <a:effectRef idx="0">
+            <a:schemeClr val="accent1"/>
+          </a:effectRef>
+          <a:fontRef idx="minor">
+            <a:schemeClr val="tx1"/>
+          </a:fontRef>
+        </p:style>
+      </p:cxnSp>
+      <p:sp>
+        <p:nvSpPr>
+          <p:cNvPr id="2" name="正方形/長方形 1"/>
+          <p:cNvSpPr/>
+          <p:nvPr/>
+        </p:nvSpPr>
+        <p:spPr>
+          <a:xfrm>
+            <a:off x="629924" y="5817725"/>
+            <a:ext cx="5365402" cy="871678"/>
+          </a:xfrm>
+          <a:prstGeom prst="rect">
+            <a:avLst/>
+          </a:prstGeom>
+          <a:noFill/>
+          <a:ln w="12700">
+            <a:prstDash val="sysDash"/>
+          </a:ln>
+        </p:spPr>
+        <p:style>
+          <a:lnRef idx="2">
+            <a:schemeClr val="accent1">
+              <a:shade val="50000"/>
+            </a:schemeClr>
+          </a:lnRef>
+          <a:fillRef idx="1">
+            <a:schemeClr val="accent1"/>
+          </a:fillRef>
+          <a:effectRef idx="0">
+            <a:schemeClr val="accent1"/>
+          </a:effectRef>
+          <a:fontRef idx="minor">
+            <a:schemeClr val="lt1"/>
+          </a:fontRef>
+        </p:style>
+        <p:txBody>
+          <a:bodyPr rtlCol="0" anchor="ctr"/>
+          <a:lstStyle/>
+          <a:p>
+            <a:pPr algn="ctr"/>
+            <a:endParaRPr kumimoji="1" lang="ja-JP" altLang="en-US"/>
+          </a:p>
+        </p:txBody>
+      </p:sp>
+      <p:sp>
+        <p:nvSpPr>
+          <p:cNvPr id="70" name="テキスト ボックス 69"/>
+          <p:cNvSpPr txBox="1"/>
+          <p:nvPr/>
+        </p:nvSpPr>
+        <p:spPr>
+          <a:xfrm>
+            <a:off x="611560" y="5785519"/>
+            <a:ext cx="732636" cy="307777"/>
+          </a:xfrm>
+          <a:prstGeom prst="rect">
+            <a:avLst/>
+          </a:prstGeom>
+          <a:noFill/>
+        </p:spPr>
+        <p:txBody>
+          <a:bodyPr wrap="none" rtlCol="0">
+            <a:spAutoFit/>
+          </a:bodyPr>
+          <a:lstStyle/>
+          <a:p>
+            <a:r>
+              <a:rPr kumimoji="1" lang="en-US" altLang="ja-JP" sz="1400" dirty="0" err="1" smtClean="0"/>
+              <a:t>frexible</a:t>
+            </a:r>
+            <a:endParaRPr kumimoji="1" lang="ja-JP" altLang="en-US" sz="1400" dirty="0"/>
+          </a:p>
+        </p:txBody>
+      </p:sp>
+    </p:spTree>
+    <p:extLst>
+      <p:ext uri="{BB962C8B-B14F-4D97-AF65-F5344CB8AC3E}">
+        <p14:creationId xmlns:p14="http://schemas.microsoft.com/office/powerpoint/2010/main" val="163954629"/>
+      </p:ext>
+    </p:extLst>
+  </p:cSld>
+  <p:clrMapOvr>
+    <a:masterClrMapping/>
+  </p:clrMapOvr>
+  <p:timing>
+    <p:tnLst>
+      <p:par>
+        <p:cTn id="1" dur="indefinite" restart="never" nodeType="tmRoot"/>
+      </p:par>
+    </p:tnLst>
+  </p:timing>
+</p:sld>
+</file>
+
+<file path=ppt/slides/slide2.xml><?xml version="1.0" encoding="utf-8"?>
+<p:sld xmlns:a="http://schemas.openxmlformats.org/drawingml/2006/main" xmlns:r="http://schemas.openxmlformats.org/officeDocument/2006/relationships" xmlns:p="http://schemas.openxmlformats.org/presentationml/2006/main">
+  <p:cSld>
+    <p:spTree>
+      <p:nvGrpSpPr>
+        <p:cNvPr id="1" name=""/>
+        <p:cNvGrpSpPr/>
+        <p:nvPr/>
+      </p:nvGrpSpPr>
+      <p:grpSpPr>
+        <a:xfrm>
+          <a:off x="0" y="0"/>
+          <a:ext cx="0" cy="0"/>
+          <a:chOff x="0" y="0"/>
+          <a:chExt cx="0" cy="0"/>
+        </a:xfrm>
+      </p:grpSpPr>
+      <p:sp>
+        <p:nvSpPr>
+          <p:cNvPr id="169" name="正方形/長方形 168"/>
+          <p:cNvSpPr/>
+          <p:nvPr/>
+        </p:nvSpPr>
+        <p:spPr>
+          <a:xfrm>
+            <a:off x="539552" y="891655"/>
+            <a:ext cx="6279605" cy="5491505"/>
+          </a:xfrm>
+          <a:prstGeom prst="rect">
+            <a:avLst/>
+          </a:prstGeom>
+          <a:solidFill>
+            <a:schemeClr val="bg2">
+              <a:lumMod val="90000"/>
+            </a:schemeClr>
+          </a:solidFill>
+          <a:ln w="9525">
+            <a:solidFill>
+              <a:schemeClr val="bg1">
+                <a:lumMod val="50000"/>
+              </a:schemeClr>
+            </a:solidFill>
+            <a:prstDash val="solid"/>
+          </a:ln>
+          <a:effectLst>
+            <a:outerShdw blurRad="50800" dist="38100" dir="2700000" algn="tl" rotWithShape="0">
+              <a:prstClr val="black">
+                <a:alpha val="40000"/>
+              </a:prstClr>
+            </a:outerShdw>
+          </a:effectLst>
+        </p:spPr>
+        <p:style>
+          <a:lnRef idx="2">
+            <a:schemeClr val="accent1">
+              <a:shade val="50000"/>
+            </a:schemeClr>
+          </a:lnRef>
+          <a:fillRef idx="1">
+            <a:schemeClr val="accent1"/>
+          </a:fillRef>
+          <a:effectRef idx="0">
+            <a:schemeClr val="accent1"/>
+          </a:effectRef>
+          <a:fontRef idx="minor">
+            <a:schemeClr val="lt1"/>
+          </a:fontRef>
+        </p:style>
+        <p:txBody>
+          <a:bodyPr rtlCol="0" anchor="ctr"/>
+          <a:lstStyle/>
+          <a:p>
+            <a:pPr algn="ctr"/>
+            <a:endParaRPr kumimoji="1" lang="ja-JP" altLang="en-US"/>
+          </a:p>
+        </p:txBody>
+      </p:sp>
+      <p:sp>
+        <p:nvSpPr>
+          <p:cNvPr id="73" name="正方形/長方形 72"/>
+          <p:cNvSpPr/>
+          <p:nvPr/>
+        </p:nvSpPr>
+        <p:spPr>
+          <a:xfrm>
+            <a:off x="179512" y="203200"/>
+            <a:ext cx="8712968" cy="6537816"/>
+          </a:xfrm>
+          <a:prstGeom prst="rect">
+            <a:avLst/>
+          </a:prstGeom>
+          <a:noFill/>
+          <a:ln w="9525">
+            <a:solidFill>
+              <a:schemeClr val="tx1"/>
+            </a:solidFill>
+          </a:ln>
+        </p:spPr>
+        <p:style>
+          <a:lnRef idx="2">
+            <a:schemeClr val="accent1">
+              <a:shade val="50000"/>
+            </a:schemeClr>
+          </a:lnRef>
+          <a:fillRef idx="1">
+            <a:schemeClr val="accent1"/>
+          </a:fillRef>
+          <a:effectRef idx="0">
+            <a:schemeClr val="accent1"/>
+          </a:effectRef>
+          <a:fontRef idx="minor">
+            <a:schemeClr val="lt1"/>
+          </a:fontRef>
+        </p:style>
+        <p:txBody>
+          <a:bodyPr rtlCol="0" anchor="ctr"/>
+          <a:lstStyle/>
+          <a:p>
+            <a:pPr algn="ctr"/>
+            <a:endParaRPr kumimoji="1" lang="ja-JP" altLang="en-US"/>
+          </a:p>
+        </p:txBody>
+      </p:sp>
+      <p:sp>
+        <p:nvSpPr>
+          <p:cNvPr id="74" name="正方形/長方形 73"/>
+          <p:cNvSpPr/>
+          <p:nvPr/>
+        </p:nvSpPr>
+        <p:spPr>
+          <a:xfrm>
+            <a:off x="103312" y="66460"/>
+            <a:ext cx="1370222" cy="185680"/>
+          </a:xfrm>
+          <a:prstGeom prst="rect">
+            <a:avLst/>
+          </a:prstGeom>
+          <a:noFill/>
+          <a:ln w="12700">
+            <a:noFill/>
+          </a:ln>
+        </p:spPr>
+        <p:style>
+          <a:lnRef idx="2">
+            <a:schemeClr val="accent1">
+              <a:shade val="50000"/>
+            </a:schemeClr>
+          </a:lnRef>
+          <a:fillRef idx="1">
+            <a:schemeClr val="accent1"/>
+          </a:fillRef>
+          <a:effectRef idx="0">
+            <a:schemeClr val="accent1"/>
+          </a:effectRef>
+          <a:fontRef idx="minor">
+            <a:schemeClr val="lt1"/>
+          </a:fontRef>
+        </p:style>
+        <p:txBody>
+          <a:bodyPr rtlCol="0" anchor="ctr"/>
+          <a:lstStyle/>
+          <a:p>
+            <a:pPr algn="ctr"/>
+            <a:r>
+              <a:rPr lang="en-US" altLang="ja-JP" sz="1100" dirty="0">
+                <a:solidFill>
+                  <a:schemeClr val="tx1"/>
+                </a:solidFill>
+              </a:rPr>
+              <a:t>C</a:t>
+            </a:r>
+            <a:r>
+              <a:rPr kumimoji="1" lang="en-US" altLang="ja-JP" sz="1100" dirty="0" smtClean="0">
+                <a:solidFill>
+                  <a:schemeClr val="tx1"/>
+                </a:solidFill>
+              </a:rPr>
+              <a:t>omponent diagram</a:t>
+            </a:r>
+          </a:p>
+        </p:txBody>
+      </p:sp>
+      <p:sp>
+        <p:nvSpPr>
+          <p:cNvPr id="62" name="正方形/長方形 61"/>
+          <p:cNvSpPr/>
+          <p:nvPr/>
+        </p:nvSpPr>
+        <p:spPr>
+          <a:xfrm>
+            <a:off x="3388944" y="1061707"/>
+            <a:ext cx="2551208" cy="340204"/>
+          </a:xfrm>
+          <a:prstGeom prst="rect">
+            <a:avLst/>
+          </a:prstGeom>
+          <a:solidFill>
+            <a:schemeClr val="accent6">
+              <a:lumMod val="60000"/>
+              <a:lumOff val="40000"/>
+            </a:schemeClr>
+          </a:solidFill>
+          <a:ln>
+            <a:solidFill>
+              <a:srgbClr val="FF0000"/>
+            </a:solidFill>
+          </a:ln>
+          <a:effectLst>
+            <a:outerShdw blurRad="50800" dist="38100" dir="2700000" algn="tl" rotWithShape="0">
+              <a:prstClr val="black">
+                <a:alpha val="40000"/>
+              </a:prstClr>
+            </a:outerShdw>
+          </a:effectLst>
+        </p:spPr>
+        <p:style>
+          <a:lnRef idx="2">
+            <a:schemeClr val="accent1">
+              <a:shade val="50000"/>
+            </a:schemeClr>
+          </a:lnRef>
+          <a:fillRef idx="1">
+            <a:schemeClr val="accent1"/>
+          </a:fillRef>
+          <a:effectRef idx="0">
+            <a:schemeClr val="accent1"/>
+          </a:effectRef>
+          <a:fontRef idx="minor">
+            <a:schemeClr val="lt1"/>
+          </a:fontRef>
+        </p:style>
+        <p:txBody>
+          <a:bodyPr rtlCol="0" anchor="ctr"/>
+          <a:lstStyle/>
+          <a:p>
+            <a:pPr algn="ctr"/>
             <a:r>
               <a:rPr kumimoji="1" lang="en-US" altLang="ja-JP" sz="1400" dirty="0" smtClean="0">
                 <a:solidFill>
                   <a:schemeClr val="tx1"/>
                 </a:solidFill>
               </a:rPr>
-              <a:t>Manager</a:t>
+              <a:t>Event Search</a:t>
+            </a:r>
+            <a:endParaRPr kumimoji="1" lang="ja-JP" altLang="en-US" sz="1400" dirty="0">
+              <a:solidFill>
+                <a:schemeClr val="tx1"/>
+              </a:solidFill>
+            </a:endParaRPr>
+          </a:p>
+        </p:txBody>
+      </p:sp>
+      <p:sp>
+        <p:nvSpPr>
+          <p:cNvPr id="93" name="正方形/長方形 92"/>
+          <p:cNvSpPr/>
+          <p:nvPr/>
+        </p:nvSpPr>
+        <p:spPr>
+          <a:xfrm>
+            <a:off x="1400318" y="2865491"/>
+            <a:ext cx="3457715" cy="352068"/>
+          </a:xfrm>
+          <a:prstGeom prst="rect">
+            <a:avLst/>
+          </a:prstGeom>
+          <a:solidFill>
+            <a:schemeClr val="accent6">
+              <a:lumMod val="60000"/>
+              <a:lumOff val="40000"/>
+            </a:schemeClr>
+          </a:solidFill>
+          <a:ln>
+            <a:solidFill>
+              <a:srgbClr val="FF0000"/>
+            </a:solidFill>
+          </a:ln>
+          <a:effectLst>
+            <a:outerShdw blurRad="50800" dist="38100" dir="2700000" algn="tl" rotWithShape="0">
+              <a:prstClr val="black">
+                <a:alpha val="40000"/>
+              </a:prstClr>
+            </a:outerShdw>
+          </a:effectLst>
+        </p:spPr>
+        <p:style>
+          <a:lnRef idx="2">
+            <a:schemeClr val="accent1">
+              <a:shade val="50000"/>
+            </a:schemeClr>
+          </a:lnRef>
+          <a:fillRef idx="1">
+            <a:schemeClr val="accent1"/>
+          </a:fillRef>
+          <a:effectRef idx="0">
+            <a:schemeClr val="accent1"/>
+          </a:effectRef>
+          <a:fontRef idx="minor">
+            <a:schemeClr val="lt1"/>
+          </a:fontRef>
+        </p:style>
+        <p:txBody>
+          <a:bodyPr rtlCol="0" anchor="ctr"/>
+          <a:lstStyle/>
+          <a:p>
+            <a:pPr algn="ctr"/>
+            <a:r>
+              <a:rPr kumimoji="1" lang="en-US" altLang="ja-JP" sz="1400" dirty="0" smtClean="0">
+                <a:solidFill>
+                  <a:schemeClr val="tx1"/>
+                </a:solidFill>
+              </a:rPr>
+              <a:t>Channel Manager</a:t>
+            </a:r>
+            <a:endParaRPr kumimoji="1" lang="ja-JP" altLang="en-US" sz="1400" dirty="0">
+              <a:solidFill>
+                <a:schemeClr val="tx1"/>
+              </a:solidFill>
+            </a:endParaRPr>
+          </a:p>
+        </p:txBody>
+      </p:sp>
+      <p:sp>
+        <p:nvSpPr>
+          <p:cNvPr id="94" name="正方形/長方形 93"/>
+          <p:cNvSpPr/>
+          <p:nvPr/>
+        </p:nvSpPr>
+        <p:spPr>
+          <a:xfrm>
+            <a:off x="969715" y="1089495"/>
+            <a:ext cx="1724932" cy="231359"/>
+          </a:xfrm>
+          <a:prstGeom prst="rect">
+            <a:avLst/>
+          </a:prstGeom>
+          <a:solidFill>
+            <a:schemeClr val="accent6">
+              <a:lumMod val="60000"/>
+              <a:lumOff val="40000"/>
+            </a:schemeClr>
+          </a:solidFill>
+          <a:ln>
+            <a:solidFill>
+              <a:srgbClr val="FF0000"/>
+            </a:solidFill>
+          </a:ln>
+          <a:effectLst>
+            <a:outerShdw blurRad="50800" dist="38100" dir="2700000" algn="tl" rotWithShape="0">
+              <a:prstClr val="black">
+                <a:alpha val="40000"/>
+              </a:prstClr>
+            </a:outerShdw>
+          </a:effectLst>
+        </p:spPr>
+        <p:style>
+          <a:lnRef idx="2">
+            <a:schemeClr val="accent1">
+              <a:shade val="50000"/>
+            </a:schemeClr>
+          </a:lnRef>
+          <a:fillRef idx="1">
+            <a:schemeClr val="accent1"/>
+          </a:fillRef>
+          <a:effectRef idx="0">
+            <a:schemeClr val="accent1"/>
+          </a:effectRef>
+          <a:fontRef idx="minor">
+            <a:schemeClr val="lt1"/>
+          </a:fontRef>
+        </p:style>
+        <p:txBody>
+          <a:bodyPr rtlCol="0" anchor="ctr"/>
+          <a:lstStyle/>
+          <a:p>
+            <a:pPr algn="ctr"/>
+            <a:r>
+              <a:rPr kumimoji="1" lang="en-US" altLang="ja-JP" sz="1400" dirty="0" smtClean="0">
+                <a:solidFill>
+                  <a:schemeClr val="tx1"/>
+                </a:solidFill>
+              </a:rPr>
+              <a:t>Command </a:t>
+            </a:r>
+            <a:r>
+              <a:rPr lang="en-US" altLang="ja-JP" sz="1400" dirty="0" smtClean="0">
+                <a:solidFill>
+                  <a:schemeClr val="tx1"/>
+                </a:solidFill>
+              </a:rPr>
+              <a:t>Server</a:t>
+            </a:r>
+            <a:endParaRPr kumimoji="1" lang="ja-JP" altLang="en-US" sz="1400" dirty="0">
+              <a:solidFill>
+                <a:schemeClr val="tx1"/>
+              </a:solidFill>
+            </a:endParaRPr>
+          </a:p>
+        </p:txBody>
+      </p:sp>
+      <p:sp>
+        <p:nvSpPr>
+          <p:cNvPr id="96" name="正方形/長方形 95"/>
+          <p:cNvSpPr/>
+          <p:nvPr/>
+        </p:nvSpPr>
+        <p:spPr>
+          <a:xfrm>
+            <a:off x="683568" y="5865666"/>
+            <a:ext cx="5976664" cy="384094"/>
+          </a:xfrm>
+          <a:prstGeom prst="rect">
+            <a:avLst/>
+          </a:prstGeom>
+          <a:solidFill>
+            <a:schemeClr val="accent2">
+              <a:lumMod val="40000"/>
+              <a:lumOff val="60000"/>
+            </a:schemeClr>
+          </a:solidFill>
+          <a:ln>
+            <a:solidFill>
+              <a:srgbClr val="FF0000"/>
+            </a:solidFill>
+          </a:ln>
+          <a:effectLst>
+            <a:outerShdw blurRad="50800" dist="38100" dir="2700000" algn="tl" rotWithShape="0">
+              <a:prstClr val="black">
+                <a:alpha val="40000"/>
+              </a:prstClr>
+            </a:outerShdw>
+          </a:effectLst>
+        </p:spPr>
+        <p:style>
+          <a:lnRef idx="2">
+            <a:schemeClr val="accent1">
+              <a:shade val="50000"/>
+            </a:schemeClr>
+          </a:lnRef>
+          <a:fillRef idx="1">
+            <a:schemeClr val="accent1"/>
+          </a:fillRef>
+          <a:effectRef idx="0">
+            <a:schemeClr val="accent1"/>
+          </a:effectRef>
+          <a:fontRef idx="minor">
+            <a:schemeClr val="lt1"/>
+          </a:fontRef>
+        </p:style>
+        <p:txBody>
+          <a:bodyPr rtlCol="0" anchor="ctr"/>
+          <a:lstStyle/>
+          <a:p>
+            <a:pPr algn="ctr"/>
+            <a:r>
+              <a:rPr kumimoji="1" lang="en-US" altLang="ja-JP" sz="1400" dirty="0" err="1" smtClean="0">
+                <a:solidFill>
+                  <a:schemeClr val="tx1"/>
+                </a:solidFill>
+              </a:rPr>
+              <a:t>threadmgr</a:t>
+            </a:r>
+            <a:r>
+              <a:rPr kumimoji="1" lang="en-US" altLang="ja-JP" sz="1400" dirty="0" smtClean="0">
+                <a:solidFill>
+                  <a:schemeClr val="tx1"/>
+                </a:solidFill>
+              </a:rPr>
+              <a:t> (thread </a:t>
+            </a:r>
+            <a:r>
+              <a:rPr lang="en-US" altLang="ja-JP" sz="1400" dirty="0" smtClean="0">
+                <a:solidFill>
+                  <a:schemeClr val="tx1"/>
+                </a:solidFill>
+              </a:rPr>
+              <a:t>manager </a:t>
+            </a:r>
+            <a:r>
+              <a:rPr kumimoji="1" lang="en-US" altLang="ja-JP" sz="1400" dirty="0" smtClean="0">
+                <a:solidFill>
+                  <a:schemeClr val="tx1"/>
+                </a:solidFill>
+              </a:rPr>
+              <a:t>framework)</a:t>
+            </a:r>
+            <a:endParaRPr kumimoji="1" lang="ja-JP" altLang="en-US" sz="1400" dirty="0">
+              <a:solidFill>
+                <a:schemeClr val="tx1"/>
+              </a:solidFill>
+            </a:endParaRPr>
+          </a:p>
+        </p:txBody>
+      </p:sp>
+      <p:sp>
+        <p:nvSpPr>
+          <p:cNvPr id="102" name="正方形/長方形 101"/>
+          <p:cNvSpPr/>
+          <p:nvPr/>
+        </p:nvSpPr>
+        <p:spPr>
+          <a:xfrm>
+            <a:off x="1733138" y="4466456"/>
+            <a:ext cx="4009190" cy="278809"/>
+          </a:xfrm>
+          <a:prstGeom prst="rect">
+            <a:avLst/>
+          </a:prstGeom>
+          <a:solidFill>
+            <a:schemeClr val="bg1"/>
+          </a:solidFill>
+          <a:effectLst>
+            <a:outerShdw blurRad="50800" dist="38100" dir="2700000" algn="tl" rotWithShape="0">
+              <a:prstClr val="black">
+                <a:alpha val="40000"/>
+              </a:prstClr>
+            </a:outerShdw>
+          </a:effectLst>
+        </p:spPr>
+        <p:style>
+          <a:lnRef idx="2">
+            <a:schemeClr val="accent1">
+              <a:shade val="50000"/>
+            </a:schemeClr>
+          </a:lnRef>
+          <a:fillRef idx="1">
+            <a:schemeClr val="accent1"/>
+          </a:fillRef>
+          <a:effectRef idx="0">
+            <a:schemeClr val="accent1"/>
+          </a:effectRef>
+          <a:fontRef idx="minor">
+            <a:schemeClr val="lt1"/>
+          </a:fontRef>
+        </p:style>
+        <p:txBody>
+          <a:bodyPr rtlCol="0" anchor="ctr"/>
+          <a:lstStyle/>
+          <a:p>
+            <a:pPr algn="ctr"/>
+            <a:r>
+              <a:rPr kumimoji="1" lang="en-US" altLang="ja-JP" dirty="0" smtClean="0">
+                <a:solidFill>
+                  <a:schemeClr val="tx1"/>
+                </a:solidFill>
+              </a:rPr>
+              <a:t>it9175 </a:t>
+            </a:r>
+            <a:r>
+              <a:rPr kumimoji="1" lang="en-US" altLang="ja-JP" dirty="0" err="1" smtClean="0">
+                <a:solidFill>
+                  <a:schemeClr val="tx1"/>
+                </a:solidFill>
+              </a:rPr>
+              <a:t>ts</a:t>
+            </a:r>
+            <a:r>
+              <a:rPr kumimoji="1" lang="en-US" altLang="ja-JP" dirty="0" smtClean="0">
+                <a:solidFill>
+                  <a:schemeClr val="tx1"/>
+                </a:solidFill>
+              </a:rPr>
+              <a:t> callbacks</a:t>
+            </a:r>
+            <a:endParaRPr kumimoji="1" lang="ja-JP" altLang="en-US" dirty="0">
+              <a:solidFill>
+                <a:schemeClr val="tx1"/>
+              </a:solidFill>
+            </a:endParaRPr>
+          </a:p>
+        </p:txBody>
+      </p:sp>
+      <p:sp>
+        <p:nvSpPr>
+          <p:cNvPr id="103" name="正方形/長方形 102"/>
+          <p:cNvSpPr/>
+          <p:nvPr/>
+        </p:nvSpPr>
+        <p:spPr>
+          <a:xfrm>
+            <a:off x="3129176" y="2287533"/>
+            <a:ext cx="2720719" cy="294559"/>
+          </a:xfrm>
+          <a:prstGeom prst="rect">
+            <a:avLst/>
+          </a:prstGeom>
+          <a:solidFill>
+            <a:schemeClr val="accent6">
+              <a:lumMod val="60000"/>
+              <a:lumOff val="40000"/>
+            </a:schemeClr>
+          </a:solidFill>
+          <a:ln>
+            <a:solidFill>
+              <a:srgbClr val="FF0000"/>
+            </a:solidFill>
+          </a:ln>
+          <a:effectLst>
+            <a:outerShdw blurRad="50800" dist="38100" dir="2700000" algn="tl" rotWithShape="0">
+              <a:prstClr val="black">
+                <a:alpha val="40000"/>
+              </a:prstClr>
+            </a:outerShdw>
+          </a:effectLst>
+        </p:spPr>
+        <p:style>
+          <a:lnRef idx="2">
+            <a:schemeClr val="accent1">
+              <a:shade val="50000"/>
+            </a:schemeClr>
+          </a:lnRef>
+          <a:fillRef idx="1">
+            <a:schemeClr val="accent1"/>
+          </a:fillRef>
+          <a:effectRef idx="0">
+            <a:schemeClr val="accent1"/>
+          </a:effectRef>
+          <a:fontRef idx="minor">
+            <a:schemeClr val="lt1"/>
+          </a:fontRef>
+        </p:style>
+        <p:txBody>
+          <a:bodyPr rtlCol="0" anchor="ctr"/>
+          <a:lstStyle/>
+          <a:p>
+            <a:pPr algn="ctr"/>
+            <a:r>
+              <a:rPr kumimoji="1" lang="en-US" altLang="ja-JP" sz="1400" dirty="0" smtClean="0">
+                <a:solidFill>
+                  <a:schemeClr val="tx1"/>
+                </a:solidFill>
+              </a:rPr>
+              <a:t>Rec Manager</a:t>
+            </a:r>
+            <a:endParaRPr kumimoji="1" lang="ja-JP" altLang="en-US" sz="1400" dirty="0">
+              <a:solidFill>
+                <a:schemeClr val="tx1"/>
+              </a:solidFill>
+            </a:endParaRPr>
+          </a:p>
+        </p:txBody>
+      </p:sp>
+      <p:sp>
+        <p:nvSpPr>
+          <p:cNvPr id="108" name="正方形/長方形 107"/>
+          <p:cNvSpPr/>
+          <p:nvPr/>
+        </p:nvSpPr>
+        <p:spPr>
+          <a:xfrm>
+            <a:off x="1185069" y="5229200"/>
+            <a:ext cx="4683075" cy="407993"/>
+          </a:xfrm>
+          <a:prstGeom prst="rect">
+            <a:avLst/>
+          </a:prstGeom>
+          <a:solidFill>
+            <a:schemeClr val="accent6">
+              <a:lumMod val="60000"/>
+              <a:lumOff val="40000"/>
+            </a:schemeClr>
+          </a:solidFill>
+          <a:ln>
+            <a:solidFill>
+              <a:srgbClr val="FF0000"/>
+            </a:solidFill>
+          </a:ln>
+          <a:effectLst>
+            <a:outerShdw blurRad="50800" dist="38100" dir="2700000" algn="tl" rotWithShape="0">
+              <a:prstClr val="black">
+                <a:alpha val="40000"/>
+              </a:prstClr>
+            </a:outerShdw>
+          </a:effectLst>
+        </p:spPr>
+        <p:style>
+          <a:lnRef idx="2">
+            <a:schemeClr val="accent1">
+              <a:shade val="50000"/>
+            </a:schemeClr>
+          </a:lnRef>
+          <a:fillRef idx="1">
+            <a:schemeClr val="accent1"/>
+          </a:fillRef>
+          <a:effectRef idx="0">
+            <a:schemeClr val="accent1"/>
+          </a:effectRef>
+          <a:fontRef idx="minor">
+            <a:schemeClr val="lt1"/>
+          </a:fontRef>
+        </p:style>
+        <p:txBody>
+          <a:bodyPr rtlCol="0" anchor="ctr"/>
+          <a:lstStyle/>
+          <a:p>
+            <a:pPr algn="ctr"/>
+            <a:r>
+              <a:rPr kumimoji="1" lang="en-US" altLang="ja-JP" sz="1400" dirty="0" smtClean="0">
+                <a:solidFill>
+                  <a:schemeClr val="tx1"/>
+                </a:solidFill>
+              </a:rPr>
+              <a:t>Tuner Control</a:t>
+            </a:r>
+            <a:endParaRPr kumimoji="1" lang="ja-JP" altLang="en-US" sz="1400" dirty="0">
+              <a:solidFill>
+                <a:schemeClr val="tx1"/>
+              </a:solidFill>
+            </a:endParaRPr>
+          </a:p>
+        </p:txBody>
+      </p:sp>
+      <p:cxnSp>
+        <p:nvCxnSpPr>
+          <p:cNvPr id="133" name="直線矢印コネクタ 132"/>
+          <p:cNvCxnSpPr/>
+          <p:nvPr/>
+        </p:nvCxnSpPr>
+        <p:spPr>
+          <a:xfrm flipV="1">
+            <a:off x="3129176" y="3943957"/>
+            <a:ext cx="0" cy="534530"/>
+          </a:xfrm>
+          <a:prstGeom prst="straightConnector1">
+            <a:avLst/>
+          </a:prstGeom>
+          <a:ln w="57150">
+            <a:tailEnd type="triangle"/>
+          </a:ln>
+        </p:spPr>
+        <p:style>
+          <a:lnRef idx="1">
+            <a:schemeClr val="accent1"/>
+          </a:lnRef>
+          <a:fillRef idx="0">
+            <a:schemeClr val="accent1"/>
+          </a:fillRef>
+          <a:effectRef idx="0">
+            <a:schemeClr val="accent1"/>
+          </a:effectRef>
+          <a:fontRef idx="minor">
+            <a:schemeClr val="tx1"/>
+          </a:fontRef>
+        </p:style>
+      </p:cxnSp>
+      <p:cxnSp>
+        <p:nvCxnSpPr>
+          <p:cNvPr id="135" name="直線矢印コネクタ 134"/>
+          <p:cNvCxnSpPr/>
+          <p:nvPr/>
+        </p:nvCxnSpPr>
+        <p:spPr>
+          <a:xfrm flipV="1">
+            <a:off x="5292080" y="2582092"/>
+            <a:ext cx="0" cy="1884364"/>
+          </a:xfrm>
+          <a:prstGeom prst="straightConnector1">
+            <a:avLst/>
+          </a:prstGeom>
+          <a:ln w="57150">
+            <a:tailEnd type="triangle"/>
+          </a:ln>
+        </p:spPr>
+        <p:style>
+          <a:lnRef idx="1">
+            <a:schemeClr val="accent1"/>
+          </a:lnRef>
+          <a:fillRef idx="0">
+            <a:schemeClr val="accent1"/>
+          </a:fillRef>
+          <a:effectRef idx="0">
+            <a:schemeClr val="accent1"/>
+          </a:effectRef>
+          <a:fontRef idx="minor">
+            <a:schemeClr val="tx1"/>
+          </a:fontRef>
+        </p:style>
+      </p:cxnSp>
+      <p:sp>
+        <p:nvSpPr>
+          <p:cNvPr id="137" name="正方形/長方形 136"/>
+          <p:cNvSpPr/>
+          <p:nvPr/>
+        </p:nvSpPr>
+        <p:spPr>
+          <a:xfrm>
+            <a:off x="5198659" y="3495221"/>
+            <a:ext cx="413799" cy="211415"/>
+          </a:xfrm>
+          <a:prstGeom prst="rect">
+            <a:avLst/>
+          </a:prstGeom>
+          <a:noFill/>
+          <a:ln w="12700">
+            <a:noFill/>
+          </a:ln>
+        </p:spPr>
+        <p:style>
+          <a:lnRef idx="2">
+            <a:schemeClr val="accent1">
+              <a:shade val="50000"/>
+            </a:schemeClr>
+          </a:lnRef>
+          <a:fillRef idx="1">
+            <a:schemeClr val="accent1"/>
+          </a:fillRef>
+          <a:effectRef idx="0">
+            <a:schemeClr val="accent1"/>
+          </a:effectRef>
+          <a:fontRef idx="minor">
+            <a:schemeClr val="lt1"/>
+          </a:fontRef>
+        </p:style>
+        <p:txBody>
+          <a:bodyPr rtlCol="0" anchor="ctr"/>
+          <a:lstStyle/>
+          <a:p>
+            <a:pPr algn="ctr"/>
+            <a:r>
+              <a:rPr lang="en-US" altLang="ja-JP" dirty="0" smtClean="0">
+                <a:solidFill>
+                  <a:schemeClr val="tx1"/>
+                </a:solidFill>
+              </a:rPr>
+              <a:t>TS</a:t>
+            </a:r>
+            <a:endParaRPr kumimoji="1" lang="en-US" altLang="ja-JP" dirty="0" smtClean="0">
+              <a:solidFill>
+                <a:schemeClr val="tx1"/>
+              </a:solidFill>
+            </a:endParaRPr>
+          </a:p>
+        </p:txBody>
+      </p:sp>
+      <p:sp>
+        <p:nvSpPr>
+          <p:cNvPr id="138" name="正方形/長方形 137"/>
+          <p:cNvSpPr/>
+          <p:nvPr/>
+        </p:nvSpPr>
+        <p:spPr>
+          <a:xfrm>
+            <a:off x="3059832" y="4145896"/>
+            <a:ext cx="413799" cy="211415"/>
+          </a:xfrm>
+          <a:prstGeom prst="rect">
+            <a:avLst/>
+          </a:prstGeom>
+          <a:noFill/>
+          <a:ln w="12700">
+            <a:noFill/>
+          </a:ln>
+        </p:spPr>
+        <p:style>
+          <a:lnRef idx="2">
+            <a:schemeClr val="accent1">
+              <a:shade val="50000"/>
+            </a:schemeClr>
+          </a:lnRef>
+          <a:fillRef idx="1">
+            <a:schemeClr val="accent1"/>
+          </a:fillRef>
+          <a:effectRef idx="0">
+            <a:schemeClr val="accent1"/>
+          </a:effectRef>
+          <a:fontRef idx="minor">
+            <a:schemeClr val="lt1"/>
+          </a:fontRef>
+        </p:style>
+        <p:txBody>
+          <a:bodyPr rtlCol="0" anchor="ctr"/>
+          <a:lstStyle/>
+          <a:p>
+            <a:pPr algn="ctr"/>
+            <a:r>
+              <a:rPr lang="en-US" altLang="ja-JP" dirty="0" smtClean="0">
+                <a:solidFill>
+                  <a:schemeClr val="tx1"/>
+                </a:solidFill>
+              </a:rPr>
+              <a:t>TS</a:t>
+            </a:r>
+            <a:endParaRPr kumimoji="1" lang="en-US" altLang="ja-JP" dirty="0" smtClean="0">
+              <a:solidFill>
+                <a:schemeClr val="tx1"/>
+              </a:solidFill>
+            </a:endParaRPr>
+          </a:p>
+        </p:txBody>
+      </p:sp>
+      <p:sp>
+        <p:nvSpPr>
+          <p:cNvPr id="141" name="正方形/長方形 140"/>
+          <p:cNvSpPr/>
+          <p:nvPr/>
+        </p:nvSpPr>
+        <p:spPr>
+          <a:xfrm>
+            <a:off x="3960090" y="2759827"/>
+            <a:ext cx="1157712" cy="253127"/>
+          </a:xfrm>
+          <a:prstGeom prst="rect">
+            <a:avLst/>
+          </a:prstGeom>
+          <a:solidFill>
+            <a:srgbClr val="92D050"/>
+          </a:solidFill>
+          <a:ln w="19050">
+            <a:noFill/>
+          </a:ln>
+        </p:spPr>
+        <p:style>
+          <a:lnRef idx="2">
+            <a:schemeClr val="accent1">
+              <a:shade val="50000"/>
+            </a:schemeClr>
+          </a:lnRef>
+          <a:fillRef idx="1">
+            <a:schemeClr val="accent1"/>
+          </a:fillRef>
+          <a:effectRef idx="0">
+            <a:schemeClr val="accent1"/>
+          </a:effectRef>
+          <a:fontRef idx="minor">
+            <a:schemeClr val="lt1"/>
+          </a:fontRef>
+        </p:style>
+        <p:txBody>
+          <a:bodyPr rtlCol="0" anchor="ctr"/>
+          <a:lstStyle/>
+          <a:p>
+            <a:pPr algn="ctr"/>
+            <a:r>
+              <a:rPr lang="en-US" altLang="ja-JP" sz="1400" dirty="0" smtClean="0">
+                <a:solidFill>
+                  <a:schemeClr val="tx1"/>
+                </a:solidFill>
+              </a:rPr>
+              <a:t>channel scan</a:t>
+            </a:r>
+            <a:endParaRPr kumimoji="1" lang="ja-JP" altLang="en-US" sz="1400" dirty="0">
+              <a:solidFill>
+                <a:schemeClr val="tx1"/>
+              </a:solidFill>
+            </a:endParaRPr>
+          </a:p>
+        </p:txBody>
+      </p:sp>
+      <p:sp>
+        <p:nvSpPr>
+          <p:cNvPr id="147" name="正方形/長方形 146"/>
+          <p:cNvSpPr/>
+          <p:nvPr/>
+        </p:nvSpPr>
+        <p:spPr>
+          <a:xfrm>
+            <a:off x="5082220" y="2109798"/>
+            <a:ext cx="1225780" cy="235554"/>
+          </a:xfrm>
+          <a:prstGeom prst="rect">
+            <a:avLst/>
+          </a:prstGeom>
+          <a:solidFill>
+            <a:srgbClr val="92D050"/>
+          </a:solidFill>
+          <a:ln w="19050">
+            <a:noFill/>
+          </a:ln>
+        </p:spPr>
+        <p:style>
+          <a:lnRef idx="2">
+            <a:schemeClr val="accent1">
+              <a:shade val="50000"/>
+            </a:schemeClr>
+          </a:lnRef>
+          <a:fillRef idx="1">
+            <a:schemeClr val="accent1"/>
+          </a:fillRef>
+          <a:effectRef idx="0">
+            <a:schemeClr val="accent1"/>
+          </a:effectRef>
+          <a:fontRef idx="minor">
+            <a:schemeClr val="lt1"/>
+          </a:fontRef>
+        </p:style>
+        <p:txBody>
+          <a:bodyPr rtlCol="0" anchor="ctr"/>
+          <a:lstStyle/>
+          <a:p>
+            <a:pPr algn="ctr"/>
+            <a:r>
+              <a:rPr lang="en-US" altLang="ja-JP" sz="1400" dirty="0" smtClean="0">
+                <a:solidFill>
+                  <a:schemeClr val="tx1"/>
+                </a:solidFill>
+              </a:rPr>
+              <a:t>Recording</a:t>
+            </a:r>
+            <a:endParaRPr kumimoji="1" lang="ja-JP" altLang="en-US" sz="1400" dirty="0">
+              <a:solidFill>
+                <a:schemeClr val="tx1"/>
+              </a:solidFill>
+            </a:endParaRPr>
+          </a:p>
+        </p:txBody>
+      </p:sp>
+      <p:sp>
+        <p:nvSpPr>
+          <p:cNvPr id="109" name="正方形/長方形 108"/>
+          <p:cNvSpPr/>
+          <p:nvPr/>
+        </p:nvSpPr>
+        <p:spPr>
+          <a:xfrm>
+            <a:off x="1845065" y="4930656"/>
+            <a:ext cx="3668382" cy="370552"/>
+          </a:xfrm>
+          <a:prstGeom prst="rect">
+            <a:avLst/>
+          </a:prstGeom>
+          <a:solidFill>
+            <a:schemeClr val="accent6">
+              <a:lumMod val="60000"/>
+              <a:lumOff val="40000"/>
+            </a:schemeClr>
+          </a:solidFill>
+          <a:ln>
+            <a:solidFill>
+              <a:srgbClr val="FF0000"/>
+            </a:solidFill>
+          </a:ln>
+          <a:effectLst>
+            <a:outerShdw blurRad="50800" dist="38100" dir="2700000" algn="tl" rotWithShape="0">
+              <a:prstClr val="black">
+                <a:alpha val="40000"/>
+              </a:prstClr>
+            </a:outerShdw>
+          </a:effectLst>
+        </p:spPr>
+        <p:style>
+          <a:lnRef idx="2">
+            <a:schemeClr val="accent1">
+              <a:shade val="50000"/>
+            </a:schemeClr>
+          </a:lnRef>
+          <a:fillRef idx="1">
+            <a:schemeClr val="accent1"/>
+          </a:fillRef>
+          <a:effectRef idx="0">
+            <a:schemeClr val="accent1"/>
+          </a:effectRef>
+          <a:fontRef idx="minor">
+            <a:schemeClr val="lt1"/>
+          </a:fontRef>
+        </p:style>
+        <p:txBody>
+          <a:bodyPr rtlCol="0" anchor="ctr"/>
+          <a:lstStyle/>
+          <a:p>
+            <a:pPr algn="ctr"/>
+            <a:r>
+              <a:rPr kumimoji="1" lang="en-US" altLang="ja-JP" sz="1400" dirty="0" smtClean="0">
+                <a:solidFill>
+                  <a:schemeClr val="tx1"/>
+                </a:solidFill>
+              </a:rPr>
+              <a:t>Tune Thread</a:t>
+            </a:r>
+            <a:endParaRPr kumimoji="1" lang="ja-JP" altLang="en-US" sz="1400" dirty="0">
+              <a:solidFill>
+                <a:schemeClr val="tx1"/>
+              </a:solidFill>
+            </a:endParaRPr>
+          </a:p>
+        </p:txBody>
+      </p:sp>
+      <p:sp>
+        <p:nvSpPr>
+          <p:cNvPr id="101" name="正方形/長方形 100"/>
+          <p:cNvSpPr/>
+          <p:nvPr/>
+        </p:nvSpPr>
+        <p:spPr>
+          <a:xfrm>
+            <a:off x="5056545" y="4565701"/>
+            <a:ext cx="1142060" cy="450889"/>
+          </a:xfrm>
+          <a:prstGeom prst="rect">
+            <a:avLst/>
+          </a:prstGeom>
+          <a:solidFill>
+            <a:schemeClr val="bg1"/>
+          </a:solidFill>
+          <a:ln w="19050"/>
+        </p:spPr>
+        <p:style>
+          <a:lnRef idx="2">
+            <a:schemeClr val="accent1">
+              <a:shade val="50000"/>
+            </a:schemeClr>
+          </a:lnRef>
+          <a:fillRef idx="1">
+            <a:schemeClr val="accent1"/>
+          </a:fillRef>
+          <a:effectRef idx="0">
+            <a:schemeClr val="accent1"/>
+          </a:effectRef>
+          <a:fontRef idx="minor">
+            <a:schemeClr val="lt1"/>
+          </a:fontRef>
+        </p:style>
+        <p:txBody>
+          <a:bodyPr rtlCol="0" anchor="ctr"/>
+          <a:lstStyle/>
+          <a:p>
+            <a:pPr algn="ctr"/>
+            <a:r>
+              <a:rPr lang="en-US" altLang="ja-JP" sz="1400" dirty="0" smtClean="0">
+                <a:solidFill>
+                  <a:schemeClr val="tx1"/>
+                </a:solidFill>
+              </a:rPr>
+              <a:t>it9175</a:t>
+            </a:r>
+          </a:p>
+          <a:p>
+            <a:pPr algn="ctr"/>
+            <a:r>
+              <a:rPr kumimoji="1" lang="en-US" altLang="ja-JP" sz="1400" dirty="0" smtClean="0">
+                <a:solidFill>
+                  <a:schemeClr val="tx1"/>
+                </a:solidFill>
+              </a:rPr>
+              <a:t>(recfsusb2i)</a:t>
+            </a:r>
+            <a:endParaRPr kumimoji="1" lang="ja-JP" altLang="en-US" sz="1400" dirty="0">
+              <a:solidFill>
+                <a:schemeClr val="tx1"/>
+              </a:solidFill>
+            </a:endParaRPr>
+          </a:p>
+        </p:txBody>
+      </p:sp>
+      <p:sp>
+        <p:nvSpPr>
+          <p:cNvPr id="153" name="正方形/長方形 152"/>
+          <p:cNvSpPr/>
+          <p:nvPr/>
+        </p:nvSpPr>
+        <p:spPr>
+          <a:xfrm>
+            <a:off x="5457402" y="2452126"/>
+            <a:ext cx="1047901" cy="229211"/>
+          </a:xfrm>
+          <a:prstGeom prst="rect">
+            <a:avLst/>
+          </a:prstGeom>
+          <a:solidFill>
+            <a:schemeClr val="accent1"/>
+          </a:solidFill>
+          <a:ln w="19050">
+            <a:noFill/>
+          </a:ln>
+        </p:spPr>
+        <p:style>
+          <a:lnRef idx="2">
+            <a:schemeClr val="accent1">
+              <a:shade val="50000"/>
+            </a:schemeClr>
+          </a:lnRef>
+          <a:fillRef idx="1">
+            <a:schemeClr val="accent1"/>
+          </a:fillRef>
+          <a:effectRef idx="0">
+            <a:schemeClr val="accent1"/>
+          </a:effectRef>
+          <a:fontRef idx="minor">
+            <a:schemeClr val="lt1"/>
+          </a:fontRef>
+        </p:style>
+        <p:txBody>
+          <a:bodyPr rtlCol="0" anchor="ctr"/>
+          <a:lstStyle/>
+          <a:p>
+            <a:pPr algn="ctr"/>
+            <a:r>
+              <a:rPr lang="en-US" altLang="ja-JP" sz="1400" b="1" dirty="0" smtClean="0">
+                <a:solidFill>
+                  <a:schemeClr val="bg1"/>
+                </a:solidFill>
+              </a:rPr>
+              <a:t>libarib25</a:t>
+            </a:r>
+          </a:p>
+        </p:txBody>
+      </p:sp>
+      <p:cxnSp>
+        <p:nvCxnSpPr>
+          <p:cNvPr id="158" name="直線矢印コネクタ 157"/>
+          <p:cNvCxnSpPr/>
+          <p:nvPr/>
+        </p:nvCxnSpPr>
+        <p:spPr>
+          <a:xfrm>
+            <a:off x="3635896" y="1401911"/>
+            <a:ext cx="0" cy="367549"/>
+          </a:xfrm>
+          <a:prstGeom prst="straightConnector1">
+            <a:avLst/>
+          </a:prstGeom>
+          <a:ln>
+            <a:solidFill>
+              <a:schemeClr val="tx1"/>
+            </a:solidFill>
+            <a:headEnd type="triangle" w="med" len="med"/>
+            <a:tailEnd type="triangle" w="med" len="med"/>
+          </a:ln>
+        </p:spPr>
+        <p:style>
+          <a:lnRef idx="1">
+            <a:schemeClr val="accent1"/>
+          </a:lnRef>
+          <a:fillRef idx="0">
+            <a:schemeClr val="accent1"/>
+          </a:fillRef>
+          <a:effectRef idx="0">
+            <a:schemeClr val="accent1"/>
+          </a:effectRef>
+          <a:fontRef idx="minor">
+            <a:schemeClr val="tx1"/>
+          </a:fontRef>
+        </p:style>
+      </p:cxnSp>
+      <p:cxnSp>
+        <p:nvCxnSpPr>
+          <p:cNvPr id="160" name="直線矢印コネクタ 159"/>
+          <p:cNvCxnSpPr/>
+          <p:nvPr/>
+        </p:nvCxnSpPr>
+        <p:spPr>
+          <a:xfrm>
+            <a:off x="4716016" y="1401911"/>
+            <a:ext cx="0" cy="885622"/>
+          </a:xfrm>
+          <a:prstGeom prst="straightConnector1">
+            <a:avLst/>
+          </a:prstGeom>
+          <a:ln>
+            <a:solidFill>
+              <a:schemeClr val="tx1"/>
+            </a:solidFill>
+            <a:headEnd type="triangle" w="med" len="med"/>
+            <a:tailEnd type="triangle" w="med" len="med"/>
+          </a:ln>
+        </p:spPr>
+        <p:style>
+          <a:lnRef idx="1">
+            <a:schemeClr val="accent1"/>
+          </a:lnRef>
+          <a:fillRef idx="0">
+            <a:schemeClr val="accent1"/>
+          </a:fillRef>
+          <a:effectRef idx="0">
+            <a:schemeClr val="accent1"/>
+          </a:effectRef>
+          <a:fontRef idx="minor">
+            <a:schemeClr val="tx1"/>
+          </a:fontRef>
+        </p:style>
+      </p:cxnSp>
+      <p:cxnSp>
+        <p:nvCxnSpPr>
+          <p:cNvPr id="161" name="直線矢印コネクタ 160"/>
+          <p:cNvCxnSpPr/>
+          <p:nvPr/>
+        </p:nvCxnSpPr>
+        <p:spPr>
+          <a:xfrm>
+            <a:off x="1845065" y="3217559"/>
+            <a:ext cx="0" cy="364085"/>
+          </a:xfrm>
+          <a:prstGeom prst="straightConnector1">
+            <a:avLst/>
+          </a:prstGeom>
+          <a:ln>
+            <a:solidFill>
+              <a:schemeClr val="tx1"/>
+            </a:solidFill>
+            <a:headEnd type="triangle" w="med" len="med"/>
+            <a:tailEnd type="triangle" w="med" len="med"/>
+          </a:ln>
+        </p:spPr>
+        <p:style>
+          <a:lnRef idx="1">
+            <a:schemeClr val="accent1"/>
+          </a:lnRef>
+          <a:fillRef idx="0">
+            <a:schemeClr val="accent1"/>
+          </a:fillRef>
+          <a:effectRef idx="0">
+            <a:schemeClr val="accent1"/>
+          </a:effectRef>
+          <a:fontRef idx="minor">
+            <a:schemeClr val="tx1"/>
+          </a:fontRef>
+        </p:style>
+      </p:cxnSp>
+      <p:cxnSp>
+        <p:nvCxnSpPr>
+          <p:cNvPr id="163" name="直線矢印コネクタ 162"/>
+          <p:cNvCxnSpPr/>
+          <p:nvPr/>
+        </p:nvCxnSpPr>
+        <p:spPr>
+          <a:xfrm>
+            <a:off x="1547664" y="3217559"/>
+            <a:ext cx="0" cy="2011641"/>
+          </a:xfrm>
+          <a:prstGeom prst="straightConnector1">
+            <a:avLst/>
+          </a:prstGeom>
+          <a:ln>
+            <a:solidFill>
+              <a:schemeClr val="tx1"/>
+            </a:solidFill>
+            <a:headEnd type="triangle" w="med" len="med"/>
+            <a:tailEnd type="triangle" w="med" len="med"/>
+          </a:ln>
+        </p:spPr>
+        <p:style>
+          <a:lnRef idx="1">
+            <a:schemeClr val="accent1"/>
+          </a:lnRef>
+          <a:fillRef idx="0">
+            <a:schemeClr val="accent1"/>
+          </a:fillRef>
+          <a:effectRef idx="0">
+            <a:schemeClr val="accent1"/>
+          </a:effectRef>
+          <a:fontRef idx="minor">
+            <a:schemeClr val="tx1"/>
+          </a:fontRef>
+        </p:style>
+      </p:cxnSp>
+      <p:sp>
+        <p:nvSpPr>
+          <p:cNvPr id="170" name="正方形/長方形 169"/>
+          <p:cNvSpPr/>
+          <p:nvPr/>
+        </p:nvSpPr>
+        <p:spPr>
+          <a:xfrm>
+            <a:off x="473914" y="537289"/>
+            <a:ext cx="1254310" cy="335509"/>
+          </a:xfrm>
+          <a:prstGeom prst="rect">
+            <a:avLst/>
+          </a:prstGeom>
+          <a:noFill/>
+          <a:ln w="12700">
+            <a:noFill/>
+          </a:ln>
+        </p:spPr>
+        <p:style>
+          <a:lnRef idx="2">
+            <a:schemeClr val="accent1">
+              <a:shade val="50000"/>
+            </a:schemeClr>
+          </a:lnRef>
+          <a:fillRef idx="1">
+            <a:schemeClr val="accent1"/>
+          </a:fillRef>
+          <a:effectRef idx="0">
+            <a:schemeClr val="accent1"/>
+          </a:effectRef>
+          <a:fontRef idx="minor">
+            <a:schemeClr val="lt1"/>
+          </a:fontRef>
+        </p:style>
+        <p:txBody>
+          <a:bodyPr rtlCol="0" anchor="ctr"/>
+          <a:lstStyle/>
+          <a:p>
+            <a:r>
+              <a:rPr lang="en-US" altLang="ja-JP" sz="1400" dirty="0" err="1" smtClean="0">
+                <a:solidFill>
+                  <a:schemeClr val="tx1"/>
+                </a:solidFill>
+              </a:rPr>
+              <a:t>auto_rec_mini</a:t>
+            </a:r>
+            <a:endParaRPr lang="en-US" altLang="ja-JP" sz="1400" dirty="0">
+              <a:solidFill>
+                <a:schemeClr val="tx1"/>
+              </a:solidFill>
+            </a:endParaRPr>
+          </a:p>
+          <a:p>
+            <a:r>
+              <a:rPr lang="en-US" altLang="ja-JP" sz="1400" dirty="0" smtClean="0">
+                <a:solidFill>
+                  <a:schemeClr val="tx1"/>
+                </a:solidFill>
+              </a:rPr>
+              <a:t>1process</a:t>
+            </a:r>
+            <a:endParaRPr kumimoji="1" lang="en-US" altLang="ja-JP" sz="1400" dirty="0" smtClean="0">
+              <a:solidFill>
+                <a:schemeClr val="tx1"/>
+              </a:solidFill>
+            </a:endParaRPr>
+          </a:p>
+        </p:txBody>
+      </p:sp>
+      <p:sp>
+        <p:nvSpPr>
+          <p:cNvPr id="171" name="正方形/長方形 170"/>
+          <p:cNvSpPr/>
+          <p:nvPr/>
+        </p:nvSpPr>
+        <p:spPr>
+          <a:xfrm>
+            <a:off x="2664390" y="306148"/>
+            <a:ext cx="2922130" cy="264544"/>
+          </a:xfrm>
+          <a:prstGeom prst="rect">
+            <a:avLst/>
+          </a:prstGeom>
+          <a:solidFill>
+            <a:srgbClr val="FFFF00"/>
+          </a:solidFill>
+          <a:ln w="12700">
+            <a:noFill/>
+          </a:ln>
+        </p:spPr>
+        <p:style>
+          <a:lnRef idx="2">
+            <a:schemeClr val="accent1">
+              <a:shade val="50000"/>
+            </a:schemeClr>
+          </a:lnRef>
+          <a:fillRef idx="1">
+            <a:schemeClr val="accent1"/>
+          </a:fillRef>
+          <a:effectRef idx="0">
+            <a:schemeClr val="accent1"/>
+          </a:effectRef>
+          <a:fontRef idx="minor">
+            <a:schemeClr val="lt1"/>
+          </a:fontRef>
+        </p:style>
+        <p:txBody>
+          <a:bodyPr rtlCol="0" anchor="ctr"/>
+          <a:lstStyle/>
+          <a:p>
+            <a:pPr algn="ctr"/>
+            <a:r>
+              <a:rPr lang="en-US" altLang="ja-JP" sz="2000" dirty="0" smtClean="0">
+                <a:solidFill>
+                  <a:schemeClr val="tx1"/>
+                </a:solidFill>
+              </a:rPr>
+              <a:t>user</a:t>
+            </a:r>
+            <a:endParaRPr kumimoji="1" lang="en-US" altLang="ja-JP" sz="2000" dirty="0" smtClean="0">
+              <a:solidFill>
+                <a:schemeClr val="tx1"/>
+              </a:solidFill>
+            </a:endParaRPr>
+          </a:p>
+        </p:txBody>
+      </p:sp>
+      <p:cxnSp>
+        <p:nvCxnSpPr>
+          <p:cNvPr id="173" name="カギ線コネクタ 172"/>
+          <p:cNvCxnSpPr>
+            <a:stCxn id="171" idx="2"/>
+            <a:endCxn id="94" idx="0"/>
+          </p:cNvCxnSpPr>
+          <p:nvPr/>
+        </p:nvCxnSpPr>
+        <p:spPr>
+          <a:xfrm rot="5400000">
+            <a:off x="2719417" y="-316544"/>
+            <a:ext cx="518803" cy="2293274"/>
+          </a:xfrm>
+          <a:prstGeom prst="bentConnector3">
+            <a:avLst>
+              <a:gd name="adj1" fmla="val 50000"/>
+            </a:avLst>
+          </a:prstGeom>
+          <a:ln>
+            <a:solidFill>
+              <a:schemeClr val="tx1"/>
+            </a:solidFill>
+            <a:headEnd type="triangle" w="med" len="med"/>
+            <a:tailEnd type="triangle" w="med" len="med"/>
+          </a:ln>
+        </p:spPr>
+        <p:style>
+          <a:lnRef idx="1">
+            <a:schemeClr val="accent1"/>
+          </a:lnRef>
+          <a:fillRef idx="0">
+            <a:schemeClr val="accent1"/>
+          </a:fillRef>
+          <a:effectRef idx="0">
+            <a:schemeClr val="accent1"/>
+          </a:effectRef>
+          <a:fontRef idx="minor">
+            <a:schemeClr val="tx1"/>
+          </a:fontRef>
+        </p:style>
+      </p:cxnSp>
+      <p:sp>
+        <p:nvSpPr>
+          <p:cNvPr id="177" name="正方形/長方形 176"/>
+          <p:cNvSpPr/>
+          <p:nvPr/>
+        </p:nvSpPr>
+        <p:spPr>
+          <a:xfrm>
+            <a:off x="2171382" y="669020"/>
+            <a:ext cx="860948" cy="194959"/>
+          </a:xfrm>
+          <a:prstGeom prst="rect">
+            <a:avLst/>
+          </a:prstGeom>
+          <a:noFill/>
+          <a:ln w="12700">
+            <a:noFill/>
+          </a:ln>
+        </p:spPr>
+        <p:style>
+          <a:lnRef idx="2">
+            <a:schemeClr val="accent1">
+              <a:shade val="50000"/>
+            </a:schemeClr>
+          </a:lnRef>
+          <a:fillRef idx="1">
+            <a:schemeClr val="accent1"/>
+          </a:fillRef>
+          <a:effectRef idx="0">
+            <a:schemeClr val="accent1"/>
+          </a:effectRef>
+          <a:fontRef idx="minor">
+            <a:schemeClr val="lt1"/>
+          </a:fontRef>
+        </p:style>
+        <p:txBody>
+          <a:bodyPr rtlCol="0" anchor="ctr"/>
+          <a:lstStyle/>
+          <a:p>
+            <a:pPr algn="ctr"/>
+            <a:r>
+              <a:rPr kumimoji="1" lang="en-US" altLang="ja-JP" sz="1400" dirty="0" smtClean="0">
+                <a:solidFill>
+                  <a:schemeClr val="tx1"/>
+                </a:solidFill>
+              </a:rPr>
+              <a:t>TCP/IP</a:t>
+            </a:r>
+          </a:p>
+        </p:txBody>
+      </p:sp>
+      <p:sp>
+        <p:nvSpPr>
+          <p:cNvPr id="180" name="正方形/長方形 179"/>
+          <p:cNvSpPr/>
+          <p:nvPr/>
+        </p:nvSpPr>
+        <p:spPr>
+          <a:xfrm>
+            <a:off x="6965796" y="5573333"/>
+            <a:ext cx="1780045" cy="1038745"/>
+          </a:xfrm>
+          <a:prstGeom prst="rect">
+            <a:avLst/>
+          </a:prstGeom>
+          <a:solidFill>
+            <a:schemeClr val="bg1"/>
+          </a:solidFill>
+          <a:ln w="12700">
+            <a:solidFill>
+              <a:schemeClr val="bg1">
+                <a:lumMod val="50000"/>
+              </a:schemeClr>
+            </a:solidFill>
+          </a:ln>
+          <a:effectLst>
+            <a:outerShdw blurRad="50800" dist="38100" dir="2700000" algn="tl" rotWithShape="0">
+              <a:prstClr val="black">
+                <a:alpha val="40000"/>
+              </a:prstClr>
+            </a:outerShdw>
+          </a:effectLst>
+        </p:spPr>
+        <p:style>
+          <a:lnRef idx="2">
+            <a:schemeClr val="accent1">
+              <a:shade val="50000"/>
+            </a:schemeClr>
+          </a:lnRef>
+          <a:fillRef idx="1">
+            <a:schemeClr val="accent1"/>
+          </a:fillRef>
+          <a:effectRef idx="0">
+            <a:schemeClr val="accent1"/>
+          </a:effectRef>
+          <a:fontRef idx="minor">
+            <a:schemeClr val="lt1"/>
+          </a:fontRef>
+        </p:style>
+        <p:txBody>
+          <a:bodyPr rtlCol="0" anchor="ctr"/>
+          <a:lstStyle/>
+          <a:p>
+            <a:pPr algn="ctr"/>
+            <a:r>
+              <a:rPr lang="en-US" altLang="ja-JP" sz="1600" dirty="0" smtClean="0">
+                <a:solidFill>
+                  <a:schemeClr val="tx1"/>
+                </a:solidFill>
+              </a:rPr>
+              <a:t>tuner driver</a:t>
+            </a:r>
+          </a:p>
+          <a:p>
+            <a:pPr algn="ctr"/>
+            <a:r>
+              <a:rPr lang="en-US" altLang="ja-JP" sz="1600" dirty="0" smtClean="0">
+                <a:solidFill>
+                  <a:schemeClr val="tx1"/>
+                </a:solidFill>
+              </a:rPr>
+              <a:t>KTV-FSUSB2/V3</a:t>
+            </a:r>
+          </a:p>
+          <a:p>
+            <a:pPr algn="ctr"/>
+            <a:r>
+              <a:rPr kumimoji="1" lang="en-US" altLang="ja-JP" sz="1600" dirty="0" smtClean="0">
+                <a:solidFill>
+                  <a:schemeClr val="tx1"/>
+                </a:solidFill>
+              </a:rPr>
+              <a:t>(it9175)</a:t>
+            </a:r>
+          </a:p>
+        </p:txBody>
+      </p:sp>
+      <p:sp>
+        <p:nvSpPr>
+          <p:cNvPr id="187" name="正方形/長方形 186"/>
+          <p:cNvSpPr/>
+          <p:nvPr/>
+        </p:nvSpPr>
+        <p:spPr>
+          <a:xfrm>
+            <a:off x="6962893" y="5131720"/>
+            <a:ext cx="860948" cy="194959"/>
+          </a:xfrm>
+          <a:prstGeom prst="rect">
+            <a:avLst/>
+          </a:prstGeom>
+          <a:noFill/>
+          <a:ln w="12700">
+            <a:noFill/>
+          </a:ln>
+        </p:spPr>
+        <p:style>
+          <a:lnRef idx="2">
+            <a:schemeClr val="accent1">
+              <a:shade val="50000"/>
+            </a:schemeClr>
+          </a:lnRef>
+          <a:fillRef idx="1">
+            <a:schemeClr val="accent1"/>
+          </a:fillRef>
+          <a:effectRef idx="0">
+            <a:schemeClr val="accent1"/>
+          </a:effectRef>
+          <a:fontRef idx="minor">
+            <a:schemeClr val="lt1"/>
+          </a:fontRef>
+        </p:style>
+        <p:txBody>
+          <a:bodyPr rtlCol="0" anchor="ctr"/>
+          <a:lstStyle/>
+          <a:p>
+            <a:pPr algn="ctr"/>
+            <a:r>
+              <a:rPr lang="en-US" altLang="ja-JP" sz="1400" dirty="0" smtClean="0">
+                <a:solidFill>
+                  <a:schemeClr val="tx1"/>
+                </a:solidFill>
+              </a:rPr>
+              <a:t>USB</a:t>
+            </a:r>
+            <a:endParaRPr kumimoji="1" lang="en-US" altLang="ja-JP" sz="1400" dirty="0" smtClean="0">
+              <a:solidFill>
+                <a:schemeClr val="tx1"/>
+              </a:solidFill>
+            </a:endParaRPr>
+          </a:p>
+        </p:txBody>
+      </p:sp>
+      <p:cxnSp>
+        <p:nvCxnSpPr>
+          <p:cNvPr id="188" name="カギ線コネクタ 187"/>
+          <p:cNvCxnSpPr>
+            <a:stCxn id="180" idx="0"/>
+            <a:endCxn id="101" idx="2"/>
+          </p:cNvCxnSpPr>
+          <p:nvPr/>
+        </p:nvCxnSpPr>
+        <p:spPr>
+          <a:xfrm rot="16200000" flipV="1">
+            <a:off x="6463326" y="4180840"/>
+            <a:ext cx="556743" cy="2228244"/>
+          </a:xfrm>
+          <a:prstGeom prst="bentConnector3">
+            <a:avLst>
+              <a:gd name="adj1" fmla="val 50000"/>
+            </a:avLst>
+          </a:prstGeom>
+          <a:ln>
+            <a:solidFill>
+              <a:schemeClr val="tx1"/>
+            </a:solidFill>
+            <a:headEnd type="triangle" w="med" len="med"/>
+            <a:tailEnd type="triangle" w="med" len="med"/>
+          </a:ln>
+        </p:spPr>
+        <p:style>
+          <a:lnRef idx="1">
+            <a:schemeClr val="accent1"/>
+          </a:lnRef>
+          <a:fillRef idx="0">
+            <a:schemeClr val="accent1"/>
+          </a:fillRef>
+          <a:effectRef idx="0">
+            <a:schemeClr val="accent1"/>
+          </a:effectRef>
+          <a:fontRef idx="minor">
+            <a:schemeClr val="tx1"/>
+          </a:fontRef>
+        </p:style>
+      </p:cxnSp>
+      <p:sp>
+        <p:nvSpPr>
+          <p:cNvPr id="198" name="正方形/長方形 197"/>
+          <p:cNvSpPr/>
+          <p:nvPr/>
+        </p:nvSpPr>
+        <p:spPr>
+          <a:xfrm>
+            <a:off x="891381" y="3389174"/>
+            <a:ext cx="860948" cy="223639"/>
+          </a:xfrm>
+          <a:prstGeom prst="rect">
+            <a:avLst/>
+          </a:prstGeom>
+          <a:noFill/>
+          <a:ln w="12700">
+            <a:noFill/>
+          </a:ln>
+        </p:spPr>
+        <p:style>
+          <a:lnRef idx="2">
+            <a:schemeClr val="accent1">
+              <a:shade val="50000"/>
+            </a:schemeClr>
+          </a:lnRef>
+          <a:fillRef idx="1">
+            <a:schemeClr val="accent1"/>
+          </a:fillRef>
+          <a:effectRef idx="0">
+            <a:schemeClr val="accent1"/>
+          </a:effectRef>
+          <a:fontRef idx="minor">
+            <a:schemeClr val="lt1"/>
+          </a:fontRef>
+        </p:style>
+        <p:txBody>
+          <a:bodyPr rtlCol="0" anchor="ctr"/>
+          <a:lstStyle/>
+          <a:p>
+            <a:pPr algn="ctr"/>
+            <a:r>
+              <a:rPr lang="en-US" altLang="ja-JP" sz="1400" dirty="0">
+                <a:solidFill>
+                  <a:schemeClr val="tx1"/>
+                </a:solidFill>
+              </a:rPr>
+              <a:t>T</a:t>
+            </a:r>
+            <a:r>
+              <a:rPr lang="en-US" altLang="ja-JP" sz="1400" dirty="0" smtClean="0">
+                <a:solidFill>
+                  <a:schemeClr val="tx1"/>
+                </a:solidFill>
+              </a:rPr>
+              <a:t>uning</a:t>
+            </a:r>
+            <a:endParaRPr kumimoji="1" lang="en-US" altLang="ja-JP" sz="1400" dirty="0" smtClean="0">
+              <a:solidFill>
+                <a:schemeClr val="tx1"/>
+              </a:solidFill>
+            </a:endParaRPr>
+          </a:p>
+        </p:txBody>
+      </p:sp>
+      <p:sp>
+        <p:nvSpPr>
+          <p:cNvPr id="202" name="正方形/長方形 201"/>
+          <p:cNvSpPr/>
+          <p:nvPr/>
+        </p:nvSpPr>
+        <p:spPr>
+          <a:xfrm>
+            <a:off x="7500651" y="3641677"/>
+            <a:ext cx="900017" cy="507403"/>
+          </a:xfrm>
+          <a:prstGeom prst="rect">
+            <a:avLst/>
+          </a:prstGeom>
+          <a:solidFill>
+            <a:schemeClr val="tx2">
+              <a:lumMod val="20000"/>
+              <a:lumOff val="80000"/>
+            </a:schemeClr>
+          </a:solidFill>
+          <a:ln w="12700">
+            <a:solidFill>
+              <a:schemeClr val="tx2">
+                <a:lumMod val="75000"/>
+              </a:schemeClr>
+            </a:solidFill>
+          </a:ln>
+          <a:effectLst>
+            <a:outerShdw blurRad="50800" dist="38100" dir="2700000" algn="tl" rotWithShape="0">
+              <a:prstClr val="black">
+                <a:alpha val="40000"/>
+              </a:prstClr>
+            </a:outerShdw>
+          </a:effectLst>
+        </p:spPr>
+        <p:style>
+          <a:lnRef idx="2">
+            <a:schemeClr val="accent1">
+              <a:shade val="50000"/>
+            </a:schemeClr>
+          </a:lnRef>
+          <a:fillRef idx="1">
+            <a:schemeClr val="accent1"/>
+          </a:fillRef>
+          <a:effectRef idx="0">
+            <a:schemeClr val="accent1"/>
+          </a:effectRef>
+          <a:fontRef idx="minor">
+            <a:schemeClr val="lt1"/>
+          </a:fontRef>
+        </p:style>
+        <p:txBody>
+          <a:bodyPr rtlCol="0" anchor="ctr"/>
+          <a:lstStyle/>
+          <a:p>
+            <a:pPr algn="ctr"/>
+            <a:r>
+              <a:rPr lang="en-US" altLang="ja-JP" sz="1600" dirty="0" smtClean="0">
+                <a:solidFill>
+                  <a:schemeClr val="tx1"/>
+                </a:solidFill>
+              </a:rPr>
+              <a:t>B-CAS</a:t>
+            </a:r>
+            <a:endParaRPr kumimoji="1" lang="en-US" altLang="ja-JP" sz="1600" dirty="0" smtClean="0">
+              <a:solidFill>
+                <a:schemeClr val="tx1"/>
+              </a:solidFill>
+            </a:endParaRPr>
+          </a:p>
+        </p:txBody>
+      </p:sp>
+      <p:cxnSp>
+        <p:nvCxnSpPr>
+          <p:cNvPr id="203" name="カギ線コネクタ 202"/>
+          <p:cNvCxnSpPr>
+            <a:stCxn id="202" idx="0"/>
+            <a:endCxn id="66" idx="2"/>
+          </p:cNvCxnSpPr>
+          <p:nvPr/>
+        </p:nvCxnSpPr>
+        <p:spPr>
+          <a:xfrm rot="16200000" flipV="1">
+            <a:off x="7387894" y="3078910"/>
+            <a:ext cx="757568" cy="367965"/>
+          </a:xfrm>
+          <a:prstGeom prst="bentConnector3">
+            <a:avLst>
+              <a:gd name="adj1" fmla="val 50000"/>
+            </a:avLst>
+          </a:prstGeom>
+          <a:ln>
+            <a:solidFill>
+              <a:schemeClr val="tx1"/>
+            </a:solidFill>
+            <a:headEnd type="triangle" w="med" len="med"/>
+            <a:tailEnd type="triangle" w="med" len="med"/>
+          </a:ln>
+        </p:spPr>
+        <p:style>
+          <a:lnRef idx="1">
+            <a:schemeClr val="accent1"/>
+          </a:lnRef>
+          <a:fillRef idx="0">
+            <a:schemeClr val="accent1"/>
+          </a:fillRef>
+          <a:effectRef idx="0">
+            <a:schemeClr val="accent1"/>
+          </a:effectRef>
+          <a:fontRef idx="minor">
+            <a:schemeClr val="tx1"/>
+          </a:fontRef>
+        </p:style>
+      </p:cxnSp>
+      <p:sp>
+        <p:nvSpPr>
+          <p:cNvPr id="107" name="正方形/長方形 106"/>
+          <p:cNvSpPr/>
+          <p:nvPr/>
+        </p:nvSpPr>
+        <p:spPr>
+          <a:xfrm>
+            <a:off x="1733138" y="3581644"/>
+            <a:ext cx="3333549" cy="362313"/>
+          </a:xfrm>
+          <a:prstGeom prst="rect">
+            <a:avLst/>
+          </a:prstGeom>
+          <a:solidFill>
+            <a:schemeClr val="accent6">
+              <a:lumMod val="60000"/>
+              <a:lumOff val="40000"/>
+            </a:schemeClr>
+          </a:solidFill>
+          <a:ln>
+            <a:solidFill>
+              <a:srgbClr val="FF0000"/>
+            </a:solidFill>
+          </a:ln>
+          <a:effectLst>
+            <a:outerShdw blurRad="50800" dist="38100" dir="2700000" algn="tl" rotWithShape="0">
+              <a:prstClr val="black">
+                <a:alpha val="40000"/>
+              </a:prstClr>
+            </a:outerShdw>
+          </a:effectLst>
+        </p:spPr>
+        <p:style>
+          <a:lnRef idx="2">
+            <a:schemeClr val="accent1">
+              <a:shade val="50000"/>
+            </a:schemeClr>
+          </a:lnRef>
+          <a:fillRef idx="1">
+            <a:schemeClr val="accent1"/>
+          </a:fillRef>
+          <a:effectRef idx="0">
+            <a:schemeClr val="accent1"/>
+          </a:effectRef>
+          <a:fontRef idx="minor">
+            <a:schemeClr val="lt1"/>
+          </a:fontRef>
+        </p:style>
+        <p:txBody>
+          <a:bodyPr rtlCol="0" anchor="ctr"/>
+          <a:lstStyle/>
+          <a:p>
+            <a:pPr algn="ctr"/>
+            <a:r>
+              <a:rPr kumimoji="1" lang="en-US" altLang="ja-JP" sz="1400" dirty="0" smtClean="0">
+                <a:solidFill>
+                  <a:schemeClr val="tx1"/>
+                </a:solidFill>
+              </a:rPr>
+              <a:t>PSI/SI Manager</a:t>
+            </a:r>
+            <a:endParaRPr kumimoji="1" lang="ja-JP" altLang="en-US" sz="1400" dirty="0">
+              <a:solidFill>
+                <a:schemeClr val="tx1"/>
+              </a:solidFill>
+            </a:endParaRPr>
+          </a:p>
+        </p:txBody>
+      </p:sp>
+      <p:sp>
+        <p:nvSpPr>
+          <p:cNvPr id="106" name="正方形/長方形 105"/>
+          <p:cNvSpPr/>
+          <p:nvPr/>
+        </p:nvSpPr>
+        <p:spPr>
+          <a:xfrm>
+            <a:off x="1845065" y="1769461"/>
+            <a:ext cx="2510911" cy="281768"/>
+          </a:xfrm>
+          <a:prstGeom prst="rect">
+            <a:avLst/>
+          </a:prstGeom>
+          <a:solidFill>
+            <a:schemeClr val="accent6">
+              <a:lumMod val="60000"/>
+              <a:lumOff val="40000"/>
+            </a:schemeClr>
+          </a:solidFill>
+          <a:ln>
+            <a:solidFill>
+              <a:srgbClr val="FF0000"/>
+            </a:solidFill>
+          </a:ln>
+          <a:effectLst>
+            <a:outerShdw blurRad="50800" dist="38100" dir="2700000" algn="tl" rotWithShape="0">
+              <a:prstClr val="black">
+                <a:alpha val="40000"/>
+              </a:prstClr>
+            </a:outerShdw>
+          </a:effectLst>
+        </p:spPr>
+        <p:style>
+          <a:lnRef idx="2">
+            <a:schemeClr val="accent1">
+              <a:shade val="50000"/>
+            </a:schemeClr>
+          </a:lnRef>
+          <a:fillRef idx="1">
+            <a:schemeClr val="accent1"/>
+          </a:fillRef>
+          <a:effectRef idx="0">
+            <a:schemeClr val="accent1"/>
+          </a:effectRef>
+          <a:fontRef idx="minor">
+            <a:schemeClr val="lt1"/>
+          </a:fontRef>
+        </p:style>
+        <p:txBody>
+          <a:bodyPr rtlCol="0" anchor="ctr"/>
+          <a:lstStyle/>
+          <a:p>
+            <a:pPr algn="ctr"/>
+            <a:r>
+              <a:rPr kumimoji="1" lang="en-US" altLang="ja-JP" sz="1400" dirty="0" smtClean="0">
+                <a:solidFill>
+                  <a:schemeClr val="tx1"/>
+                </a:solidFill>
+              </a:rPr>
+              <a:t>Event Schedule Manager</a:t>
             </a:r>
             <a:endParaRPr kumimoji="1" lang="ja-JP" altLang="en-US" sz="1400" dirty="0">
               <a:solidFill>
@@ -6027,15 +9698,7 @@
                   <a:schemeClr val="tx1"/>
                 </a:solidFill>
               </a:rPr>
-              <a:t>TS</a:t>
-            </a:r>
-            <a:r>
-              <a:rPr lang="en-US" altLang="ja-JP" sz="1400" dirty="0" smtClean="0">
-                <a:solidFill>
-                  <a:schemeClr val="tx1"/>
-                </a:solidFill>
-              </a:rPr>
-              <a:t> parser</a:t>
+              <a:t>TS parser</a:t>
             </a:r>
             <a:endParaRPr kumimoji="1" lang="ja-JP" altLang="en-US" sz="1400" dirty="0">
               <a:solidFill>
@@ -6338,7 +10001,7 @@
     </p:spTree>
     <p:extLst>
       <p:ext uri="{BB962C8B-B14F-4D97-AF65-F5344CB8AC3E}">
-        <p14:creationId xmlns:p14="http://schemas.microsoft.com/office/powerpoint/2010/main" val="163954629"/>
+        <p14:creationId xmlns:p14="http://schemas.microsoft.com/office/powerpoint/2010/main" val="1697017363"/>
       </p:ext>
     </p:extLst>
   </p:cSld>
